--- a/All report/Week 1 - Group 8.pptx
+++ b/All report/Week 1 - Group 8.pptx
@@ -1,26 +1,26 @@
 
 <file path=ppt/presentation.xml><?xml version="1.0" encoding="utf-8"?>
-<p:presentation xmlns:a="http://schemas.openxmlformats.org/drawingml/2006/main" xmlns:r="http://schemas.openxmlformats.org/officeDocument/2006/relationships" xmlns:mc="http://schemas.openxmlformats.org/markup-compatibility/2006" xmlns:mv="urn:schemas-microsoft-com:mac:vml" xmlns:p="http://schemas.openxmlformats.org/presentationml/2006/main" xmlns:c="http://schemas.openxmlformats.org/drawingml/2006/chart" xmlns:dgm="http://schemas.openxmlformats.org/drawingml/2006/diagram" xmlns:o="urn:schemas-microsoft-com:office:office" xmlns:v="urn:schemas-microsoft-com:vml" xmlns:pvml="urn:schemas-microsoft-com:office:powerpoint" xmlns:com="http://schemas.openxmlformats.org/drawingml/2006/compatibility" xmlns:p14="http://schemas.microsoft.com/office/powerpoint/2010/main" xmlns:p15="http://schemas.microsoft.com/office/powerpoint/2012/main" xmlns:ahyp="http://schemas.microsoft.com/office/drawing/2018/hyperlinkcolor" autoCompressPictures="0" strictFirstAndLastChars="0" saveSubsetFonts="1">
+<p:presentation xmlns:a="http://schemas.openxmlformats.org/drawingml/2006/main" xmlns:r="http://schemas.openxmlformats.org/officeDocument/2006/relationships" xmlns:p="http://schemas.openxmlformats.org/presentationml/2006/main" strictFirstAndLastChars="0" saveSubsetFonts="1" autoCompressPictures="0">
   <p:sldMasterIdLst>
-    <p:sldMasterId id="2147483659" r:id="rId4"/>
+    <p:sldMasterId id="2147483659" r:id="rId1"/>
   </p:sldMasterIdLst>
   <p:notesMasterIdLst>
-    <p:notesMasterId r:id="rId5"/>
+    <p:notesMasterId r:id="rId10"/>
   </p:notesMasterIdLst>
   <p:sldIdLst>
-    <p:sldId id="256" r:id="rId6"/>
-    <p:sldId id="257" r:id="rId7"/>
-    <p:sldId id="258" r:id="rId8"/>
-    <p:sldId id="259" r:id="rId9"/>
-    <p:sldId id="260" r:id="rId10"/>
-    <p:sldId id="261" r:id="rId11"/>
-    <p:sldId id="262" r:id="rId12"/>
-    <p:sldId id="263" r:id="rId13"/>
+    <p:sldId id="256" r:id="rId2"/>
+    <p:sldId id="257" r:id="rId3"/>
+    <p:sldId id="258" r:id="rId4"/>
+    <p:sldId id="259" r:id="rId5"/>
+    <p:sldId id="260" r:id="rId6"/>
+    <p:sldId id="261" r:id="rId7"/>
+    <p:sldId id="262" r:id="rId8"/>
+    <p:sldId id="263" r:id="rId9"/>
   </p:sldIdLst>
-  <p:sldSz cy="6858000" cx="9144000"/>
+  <p:sldSz cx="9144000" cy="6858000" type="screen4x3"/>
   <p:notesSz cx="6858000" cy="9144000"/>
   <p:defaultTextStyle>
-    <a:defPPr lvl="0" marR="0" rtl="0" algn="l">
+    <a:defPPr marR="0" lvl="0" algn="l" rtl="0">
       <a:lnSpc>
         <a:spcPct val="100000"/>
       </a:lnSpc>
@@ -31,7 +31,7 @@
         <a:spcPts val="0"/>
       </a:spcAft>
     </a:defPPr>
-    <a:lvl1pPr lvl="0" marR="0" rtl="0" algn="l">
+    <a:lvl1pPr marR="0" lvl="0" algn="l" rtl="0">
       <a:lnSpc>
         <a:spcPct val="100000"/>
       </a:lnSpc>
@@ -45,7 +45,7 @@
         <a:srgbClr val="000000"/>
       </a:buClr>
       <a:buFont typeface="Arial"/>
-      <a:defRPr b="0" i="0" sz="1400" u="none" cap="none" strike="noStrike">
+      <a:defRPr sz="1400" b="0" i="0" u="none" strike="noStrike" cap="none">
         <a:solidFill>
           <a:srgbClr val="000000"/>
         </a:solidFill>
@@ -55,7 +55,7 @@
         <a:sym typeface="Arial"/>
       </a:defRPr>
     </a:lvl1pPr>
-    <a:lvl2pPr lvl="1" marR="0" rtl="0" algn="l">
+    <a:lvl2pPr marR="0" lvl="1" algn="l" rtl="0">
       <a:lnSpc>
         <a:spcPct val="100000"/>
       </a:lnSpc>
@@ -69,7 +69,7 @@
         <a:srgbClr val="000000"/>
       </a:buClr>
       <a:buFont typeface="Arial"/>
-      <a:defRPr b="0" i="0" sz="1400" u="none" cap="none" strike="noStrike">
+      <a:defRPr sz="1400" b="0" i="0" u="none" strike="noStrike" cap="none">
         <a:solidFill>
           <a:srgbClr val="000000"/>
         </a:solidFill>
@@ -79,7 +79,7 @@
         <a:sym typeface="Arial"/>
       </a:defRPr>
     </a:lvl2pPr>
-    <a:lvl3pPr lvl="2" marR="0" rtl="0" algn="l">
+    <a:lvl3pPr marR="0" lvl="2" algn="l" rtl="0">
       <a:lnSpc>
         <a:spcPct val="100000"/>
       </a:lnSpc>
@@ -93,7 +93,7 @@
         <a:srgbClr val="000000"/>
       </a:buClr>
       <a:buFont typeface="Arial"/>
-      <a:defRPr b="0" i="0" sz="1400" u="none" cap="none" strike="noStrike">
+      <a:defRPr sz="1400" b="0" i="0" u="none" strike="noStrike" cap="none">
         <a:solidFill>
           <a:srgbClr val="000000"/>
         </a:solidFill>
@@ -103,7 +103,7 @@
         <a:sym typeface="Arial"/>
       </a:defRPr>
     </a:lvl3pPr>
-    <a:lvl4pPr lvl="3" marR="0" rtl="0" algn="l">
+    <a:lvl4pPr marR="0" lvl="3" algn="l" rtl="0">
       <a:lnSpc>
         <a:spcPct val="100000"/>
       </a:lnSpc>
@@ -117,7 +117,7 @@
         <a:srgbClr val="000000"/>
       </a:buClr>
       <a:buFont typeface="Arial"/>
-      <a:defRPr b="0" i="0" sz="1400" u="none" cap="none" strike="noStrike">
+      <a:defRPr sz="1400" b="0" i="0" u="none" strike="noStrike" cap="none">
         <a:solidFill>
           <a:srgbClr val="000000"/>
         </a:solidFill>
@@ -127,7 +127,7 @@
         <a:sym typeface="Arial"/>
       </a:defRPr>
     </a:lvl4pPr>
-    <a:lvl5pPr lvl="4" marR="0" rtl="0" algn="l">
+    <a:lvl5pPr marR="0" lvl="4" algn="l" rtl="0">
       <a:lnSpc>
         <a:spcPct val="100000"/>
       </a:lnSpc>
@@ -141,7 +141,7 @@
         <a:srgbClr val="000000"/>
       </a:buClr>
       <a:buFont typeface="Arial"/>
-      <a:defRPr b="0" i="0" sz="1400" u="none" cap="none" strike="noStrike">
+      <a:defRPr sz="1400" b="0" i="0" u="none" strike="noStrike" cap="none">
         <a:solidFill>
           <a:srgbClr val="000000"/>
         </a:solidFill>
@@ -151,7 +151,7 @@
         <a:sym typeface="Arial"/>
       </a:defRPr>
     </a:lvl5pPr>
-    <a:lvl6pPr lvl="5" marR="0" rtl="0" algn="l">
+    <a:lvl6pPr marR="0" lvl="5" algn="l" rtl="0">
       <a:lnSpc>
         <a:spcPct val="100000"/>
       </a:lnSpc>
@@ -165,7 +165,7 @@
         <a:srgbClr val="000000"/>
       </a:buClr>
       <a:buFont typeface="Arial"/>
-      <a:defRPr b="0" i="0" sz="1400" u="none" cap="none" strike="noStrike">
+      <a:defRPr sz="1400" b="0" i="0" u="none" strike="noStrike" cap="none">
         <a:solidFill>
           <a:srgbClr val="000000"/>
         </a:solidFill>
@@ -175,7 +175,7 @@
         <a:sym typeface="Arial"/>
       </a:defRPr>
     </a:lvl6pPr>
-    <a:lvl7pPr lvl="6" marR="0" rtl="0" algn="l">
+    <a:lvl7pPr marR="0" lvl="6" algn="l" rtl="0">
       <a:lnSpc>
         <a:spcPct val="100000"/>
       </a:lnSpc>
@@ -189,7 +189,7 @@
         <a:srgbClr val="000000"/>
       </a:buClr>
       <a:buFont typeface="Arial"/>
-      <a:defRPr b="0" i="0" sz="1400" u="none" cap="none" strike="noStrike">
+      <a:defRPr sz="1400" b="0" i="0" u="none" strike="noStrike" cap="none">
         <a:solidFill>
           <a:srgbClr val="000000"/>
         </a:solidFill>
@@ -199,7 +199,7 @@
         <a:sym typeface="Arial"/>
       </a:defRPr>
     </a:lvl7pPr>
-    <a:lvl8pPr lvl="7" marR="0" rtl="0" algn="l">
+    <a:lvl8pPr marR="0" lvl="7" algn="l" rtl="0">
       <a:lnSpc>
         <a:spcPct val="100000"/>
       </a:lnSpc>
@@ -213,7 +213,7 @@
         <a:srgbClr val="000000"/>
       </a:buClr>
       <a:buFont typeface="Arial"/>
-      <a:defRPr b="0" i="0" sz="1400" u="none" cap="none" strike="noStrike">
+      <a:defRPr sz="1400" b="0" i="0" u="none" strike="noStrike" cap="none">
         <a:solidFill>
           <a:srgbClr val="000000"/>
         </a:solidFill>
@@ -223,7 +223,7 @@
         <a:sym typeface="Arial"/>
       </a:defRPr>
     </a:lvl8pPr>
-    <a:lvl9pPr lvl="8" marR="0" rtl="0" algn="l">
+    <a:lvl9pPr marR="0" lvl="8" algn="l" rtl="0">
       <a:lnSpc>
         <a:spcPct val="100000"/>
       </a:lnSpc>
@@ -237,7 +237,7 @@
         <a:srgbClr val="000000"/>
       </a:buClr>
       <a:buFont typeface="Arial"/>
-      <a:defRPr b="0" i="0" sz="1400" u="none" cap="none" strike="noStrike">
+      <a:defRPr sz="1400" b="0" i="0" u="none" strike="noStrike" cap="none">
         <a:solidFill>
           <a:srgbClr val="000000"/>
         </a:solidFill>
@@ -250,7 +250,7 @@
   </p:defaultTextStyle>
   <p:extLst>
     <p:ext uri="{EFAFB233-063F-42B5-8137-9DF3F51BA10A}">
-      <p15:sldGuideLst>
+      <p15:sldGuideLst xmlns:p15="http://schemas.microsoft.com/office/powerpoint/2012/main">
         <p15:guide id="1" orient="horz" pos="2160">
           <p15:clr>
             <a:srgbClr val="000000"/>
@@ -268,11 +268,16 @@
 </file>
 
 <file path=ppt/notesMasters/notesMaster1.xml><?xml version="1.0" encoding="utf-8"?>
-<p:notesMaster xmlns:a="http://schemas.openxmlformats.org/drawingml/2006/main" xmlns:r="http://schemas.openxmlformats.org/officeDocument/2006/relationships" xmlns:mc="http://schemas.openxmlformats.org/markup-compatibility/2006" xmlns:mv="urn:schemas-microsoft-com:mac:vml" xmlns:p="http://schemas.openxmlformats.org/presentationml/2006/main" xmlns:c="http://schemas.openxmlformats.org/drawingml/2006/chart" xmlns:dgm="http://schemas.openxmlformats.org/drawingml/2006/diagram" xmlns:o="urn:schemas-microsoft-com:office:office" xmlns:v="urn:schemas-microsoft-com:vml" xmlns:pvml="urn:schemas-microsoft-com:office:powerpoint" xmlns:com="http://schemas.openxmlformats.org/drawingml/2006/compatibility" xmlns:p14="http://schemas.microsoft.com/office/powerpoint/2010/main" xmlns:p15="http://schemas.microsoft.com/office/powerpoint/2012/main" xmlns:ahyp="http://schemas.microsoft.com/office/drawing/2018/hyperlinkcolor">
+<p:notesMaster xmlns:a="http://schemas.openxmlformats.org/drawingml/2006/main" xmlns:r="http://schemas.openxmlformats.org/officeDocument/2006/relationships" xmlns:p="http://schemas.openxmlformats.org/presentationml/2006/main">
   <p:cSld>
+    <p:bg>
+      <p:bgRef idx="1001">
+        <a:schemeClr val="bg1"/>
+      </p:bgRef>
+    </p:bg>
     <p:spTree>
       <p:nvGrpSpPr>
-        <p:cNvPr id="2" name="Shape 2"/>
+        <p:cNvPr id="1" name="Shape 2"/>
         <p:cNvGrpSpPr/>
         <p:nvPr/>
       </p:nvGrpSpPr>
@@ -287,9 +292,11 @@
       <p:sp>
         <p:nvSpPr>
           <p:cNvPr id="3" name="Google Shape;3;n"/>
-          <p:cNvSpPr/>
+          <p:cNvSpPr>
+            <a:spLocks noGrp="1" noRot="1" noChangeAspect="1"/>
+          </p:cNvSpPr>
           <p:nvPr>
-            <p:ph idx="2" type="sldImg"/>
+            <p:ph type="sldImg" idx="2"/>
           </p:nvPr>
         </p:nvSpPr>
         <p:spPr>
@@ -298,9 +305,13 @@
             <a:ext cx="4572225" cy="3429000"/>
           </a:xfrm>
           <a:custGeom>
-            <a:rect b="b" l="l" r="r" t="t"/>
+            <a:avLst/>
+            <a:gdLst/>
+            <a:ahLst/>
+            <a:cxnLst/>
+            <a:rect l="l" t="t" r="r" b="b"/>
             <a:pathLst>
-              <a:path extrusionOk="0" h="120000" w="120000">
+              <a:path w="120000" h="120000" extrusionOk="0">
                 <a:moveTo>
                   <a:pt x="0" y="0"/>
                 </a:moveTo>
@@ -318,23 +329,25 @@
             </a:pathLst>
           </a:custGeom>
           <a:noFill/>
-          <a:ln cap="flat" cmpd="sng" w="9525">
+          <a:ln w="9525" cap="flat" cmpd="sng">
             <a:solidFill>
               <a:srgbClr val="000000"/>
             </a:solidFill>
             <a:prstDash val="solid"/>
             <a:round/>
-            <a:headEnd len="sm" w="sm" type="none"/>
-            <a:tailEnd len="sm" w="sm" type="none"/>
+            <a:headEnd type="none" w="sm" len="sm"/>
+            <a:tailEnd type="none" w="sm" len="sm"/>
           </a:ln>
         </p:spPr>
       </p:sp>
       <p:sp>
         <p:nvSpPr>
           <p:cNvPr id="4" name="Google Shape;4;n"/>
-          <p:cNvSpPr txBox="1"/>
+          <p:cNvSpPr txBox="1">
+            <a:spLocks noGrp="1"/>
+          </p:cNvSpPr>
           <p:nvPr>
-            <p:ph idx="1" type="body"/>
+            <p:ph type="body" idx="1"/>
           </p:nvPr>
         </p:nvSpPr>
         <p:spPr>
@@ -351,11 +364,11 @@
           </a:ln>
         </p:spPr>
         <p:txBody>
-          <a:bodyPr anchorCtr="0" anchor="t" bIns="91425" lIns="91425" spcFirstLastPara="1" rIns="91425" wrap="square" tIns="91425">
+          <a:bodyPr spcFirstLastPara="1" wrap="square" lIns="91425" tIns="91425" rIns="91425" bIns="91425" anchor="t" anchorCtr="0">
             <a:noAutofit/>
           </a:bodyPr>
           <a:lstStyle>
-            <a:lvl1pPr indent="-298450" lvl="0" marL="457200">
+            <a:lvl1pPr marL="457200" lvl="0" indent="-298450">
               <a:spcBef>
                 <a:spcPts val="0"/>
               </a:spcBef>
@@ -366,7 +379,7 @@
               <a:buChar char="●"/>
               <a:defRPr sz="1100"/>
             </a:lvl1pPr>
-            <a:lvl2pPr indent="-298450" lvl="1" marL="914400">
+            <a:lvl2pPr marL="914400" lvl="1" indent="-298450">
               <a:spcBef>
                 <a:spcPts val="0"/>
               </a:spcBef>
@@ -377,7 +390,7 @@
               <a:buChar char="○"/>
               <a:defRPr sz="1100"/>
             </a:lvl2pPr>
-            <a:lvl3pPr indent="-298450" lvl="2" marL="1371600">
+            <a:lvl3pPr marL="1371600" lvl="2" indent="-298450">
               <a:spcBef>
                 <a:spcPts val="0"/>
               </a:spcBef>
@@ -388,7 +401,7 @@
               <a:buChar char="■"/>
               <a:defRPr sz="1100"/>
             </a:lvl3pPr>
-            <a:lvl4pPr indent="-298450" lvl="3" marL="1828800">
+            <a:lvl4pPr marL="1828800" lvl="3" indent="-298450">
               <a:spcBef>
                 <a:spcPts val="0"/>
               </a:spcBef>
@@ -399,7 +412,7 @@
               <a:buChar char="●"/>
               <a:defRPr sz="1100"/>
             </a:lvl4pPr>
-            <a:lvl5pPr indent="-298450" lvl="4" marL="2286000">
+            <a:lvl5pPr marL="2286000" lvl="4" indent="-298450">
               <a:spcBef>
                 <a:spcPts val="0"/>
               </a:spcBef>
@@ -410,7 +423,7 @@
               <a:buChar char="○"/>
               <a:defRPr sz="1100"/>
             </a:lvl5pPr>
-            <a:lvl6pPr indent="-298450" lvl="5" marL="2743200">
+            <a:lvl6pPr marL="2743200" lvl="5" indent="-298450">
               <a:spcBef>
                 <a:spcPts val="0"/>
               </a:spcBef>
@@ -421,7 +434,7 @@
               <a:buChar char="■"/>
               <a:defRPr sz="1100"/>
             </a:lvl6pPr>
-            <a:lvl7pPr indent="-298450" lvl="6" marL="3200400">
+            <a:lvl7pPr marL="3200400" lvl="6" indent="-298450">
               <a:spcBef>
                 <a:spcPts val="0"/>
               </a:spcBef>
@@ -432,7 +445,7 @@
               <a:buChar char="●"/>
               <a:defRPr sz="1100"/>
             </a:lvl7pPr>
-            <a:lvl8pPr indent="-298450" lvl="7" marL="3657600">
+            <a:lvl8pPr marL="3657600" lvl="7" indent="-298450">
               <a:spcBef>
                 <a:spcPts val="0"/>
               </a:spcBef>
@@ -443,7 +456,7 @@
               <a:buChar char="○"/>
               <a:defRPr sz="1100"/>
             </a:lvl8pPr>
-            <a:lvl9pPr indent="-298450" lvl="8" marL="4114800">
+            <a:lvl9pPr marL="4114800" lvl="8" indent="-298450">
               <a:spcBef>
                 <a:spcPts val="0"/>
               </a:spcBef>
@@ -455,14 +468,16 @@
               <a:defRPr sz="1100"/>
             </a:lvl9pPr>
           </a:lstStyle>
-          <a:p/>
+          <a:p>
+            <a:endParaRPr/>
+          </a:p>
         </p:txBody>
       </p:sp>
     </p:spTree>
   </p:cSld>
-  <p:clrMap accent1="accent1" accent2="accent2" accent3="accent3" accent4="accent4" accent5="accent5" accent6="accent6" bg1="lt1" bg2="dk2" tx1="dk1" tx2="lt2" folHlink="folHlink" hlink="hlink"/>
+  <p:clrMap bg1="lt1" tx1="dk1" bg2="dk2" tx2="lt2" accent1="accent1" accent2="accent2" accent3="accent3" accent4="accent4" accent5="accent5" accent6="accent6" hlink="hlink" folHlink="folHlink"/>
   <p:notesStyle>
-    <a:defPPr lvl="0" marR="0" rtl="0" algn="l">
+    <a:defPPr marR="0" lvl="0" algn="l" rtl="0">
       <a:lnSpc>
         <a:spcPct val="100000"/>
       </a:lnSpc>
@@ -473,7 +488,7 @@
         <a:spcPts val="0"/>
       </a:spcAft>
     </a:defPPr>
-    <a:lvl1pPr lvl="0" marR="0" rtl="0" algn="l">
+    <a:lvl1pPr marR="0" lvl="0" algn="l" rtl="0">
       <a:lnSpc>
         <a:spcPct val="100000"/>
       </a:lnSpc>
@@ -487,7 +502,7 @@
         <a:srgbClr val="000000"/>
       </a:buClr>
       <a:buFont typeface="Arial"/>
-      <a:defRPr b="0" i="0" sz="1400" u="none" cap="none" strike="noStrike">
+      <a:defRPr sz="1400" b="0" i="0" u="none" strike="noStrike" cap="none">
         <a:solidFill>
           <a:srgbClr val="000000"/>
         </a:solidFill>
@@ -497,7 +512,7 @@
         <a:sym typeface="Arial"/>
       </a:defRPr>
     </a:lvl1pPr>
-    <a:lvl2pPr lvl="1" marR="0" rtl="0" algn="l">
+    <a:lvl2pPr marR="0" lvl="1" algn="l" rtl="0">
       <a:lnSpc>
         <a:spcPct val="100000"/>
       </a:lnSpc>
@@ -511,7 +526,7 @@
         <a:srgbClr val="000000"/>
       </a:buClr>
       <a:buFont typeface="Arial"/>
-      <a:defRPr b="0" i="0" sz="1400" u="none" cap="none" strike="noStrike">
+      <a:defRPr sz="1400" b="0" i="0" u="none" strike="noStrike" cap="none">
         <a:solidFill>
           <a:srgbClr val="000000"/>
         </a:solidFill>
@@ -521,7 +536,7 @@
         <a:sym typeface="Arial"/>
       </a:defRPr>
     </a:lvl2pPr>
-    <a:lvl3pPr lvl="2" marR="0" rtl="0" algn="l">
+    <a:lvl3pPr marR="0" lvl="2" algn="l" rtl="0">
       <a:lnSpc>
         <a:spcPct val="100000"/>
       </a:lnSpc>
@@ -535,7 +550,7 @@
         <a:srgbClr val="000000"/>
       </a:buClr>
       <a:buFont typeface="Arial"/>
-      <a:defRPr b="0" i="0" sz="1400" u="none" cap="none" strike="noStrike">
+      <a:defRPr sz="1400" b="0" i="0" u="none" strike="noStrike" cap="none">
         <a:solidFill>
           <a:srgbClr val="000000"/>
         </a:solidFill>
@@ -545,7 +560,7 @@
         <a:sym typeface="Arial"/>
       </a:defRPr>
     </a:lvl3pPr>
-    <a:lvl4pPr lvl="3" marR="0" rtl="0" algn="l">
+    <a:lvl4pPr marR="0" lvl="3" algn="l" rtl="0">
       <a:lnSpc>
         <a:spcPct val="100000"/>
       </a:lnSpc>
@@ -559,7 +574,7 @@
         <a:srgbClr val="000000"/>
       </a:buClr>
       <a:buFont typeface="Arial"/>
-      <a:defRPr b="0" i="0" sz="1400" u="none" cap="none" strike="noStrike">
+      <a:defRPr sz="1400" b="0" i="0" u="none" strike="noStrike" cap="none">
         <a:solidFill>
           <a:srgbClr val="000000"/>
         </a:solidFill>
@@ -569,7 +584,7 @@
         <a:sym typeface="Arial"/>
       </a:defRPr>
     </a:lvl4pPr>
-    <a:lvl5pPr lvl="4" marR="0" rtl="0" algn="l">
+    <a:lvl5pPr marR="0" lvl="4" algn="l" rtl="0">
       <a:lnSpc>
         <a:spcPct val="100000"/>
       </a:lnSpc>
@@ -583,7 +598,7 @@
         <a:srgbClr val="000000"/>
       </a:buClr>
       <a:buFont typeface="Arial"/>
-      <a:defRPr b="0" i="0" sz="1400" u="none" cap="none" strike="noStrike">
+      <a:defRPr sz="1400" b="0" i="0" u="none" strike="noStrike" cap="none">
         <a:solidFill>
           <a:srgbClr val="000000"/>
         </a:solidFill>
@@ -593,7 +608,7 @@
         <a:sym typeface="Arial"/>
       </a:defRPr>
     </a:lvl5pPr>
-    <a:lvl6pPr lvl="5" marR="0" rtl="0" algn="l">
+    <a:lvl6pPr marR="0" lvl="5" algn="l" rtl="0">
       <a:lnSpc>
         <a:spcPct val="100000"/>
       </a:lnSpc>
@@ -607,7 +622,7 @@
         <a:srgbClr val="000000"/>
       </a:buClr>
       <a:buFont typeface="Arial"/>
-      <a:defRPr b="0" i="0" sz="1400" u="none" cap="none" strike="noStrike">
+      <a:defRPr sz="1400" b="0" i="0" u="none" strike="noStrike" cap="none">
         <a:solidFill>
           <a:srgbClr val="000000"/>
         </a:solidFill>
@@ -617,7 +632,7 @@
         <a:sym typeface="Arial"/>
       </a:defRPr>
     </a:lvl6pPr>
-    <a:lvl7pPr lvl="6" marR="0" rtl="0" algn="l">
+    <a:lvl7pPr marR="0" lvl="6" algn="l" rtl="0">
       <a:lnSpc>
         <a:spcPct val="100000"/>
       </a:lnSpc>
@@ -631,7 +646,7 @@
         <a:srgbClr val="000000"/>
       </a:buClr>
       <a:buFont typeface="Arial"/>
-      <a:defRPr b="0" i="0" sz="1400" u="none" cap="none" strike="noStrike">
+      <a:defRPr sz="1400" b="0" i="0" u="none" strike="noStrike" cap="none">
         <a:solidFill>
           <a:srgbClr val="000000"/>
         </a:solidFill>
@@ -641,7 +656,7 @@
         <a:sym typeface="Arial"/>
       </a:defRPr>
     </a:lvl7pPr>
-    <a:lvl8pPr lvl="7" marR="0" rtl="0" algn="l">
+    <a:lvl8pPr marR="0" lvl="7" algn="l" rtl="0">
       <a:lnSpc>
         <a:spcPct val="100000"/>
       </a:lnSpc>
@@ -655,7 +670,7 @@
         <a:srgbClr val="000000"/>
       </a:buClr>
       <a:buFont typeface="Arial"/>
-      <a:defRPr b="0" i="0" sz="1400" u="none" cap="none" strike="noStrike">
+      <a:defRPr sz="1400" b="0" i="0" u="none" strike="noStrike" cap="none">
         <a:solidFill>
           <a:srgbClr val="000000"/>
         </a:solidFill>
@@ -665,7 +680,7 @@
         <a:sym typeface="Arial"/>
       </a:defRPr>
     </a:lvl8pPr>
-    <a:lvl9pPr lvl="8" marR="0" rtl="0" algn="l">
+    <a:lvl9pPr marR="0" lvl="8" algn="l" rtl="0">
       <a:lnSpc>
         <a:spcPct val="100000"/>
       </a:lnSpc>
@@ -679,7 +694,7 @@
         <a:srgbClr val="000000"/>
       </a:buClr>
       <a:buFont typeface="Arial"/>
-      <a:defRPr b="0" i="0" sz="1400" u="none" cap="none" strike="noStrike">
+      <a:defRPr sz="1400" b="0" i="0" u="none" strike="noStrike" cap="none">
         <a:solidFill>
           <a:srgbClr val="000000"/>
         </a:solidFill>
@@ -694,11 +709,11 @@
 </file>
 
 <file path=ppt/notesSlides/notesSlide1.xml><?xml version="1.0" encoding="utf-8"?>
-<p:notes xmlns:a="http://schemas.openxmlformats.org/drawingml/2006/main" xmlns:r="http://schemas.openxmlformats.org/officeDocument/2006/relationships" xmlns:mc="http://schemas.openxmlformats.org/markup-compatibility/2006" xmlns:mv="urn:schemas-microsoft-com:mac:vml" xmlns:p="http://schemas.openxmlformats.org/presentationml/2006/main" xmlns:c="http://schemas.openxmlformats.org/drawingml/2006/chart" xmlns:dgm="http://schemas.openxmlformats.org/drawingml/2006/diagram" xmlns:o="urn:schemas-microsoft-com:office:office" xmlns:v="urn:schemas-microsoft-com:vml" xmlns:pvml="urn:schemas-microsoft-com:office:powerpoint" xmlns:com="http://schemas.openxmlformats.org/drawingml/2006/compatibility" xmlns:p14="http://schemas.microsoft.com/office/powerpoint/2010/main" xmlns:p15="http://schemas.microsoft.com/office/powerpoint/2012/main" xmlns:ahyp="http://schemas.microsoft.com/office/drawing/2018/hyperlinkcolor" showMasterPhAnim="0" showMasterSp="0">
+<p:notes xmlns:a="http://schemas.openxmlformats.org/drawingml/2006/main" xmlns:r="http://schemas.openxmlformats.org/officeDocument/2006/relationships" xmlns:p="http://schemas.openxmlformats.org/presentationml/2006/main" showMasterSp="0" showMasterPhAnim="0">
   <p:cSld>
     <p:spTree>
       <p:nvGrpSpPr>
-        <p:cNvPr id="80" name="Shape 80"/>
+        <p:cNvPr id="1" name="Shape 80"/>
         <p:cNvGrpSpPr/>
         <p:nvPr/>
       </p:nvGrpSpPr>
@@ -713,9 +728,11 @@
       <p:sp>
         <p:nvSpPr>
           <p:cNvPr id="81" name="Google Shape;81;p1:notes"/>
-          <p:cNvSpPr txBox="1"/>
+          <p:cNvSpPr txBox="1">
+            <a:spLocks noGrp="1"/>
+          </p:cNvSpPr>
           <p:nvPr>
-            <p:ph idx="1" type="body"/>
+            <p:ph type="body" idx="1"/>
           </p:nvPr>
         </p:nvSpPr>
         <p:spPr>
@@ -728,12 +745,12 @@
           </a:prstGeom>
         </p:spPr>
         <p:txBody>
-          <a:bodyPr anchorCtr="0" anchor="t" bIns="91425" lIns="91425" spcFirstLastPara="1" rIns="91425" wrap="square" tIns="91425">
+          <a:bodyPr spcFirstLastPara="1" wrap="square" lIns="91425" tIns="91425" rIns="91425" bIns="91425" anchor="t" anchorCtr="0">
             <a:noAutofit/>
           </a:bodyPr>
           <a:lstStyle/>
           <a:p>
-            <a:pPr indent="0" lvl="0" marL="0" rtl="0" algn="l">
+            <a:pPr marL="0" lvl="0" indent="0" algn="l" rtl="0">
               <a:spcBef>
                 <a:spcPts val="0"/>
               </a:spcBef>
@@ -742,9 +759,6 @@
               </a:spcAft>
               <a:buNone/>
             </a:pPr>
-            <a:r>
-              <a:t/>
-            </a:r>
             <a:endParaRPr/>
           </a:p>
         </p:txBody>
@@ -752,20 +766,26 @@
       <p:sp>
         <p:nvSpPr>
           <p:cNvPr id="82" name="Google Shape;82;p1:notes"/>
-          <p:cNvSpPr/>
+          <p:cNvSpPr>
+            <a:spLocks noGrp="1" noRot="1" noChangeAspect="1"/>
+          </p:cNvSpPr>
           <p:nvPr>
-            <p:ph idx="2" type="sldImg"/>
+            <p:ph type="sldImg" idx="2"/>
           </p:nvPr>
         </p:nvSpPr>
         <p:spPr>
           <a:xfrm>
-            <a:off x="1143225" y="685800"/>
-            <a:ext cx="4572225" cy="3429000"/>
+            <a:off x="1143000" y="685800"/>
+            <a:ext cx="4572000" cy="3429000"/>
           </a:xfrm>
           <a:custGeom>
-            <a:rect b="b" l="l" r="r" t="t"/>
+            <a:avLst/>
+            <a:gdLst/>
+            <a:ahLst/>
+            <a:cxnLst/>
+            <a:rect l="l" t="t" r="r" b="b"/>
             <a:pathLst>
-              <a:path extrusionOk="0" h="120000" w="120000">
+              <a:path w="120000" h="120000" extrusionOk="0">
                 <a:moveTo>
                   <a:pt x="0" y="0"/>
                 </a:moveTo>
@@ -793,11 +813,11 @@
 </file>
 
 <file path=ppt/notesSlides/notesSlide2.xml><?xml version="1.0" encoding="utf-8"?>
-<p:notes xmlns:a="http://schemas.openxmlformats.org/drawingml/2006/main" xmlns:r="http://schemas.openxmlformats.org/officeDocument/2006/relationships" xmlns:mc="http://schemas.openxmlformats.org/markup-compatibility/2006" xmlns:mv="urn:schemas-microsoft-com:mac:vml" xmlns:p="http://schemas.openxmlformats.org/presentationml/2006/main" xmlns:c="http://schemas.openxmlformats.org/drawingml/2006/chart" xmlns:dgm="http://schemas.openxmlformats.org/drawingml/2006/diagram" xmlns:o="urn:schemas-microsoft-com:office:office" xmlns:v="urn:schemas-microsoft-com:vml" xmlns:pvml="urn:schemas-microsoft-com:office:powerpoint" xmlns:com="http://schemas.openxmlformats.org/drawingml/2006/compatibility" xmlns:p14="http://schemas.microsoft.com/office/powerpoint/2010/main" xmlns:p15="http://schemas.microsoft.com/office/powerpoint/2012/main" xmlns:ahyp="http://schemas.microsoft.com/office/drawing/2018/hyperlinkcolor" showMasterPhAnim="0" showMasterSp="0">
+<p:notes xmlns:a="http://schemas.openxmlformats.org/drawingml/2006/main" xmlns:r="http://schemas.openxmlformats.org/officeDocument/2006/relationships" xmlns:p="http://schemas.openxmlformats.org/presentationml/2006/main" showMasterSp="0" showMasterPhAnim="0">
   <p:cSld>
     <p:spTree>
       <p:nvGrpSpPr>
-        <p:cNvPr id="85" name="Shape 85"/>
+        <p:cNvPr id="1" name="Shape 85"/>
         <p:cNvGrpSpPr/>
         <p:nvPr/>
       </p:nvGrpSpPr>
@@ -812,9 +832,11 @@
       <p:sp>
         <p:nvSpPr>
           <p:cNvPr id="86" name="Google Shape;86;p2:notes"/>
-          <p:cNvSpPr txBox="1"/>
+          <p:cNvSpPr txBox="1">
+            <a:spLocks noGrp="1"/>
+          </p:cNvSpPr>
           <p:nvPr>
-            <p:ph idx="1" type="body"/>
+            <p:ph type="body" idx="1"/>
           </p:nvPr>
         </p:nvSpPr>
         <p:spPr>
@@ -827,12 +849,12 @@
           </a:prstGeom>
         </p:spPr>
         <p:txBody>
-          <a:bodyPr anchorCtr="0" anchor="t" bIns="91425" lIns="91425" spcFirstLastPara="1" rIns="91425" wrap="square" tIns="91425">
+          <a:bodyPr spcFirstLastPara="1" wrap="square" lIns="91425" tIns="91425" rIns="91425" bIns="91425" anchor="t" anchorCtr="0">
             <a:noAutofit/>
           </a:bodyPr>
           <a:lstStyle/>
           <a:p>
-            <a:pPr indent="0" lvl="0" marL="0" rtl="0" algn="l">
+            <a:pPr marL="0" lvl="0" indent="0" algn="l" rtl="0">
               <a:spcBef>
                 <a:spcPts val="0"/>
               </a:spcBef>
@@ -841,9 +863,6 @@
               </a:spcAft>
               <a:buNone/>
             </a:pPr>
-            <a:r>
-              <a:t/>
-            </a:r>
             <a:endParaRPr/>
           </a:p>
         </p:txBody>
@@ -851,9 +870,11 @@
       <p:sp>
         <p:nvSpPr>
           <p:cNvPr id="87" name="Google Shape;87;p2:notes"/>
-          <p:cNvSpPr/>
+          <p:cNvSpPr>
+            <a:spLocks noGrp="1" noRot="1" noChangeAspect="1"/>
+          </p:cNvSpPr>
           <p:nvPr>
-            <p:ph idx="2" type="sldImg"/>
+            <p:ph type="sldImg" idx="2"/>
           </p:nvPr>
         </p:nvSpPr>
         <p:spPr>
@@ -862,9 +883,13 @@
             <a:ext cx="4572225" cy="3429000"/>
           </a:xfrm>
           <a:custGeom>
-            <a:rect b="b" l="l" r="r" t="t"/>
+            <a:avLst/>
+            <a:gdLst/>
+            <a:ahLst/>
+            <a:cxnLst/>
+            <a:rect l="l" t="t" r="r" b="b"/>
             <a:pathLst>
-              <a:path extrusionOk="0" h="120000" w="120000">
+              <a:path w="120000" h="120000" extrusionOk="0">
                 <a:moveTo>
                   <a:pt x="0" y="0"/>
                 </a:moveTo>
@@ -892,11 +917,11 @@
 </file>
 
 <file path=ppt/notesSlides/notesSlide3.xml><?xml version="1.0" encoding="utf-8"?>
-<p:notes xmlns:a="http://schemas.openxmlformats.org/drawingml/2006/main" xmlns:r="http://schemas.openxmlformats.org/officeDocument/2006/relationships" xmlns:mc="http://schemas.openxmlformats.org/markup-compatibility/2006" xmlns:mv="urn:schemas-microsoft-com:mac:vml" xmlns:p="http://schemas.openxmlformats.org/presentationml/2006/main" xmlns:c="http://schemas.openxmlformats.org/drawingml/2006/chart" xmlns:dgm="http://schemas.openxmlformats.org/drawingml/2006/diagram" xmlns:o="urn:schemas-microsoft-com:office:office" xmlns:v="urn:schemas-microsoft-com:vml" xmlns:pvml="urn:schemas-microsoft-com:office:powerpoint" xmlns:com="http://schemas.openxmlformats.org/drawingml/2006/compatibility" xmlns:p14="http://schemas.microsoft.com/office/powerpoint/2010/main" xmlns:p15="http://schemas.microsoft.com/office/powerpoint/2012/main" xmlns:ahyp="http://schemas.microsoft.com/office/drawing/2018/hyperlinkcolor" showMasterPhAnim="0" showMasterSp="0">
+<p:notes xmlns:a="http://schemas.openxmlformats.org/drawingml/2006/main" xmlns:r="http://schemas.openxmlformats.org/officeDocument/2006/relationships" xmlns:p="http://schemas.openxmlformats.org/presentationml/2006/main" showMasterSp="0" showMasterPhAnim="0">
   <p:cSld>
     <p:spTree>
       <p:nvGrpSpPr>
-        <p:cNvPr id="91" name="Shape 91"/>
+        <p:cNvPr id="1" name="Shape 91"/>
         <p:cNvGrpSpPr/>
         <p:nvPr/>
       </p:nvGrpSpPr>
@@ -911,9 +936,11 @@
       <p:sp>
         <p:nvSpPr>
           <p:cNvPr id="92" name="Google Shape;92;p3:notes"/>
-          <p:cNvSpPr txBox="1"/>
+          <p:cNvSpPr txBox="1">
+            <a:spLocks noGrp="1"/>
+          </p:cNvSpPr>
           <p:nvPr>
-            <p:ph idx="1" type="body"/>
+            <p:ph type="body" idx="1"/>
           </p:nvPr>
         </p:nvSpPr>
         <p:spPr>
@@ -926,12 +953,12 @@
           </a:prstGeom>
         </p:spPr>
         <p:txBody>
-          <a:bodyPr anchorCtr="0" anchor="t" bIns="91425" lIns="91425" spcFirstLastPara="1" rIns="91425" wrap="square" tIns="91425">
+          <a:bodyPr spcFirstLastPara="1" wrap="square" lIns="91425" tIns="91425" rIns="91425" bIns="91425" anchor="t" anchorCtr="0">
             <a:noAutofit/>
           </a:bodyPr>
           <a:lstStyle/>
           <a:p>
-            <a:pPr indent="0" lvl="0" marL="0" rtl="0" algn="l">
+            <a:pPr marL="0" lvl="0" indent="0" algn="l" rtl="0">
               <a:spcBef>
                 <a:spcPts val="0"/>
               </a:spcBef>
@@ -940,9 +967,6 @@
               </a:spcAft>
               <a:buNone/>
             </a:pPr>
-            <a:r>
-              <a:t/>
-            </a:r>
             <a:endParaRPr/>
           </a:p>
         </p:txBody>
@@ -950,9 +974,11 @@
       <p:sp>
         <p:nvSpPr>
           <p:cNvPr id="93" name="Google Shape;93;p3:notes"/>
-          <p:cNvSpPr/>
+          <p:cNvSpPr>
+            <a:spLocks noGrp="1" noRot="1" noChangeAspect="1"/>
+          </p:cNvSpPr>
           <p:nvPr>
-            <p:ph idx="2" type="sldImg"/>
+            <p:ph type="sldImg" idx="2"/>
           </p:nvPr>
         </p:nvSpPr>
         <p:spPr>
@@ -961,9 +987,13 @@
             <a:ext cx="4572225" cy="3429000"/>
           </a:xfrm>
           <a:custGeom>
-            <a:rect b="b" l="l" r="r" t="t"/>
+            <a:avLst/>
+            <a:gdLst/>
+            <a:ahLst/>
+            <a:cxnLst/>
+            <a:rect l="l" t="t" r="r" b="b"/>
             <a:pathLst>
-              <a:path extrusionOk="0" h="120000" w="120000">
+              <a:path w="120000" h="120000" extrusionOk="0">
                 <a:moveTo>
                   <a:pt x="0" y="0"/>
                 </a:moveTo>
@@ -991,11 +1021,11 @@
 </file>
 
 <file path=ppt/notesSlides/notesSlide4.xml><?xml version="1.0" encoding="utf-8"?>
-<p:notes xmlns:a="http://schemas.openxmlformats.org/drawingml/2006/main" xmlns:r="http://schemas.openxmlformats.org/officeDocument/2006/relationships" xmlns:mc="http://schemas.openxmlformats.org/markup-compatibility/2006" xmlns:mv="urn:schemas-microsoft-com:mac:vml" xmlns:p="http://schemas.openxmlformats.org/presentationml/2006/main" xmlns:c="http://schemas.openxmlformats.org/drawingml/2006/chart" xmlns:dgm="http://schemas.openxmlformats.org/drawingml/2006/diagram" xmlns:o="urn:schemas-microsoft-com:office:office" xmlns:v="urn:schemas-microsoft-com:vml" xmlns:pvml="urn:schemas-microsoft-com:office:powerpoint" xmlns:com="http://schemas.openxmlformats.org/drawingml/2006/compatibility" xmlns:p14="http://schemas.microsoft.com/office/powerpoint/2010/main" xmlns:p15="http://schemas.microsoft.com/office/powerpoint/2012/main" xmlns:ahyp="http://schemas.microsoft.com/office/drawing/2018/hyperlinkcolor" showMasterPhAnim="0" showMasterSp="0">
+<p:notes xmlns:a="http://schemas.openxmlformats.org/drawingml/2006/main" xmlns:r="http://schemas.openxmlformats.org/officeDocument/2006/relationships" xmlns:p="http://schemas.openxmlformats.org/presentationml/2006/main" showMasterSp="0" showMasterPhAnim="0">
   <p:cSld>
     <p:spTree>
       <p:nvGrpSpPr>
-        <p:cNvPr id="97" name="Shape 97"/>
+        <p:cNvPr id="1" name="Shape 97"/>
         <p:cNvGrpSpPr/>
         <p:nvPr/>
       </p:nvGrpSpPr>
@@ -1010,9 +1040,11 @@
       <p:sp>
         <p:nvSpPr>
           <p:cNvPr id="98" name="Google Shape;98;p4:notes"/>
-          <p:cNvSpPr txBox="1"/>
+          <p:cNvSpPr txBox="1">
+            <a:spLocks noGrp="1"/>
+          </p:cNvSpPr>
           <p:nvPr>
-            <p:ph idx="1" type="body"/>
+            <p:ph type="body" idx="1"/>
           </p:nvPr>
         </p:nvSpPr>
         <p:spPr>
@@ -1025,12 +1057,12 @@
           </a:prstGeom>
         </p:spPr>
         <p:txBody>
-          <a:bodyPr anchorCtr="0" anchor="t" bIns="91425" lIns="91425" spcFirstLastPara="1" rIns="91425" wrap="square" tIns="91425">
+          <a:bodyPr spcFirstLastPara="1" wrap="square" lIns="91425" tIns="91425" rIns="91425" bIns="91425" anchor="t" anchorCtr="0">
             <a:noAutofit/>
           </a:bodyPr>
           <a:lstStyle/>
           <a:p>
-            <a:pPr indent="0" lvl="0" marL="0" rtl="0" algn="l">
+            <a:pPr marL="0" lvl="0" indent="0" algn="l" rtl="0">
               <a:spcBef>
                 <a:spcPts val="0"/>
               </a:spcBef>
@@ -1039,9 +1071,6 @@
               </a:spcAft>
               <a:buNone/>
             </a:pPr>
-            <a:r>
-              <a:t/>
-            </a:r>
             <a:endParaRPr/>
           </a:p>
         </p:txBody>
@@ -1049,9 +1078,11 @@
       <p:sp>
         <p:nvSpPr>
           <p:cNvPr id="99" name="Google Shape;99;p4:notes"/>
-          <p:cNvSpPr/>
+          <p:cNvSpPr>
+            <a:spLocks noGrp="1" noRot="1" noChangeAspect="1"/>
+          </p:cNvSpPr>
           <p:nvPr>
-            <p:ph idx="2" type="sldImg"/>
+            <p:ph type="sldImg" idx="2"/>
           </p:nvPr>
         </p:nvSpPr>
         <p:spPr>
@@ -1060,9 +1091,13 @@
             <a:ext cx="4572225" cy="3429000"/>
           </a:xfrm>
           <a:custGeom>
-            <a:rect b="b" l="l" r="r" t="t"/>
+            <a:avLst/>
+            <a:gdLst/>
+            <a:ahLst/>
+            <a:cxnLst/>
+            <a:rect l="l" t="t" r="r" b="b"/>
             <a:pathLst>
-              <a:path extrusionOk="0" h="120000" w="120000">
+              <a:path w="120000" h="120000" extrusionOk="0">
                 <a:moveTo>
                   <a:pt x="0" y="0"/>
                 </a:moveTo>
@@ -1090,11 +1125,11 @@
 </file>
 
 <file path=ppt/notesSlides/notesSlide5.xml><?xml version="1.0" encoding="utf-8"?>
-<p:notes xmlns:a="http://schemas.openxmlformats.org/drawingml/2006/main" xmlns:r="http://schemas.openxmlformats.org/officeDocument/2006/relationships" xmlns:mc="http://schemas.openxmlformats.org/markup-compatibility/2006" xmlns:mv="urn:schemas-microsoft-com:mac:vml" xmlns:p="http://schemas.openxmlformats.org/presentationml/2006/main" xmlns:c="http://schemas.openxmlformats.org/drawingml/2006/chart" xmlns:dgm="http://schemas.openxmlformats.org/drawingml/2006/diagram" xmlns:o="urn:schemas-microsoft-com:office:office" xmlns:v="urn:schemas-microsoft-com:vml" xmlns:pvml="urn:schemas-microsoft-com:office:powerpoint" xmlns:com="http://schemas.openxmlformats.org/drawingml/2006/compatibility" xmlns:p14="http://schemas.microsoft.com/office/powerpoint/2010/main" xmlns:p15="http://schemas.microsoft.com/office/powerpoint/2012/main" xmlns:ahyp="http://schemas.microsoft.com/office/drawing/2018/hyperlinkcolor" showMasterPhAnim="0" showMasterSp="0">
+<p:notes xmlns:a="http://schemas.openxmlformats.org/drawingml/2006/main" xmlns:r="http://schemas.openxmlformats.org/officeDocument/2006/relationships" xmlns:p="http://schemas.openxmlformats.org/presentationml/2006/main" showMasterSp="0" showMasterPhAnim="0">
   <p:cSld>
     <p:spTree>
       <p:nvGrpSpPr>
-        <p:cNvPr id="102" name="Shape 102"/>
+        <p:cNvPr id="1" name="Shape 102"/>
         <p:cNvGrpSpPr/>
         <p:nvPr/>
       </p:nvGrpSpPr>
@@ -1109,9 +1144,11 @@
       <p:sp>
         <p:nvSpPr>
           <p:cNvPr id="103" name="Google Shape;103;p5:notes"/>
-          <p:cNvSpPr txBox="1"/>
+          <p:cNvSpPr txBox="1">
+            <a:spLocks noGrp="1"/>
+          </p:cNvSpPr>
           <p:nvPr>
-            <p:ph idx="1" type="body"/>
+            <p:ph type="body" idx="1"/>
           </p:nvPr>
         </p:nvSpPr>
         <p:spPr>
@@ -1124,12 +1161,12 @@
           </a:prstGeom>
         </p:spPr>
         <p:txBody>
-          <a:bodyPr anchorCtr="0" anchor="t" bIns="91425" lIns="91425" spcFirstLastPara="1" rIns="91425" wrap="square" tIns="91425">
+          <a:bodyPr spcFirstLastPara="1" wrap="square" lIns="91425" tIns="91425" rIns="91425" bIns="91425" anchor="t" anchorCtr="0">
             <a:noAutofit/>
           </a:bodyPr>
           <a:lstStyle/>
           <a:p>
-            <a:pPr indent="0" lvl="0" marL="0" rtl="0" algn="l">
+            <a:pPr marL="0" lvl="0" indent="0" algn="l" rtl="0">
               <a:spcBef>
                 <a:spcPts val="0"/>
               </a:spcBef>
@@ -1138,9 +1175,6 @@
               </a:spcAft>
               <a:buNone/>
             </a:pPr>
-            <a:r>
-              <a:t/>
-            </a:r>
             <a:endParaRPr/>
           </a:p>
         </p:txBody>
@@ -1148,9 +1182,11 @@
       <p:sp>
         <p:nvSpPr>
           <p:cNvPr id="104" name="Google Shape;104;p5:notes"/>
-          <p:cNvSpPr/>
+          <p:cNvSpPr>
+            <a:spLocks noGrp="1" noRot="1" noChangeAspect="1"/>
+          </p:cNvSpPr>
           <p:nvPr>
-            <p:ph idx="2" type="sldImg"/>
+            <p:ph type="sldImg" idx="2"/>
           </p:nvPr>
         </p:nvSpPr>
         <p:spPr>
@@ -1159,9 +1195,13 @@
             <a:ext cx="4572225" cy="3429000"/>
           </a:xfrm>
           <a:custGeom>
-            <a:rect b="b" l="l" r="r" t="t"/>
+            <a:avLst/>
+            <a:gdLst/>
+            <a:ahLst/>
+            <a:cxnLst/>
+            <a:rect l="l" t="t" r="r" b="b"/>
             <a:pathLst>
-              <a:path extrusionOk="0" h="120000" w="120000">
+              <a:path w="120000" h="120000" extrusionOk="0">
                 <a:moveTo>
                   <a:pt x="0" y="0"/>
                 </a:moveTo>
@@ -1189,11 +1229,11 @@
 </file>
 
 <file path=ppt/notesSlides/notesSlide6.xml><?xml version="1.0" encoding="utf-8"?>
-<p:notes xmlns:a="http://schemas.openxmlformats.org/drawingml/2006/main" xmlns:r="http://schemas.openxmlformats.org/officeDocument/2006/relationships" xmlns:mc="http://schemas.openxmlformats.org/markup-compatibility/2006" xmlns:mv="urn:schemas-microsoft-com:mac:vml" xmlns:p="http://schemas.openxmlformats.org/presentationml/2006/main" xmlns:c="http://schemas.openxmlformats.org/drawingml/2006/chart" xmlns:dgm="http://schemas.openxmlformats.org/drawingml/2006/diagram" xmlns:o="urn:schemas-microsoft-com:office:office" xmlns:v="urn:schemas-microsoft-com:vml" xmlns:pvml="urn:schemas-microsoft-com:office:powerpoint" xmlns:com="http://schemas.openxmlformats.org/drawingml/2006/compatibility" xmlns:p14="http://schemas.microsoft.com/office/powerpoint/2010/main" xmlns:p15="http://schemas.microsoft.com/office/powerpoint/2012/main" xmlns:ahyp="http://schemas.microsoft.com/office/drawing/2018/hyperlinkcolor" showMasterPhAnim="0" showMasterSp="0">
+<p:notes xmlns:a="http://schemas.openxmlformats.org/drawingml/2006/main" xmlns:r="http://schemas.openxmlformats.org/officeDocument/2006/relationships" xmlns:p="http://schemas.openxmlformats.org/presentationml/2006/main" showMasterSp="0" showMasterPhAnim="0">
   <p:cSld>
     <p:spTree>
       <p:nvGrpSpPr>
-        <p:cNvPr id="108" name="Shape 108"/>
+        <p:cNvPr id="1" name="Shape 108"/>
         <p:cNvGrpSpPr/>
         <p:nvPr/>
       </p:nvGrpSpPr>
@@ -1208,9 +1248,11 @@
       <p:sp>
         <p:nvSpPr>
           <p:cNvPr id="109" name="Google Shape;109;p6:notes"/>
-          <p:cNvSpPr txBox="1"/>
+          <p:cNvSpPr txBox="1">
+            <a:spLocks noGrp="1"/>
+          </p:cNvSpPr>
           <p:nvPr>
-            <p:ph idx="1" type="body"/>
+            <p:ph type="body" idx="1"/>
           </p:nvPr>
         </p:nvSpPr>
         <p:spPr>
@@ -1223,12 +1265,12 @@
           </a:prstGeom>
         </p:spPr>
         <p:txBody>
-          <a:bodyPr anchorCtr="0" anchor="t" bIns="91425" lIns="91425" spcFirstLastPara="1" rIns="91425" wrap="square" tIns="91425">
+          <a:bodyPr spcFirstLastPara="1" wrap="square" lIns="91425" tIns="91425" rIns="91425" bIns="91425" anchor="t" anchorCtr="0">
             <a:noAutofit/>
           </a:bodyPr>
           <a:lstStyle/>
           <a:p>
-            <a:pPr indent="0" lvl="0" marL="0" rtl="0" algn="l">
+            <a:pPr marL="0" lvl="0" indent="0" algn="l" rtl="0">
               <a:spcBef>
                 <a:spcPts val="0"/>
               </a:spcBef>
@@ -1237,9 +1279,6 @@
               </a:spcAft>
               <a:buNone/>
             </a:pPr>
-            <a:r>
-              <a:t/>
-            </a:r>
             <a:endParaRPr/>
           </a:p>
         </p:txBody>
@@ -1247,9 +1286,11 @@
       <p:sp>
         <p:nvSpPr>
           <p:cNvPr id="110" name="Google Shape;110;p6:notes"/>
-          <p:cNvSpPr/>
+          <p:cNvSpPr>
+            <a:spLocks noGrp="1" noRot="1" noChangeAspect="1"/>
+          </p:cNvSpPr>
           <p:nvPr>
-            <p:ph idx="2" type="sldImg"/>
+            <p:ph type="sldImg" idx="2"/>
           </p:nvPr>
         </p:nvSpPr>
         <p:spPr>
@@ -1258,9 +1299,13 @@
             <a:ext cx="4572225" cy="3429000"/>
           </a:xfrm>
           <a:custGeom>
-            <a:rect b="b" l="l" r="r" t="t"/>
+            <a:avLst/>
+            <a:gdLst/>
+            <a:ahLst/>
+            <a:cxnLst/>
+            <a:rect l="l" t="t" r="r" b="b"/>
             <a:pathLst>
-              <a:path extrusionOk="0" h="120000" w="120000">
+              <a:path w="120000" h="120000" extrusionOk="0">
                 <a:moveTo>
                   <a:pt x="0" y="0"/>
                 </a:moveTo>
@@ -1288,11 +1333,11 @@
 </file>
 
 <file path=ppt/notesSlides/notesSlide7.xml><?xml version="1.0" encoding="utf-8"?>
-<p:notes xmlns:a="http://schemas.openxmlformats.org/drawingml/2006/main" xmlns:r="http://schemas.openxmlformats.org/officeDocument/2006/relationships" xmlns:mc="http://schemas.openxmlformats.org/markup-compatibility/2006" xmlns:mv="urn:schemas-microsoft-com:mac:vml" xmlns:p="http://schemas.openxmlformats.org/presentationml/2006/main" xmlns:c="http://schemas.openxmlformats.org/drawingml/2006/chart" xmlns:dgm="http://schemas.openxmlformats.org/drawingml/2006/diagram" xmlns:o="urn:schemas-microsoft-com:office:office" xmlns:v="urn:schemas-microsoft-com:vml" xmlns:pvml="urn:schemas-microsoft-com:office:powerpoint" xmlns:com="http://schemas.openxmlformats.org/drawingml/2006/compatibility" xmlns:p14="http://schemas.microsoft.com/office/powerpoint/2010/main" xmlns:p15="http://schemas.microsoft.com/office/powerpoint/2012/main" xmlns:ahyp="http://schemas.microsoft.com/office/drawing/2018/hyperlinkcolor" showMasterPhAnim="0" showMasterSp="0">
+<p:notes xmlns:a="http://schemas.openxmlformats.org/drawingml/2006/main" xmlns:r="http://schemas.openxmlformats.org/officeDocument/2006/relationships" xmlns:p="http://schemas.openxmlformats.org/presentationml/2006/main" showMasterSp="0" showMasterPhAnim="0">
   <p:cSld>
     <p:spTree>
       <p:nvGrpSpPr>
-        <p:cNvPr id="113" name="Shape 113"/>
+        <p:cNvPr id="1" name="Shape 113"/>
         <p:cNvGrpSpPr/>
         <p:nvPr/>
       </p:nvGrpSpPr>
@@ -1307,9 +1352,11 @@
       <p:sp>
         <p:nvSpPr>
           <p:cNvPr id="114" name="Google Shape;114;p7:notes"/>
-          <p:cNvSpPr txBox="1"/>
+          <p:cNvSpPr txBox="1">
+            <a:spLocks noGrp="1"/>
+          </p:cNvSpPr>
           <p:nvPr>
-            <p:ph idx="1" type="body"/>
+            <p:ph type="body" idx="1"/>
           </p:nvPr>
         </p:nvSpPr>
         <p:spPr>
@@ -1322,12 +1369,12 @@
           </a:prstGeom>
         </p:spPr>
         <p:txBody>
-          <a:bodyPr anchorCtr="0" anchor="t" bIns="91425" lIns="91425" spcFirstLastPara="1" rIns="91425" wrap="square" tIns="91425">
+          <a:bodyPr spcFirstLastPara="1" wrap="square" lIns="91425" tIns="91425" rIns="91425" bIns="91425" anchor="t" anchorCtr="0">
             <a:noAutofit/>
           </a:bodyPr>
           <a:lstStyle/>
           <a:p>
-            <a:pPr indent="0" lvl="0" marL="0" rtl="0" algn="l">
+            <a:pPr marL="0" lvl="0" indent="0" algn="l" rtl="0">
               <a:spcBef>
                 <a:spcPts val="0"/>
               </a:spcBef>
@@ -1336,9 +1383,6 @@
               </a:spcAft>
               <a:buNone/>
             </a:pPr>
-            <a:r>
-              <a:t/>
-            </a:r>
             <a:endParaRPr/>
           </a:p>
         </p:txBody>
@@ -1346,9 +1390,11 @@
       <p:sp>
         <p:nvSpPr>
           <p:cNvPr id="115" name="Google Shape;115;p7:notes"/>
-          <p:cNvSpPr/>
+          <p:cNvSpPr>
+            <a:spLocks noGrp="1" noRot="1" noChangeAspect="1"/>
+          </p:cNvSpPr>
           <p:nvPr>
-            <p:ph idx="2" type="sldImg"/>
+            <p:ph type="sldImg" idx="2"/>
           </p:nvPr>
         </p:nvSpPr>
         <p:spPr>
@@ -1357,9 +1403,13 @@
             <a:ext cx="4572225" cy="3429000"/>
           </a:xfrm>
           <a:custGeom>
-            <a:rect b="b" l="l" r="r" t="t"/>
+            <a:avLst/>
+            <a:gdLst/>
+            <a:ahLst/>
+            <a:cxnLst/>
+            <a:rect l="l" t="t" r="r" b="b"/>
             <a:pathLst>
-              <a:path extrusionOk="0" h="120000" w="120000">
+              <a:path w="120000" h="120000" extrusionOk="0">
                 <a:moveTo>
                   <a:pt x="0" y="0"/>
                 </a:moveTo>
@@ -1387,11 +1437,11 @@
 </file>
 
 <file path=ppt/notesSlides/notesSlide8.xml><?xml version="1.0" encoding="utf-8"?>
-<p:notes xmlns:a="http://schemas.openxmlformats.org/drawingml/2006/main" xmlns:r="http://schemas.openxmlformats.org/officeDocument/2006/relationships" xmlns:mc="http://schemas.openxmlformats.org/markup-compatibility/2006" xmlns:mv="urn:schemas-microsoft-com:mac:vml" xmlns:p="http://schemas.openxmlformats.org/presentationml/2006/main" xmlns:c="http://schemas.openxmlformats.org/drawingml/2006/chart" xmlns:dgm="http://schemas.openxmlformats.org/drawingml/2006/diagram" xmlns:o="urn:schemas-microsoft-com:office:office" xmlns:v="urn:schemas-microsoft-com:vml" xmlns:pvml="urn:schemas-microsoft-com:office:powerpoint" xmlns:com="http://schemas.openxmlformats.org/drawingml/2006/compatibility" xmlns:p14="http://schemas.microsoft.com/office/powerpoint/2010/main" xmlns:p15="http://schemas.microsoft.com/office/powerpoint/2012/main" xmlns:ahyp="http://schemas.microsoft.com/office/drawing/2018/hyperlinkcolor" showMasterPhAnim="0" showMasterSp="0">
+<p:notes xmlns:a="http://schemas.openxmlformats.org/drawingml/2006/main" xmlns:r="http://schemas.openxmlformats.org/officeDocument/2006/relationships" xmlns:p="http://schemas.openxmlformats.org/presentationml/2006/main" showMasterSp="0" showMasterPhAnim="0">
   <p:cSld>
     <p:spTree>
       <p:nvGrpSpPr>
-        <p:cNvPr id="118" name="Shape 118"/>
+        <p:cNvPr id="1" name="Shape 118"/>
         <p:cNvGrpSpPr/>
         <p:nvPr/>
       </p:nvGrpSpPr>
@@ -1406,9 +1456,11 @@
       <p:sp>
         <p:nvSpPr>
           <p:cNvPr id="119" name="Google Shape;119;p8:notes"/>
-          <p:cNvSpPr txBox="1"/>
+          <p:cNvSpPr txBox="1">
+            <a:spLocks noGrp="1"/>
+          </p:cNvSpPr>
           <p:nvPr>
-            <p:ph idx="1" type="body"/>
+            <p:ph type="body" idx="1"/>
           </p:nvPr>
         </p:nvSpPr>
         <p:spPr>
@@ -1421,12 +1473,12 @@
           </a:prstGeom>
         </p:spPr>
         <p:txBody>
-          <a:bodyPr anchorCtr="0" anchor="t" bIns="91425" lIns="91425" spcFirstLastPara="1" rIns="91425" wrap="square" tIns="91425">
+          <a:bodyPr spcFirstLastPara="1" wrap="square" lIns="91425" tIns="91425" rIns="91425" bIns="91425" anchor="t" anchorCtr="0">
             <a:noAutofit/>
           </a:bodyPr>
           <a:lstStyle/>
           <a:p>
-            <a:pPr indent="0" lvl="0" marL="0" rtl="0" algn="l">
+            <a:pPr marL="0" lvl="0" indent="0" algn="l" rtl="0">
               <a:spcBef>
                 <a:spcPts val="0"/>
               </a:spcBef>
@@ -1435,9 +1487,6 @@
               </a:spcAft>
               <a:buNone/>
             </a:pPr>
-            <a:r>
-              <a:t/>
-            </a:r>
             <a:endParaRPr/>
           </a:p>
         </p:txBody>
@@ -1445,9 +1494,11 @@
       <p:sp>
         <p:nvSpPr>
           <p:cNvPr id="120" name="Google Shape;120;p8:notes"/>
-          <p:cNvSpPr/>
+          <p:cNvSpPr>
+            <a:spLocks noGrp="1" noRot="1" noChangeAspect="1"/>
+          </p:cNvSpPr>
           <p:nvPr>
-            <p:ph idx="2" type="sldImg"/>
+            <p:ph type="sldImg" idx="2"/>
           </p:nvPr>
         </p:nvSpPr>
         <p:spPr>
@@ -1456,9 +1507,13 @@
             <a:ext cx="4572225" cy="3429000"/>
           </a:xfrm>
           <a:custGeom>
-            <a:rect b="b" l="l" r="r" t="t"/>
+            <a:avLst/>
+            <a:gdLst/>
+            <a:ahLst/>
+            <a:cxnLst/>
+            <a:rect l="l" t="t" r="r" b="b"/>
             <a:pathLst>
-              <a:path extrusionOk="0" h="120000" w="120000">
+              <a:path w="120000" h="120000" extrusionOk="0">
                 <a:moveTo>
                   <a:pt x="0" y="0"/>
                 </a:moveTo>
@@ -1486,11 +1541,11 @@
 </file>
 
 <file path=ppt/slideLayouts/slideLayout1.xml><?xml version="1.0" encoding="utf-8"?>
-<p:sldLayout xmlns:a="http://schemas.openxmlformats.org/drawingml/2006/main" xmlns:r="http://schemas.openxmlformats.org/officeDocument/2006/relationships" xmlns:mc="http://schemas.openxmlformats.org/markup-compatibility/2006" xmlns:mv="urn:schemas-microsoft-com:mac:vml" xmlns:p="http://schemas.openxmlformats.org/presentationml/2006/main" xmlns:c="http://schemas.openxmlformats.org/drawingml/2006/chart" xmlns:dgm="http://schemas.openxmlformats.org/drawingml/2006/diagram" xmlns:o="urn:schemas-microsoft-com:office:office" xmlns:v="urn:schemas-microsoft-com:vml" xmlns:pvml="urn:schemas-microsoft-com:office:powerpoint" xmlns:com="http://schemas.openxmlformats.org/drawingml/2006/compatibility" xmlns:p14="http://schemas.microsoft.com/office/powerpoint/2010/main" xmlns:p15="http://schemas.microsoft.com/office/powerpoint/2012/main" xmlns:ahyp="http://schemas.microsoft.com/office/drawing/2018/hyperlinkcolor" matchingName="Title Slide" type="title">
+<p:sldLayout xmlns:a="http://schemas.openxmlformats.org/drawingml/2006/main" xmlns:r="http://schemas.openxmlformats.org/officeDocument/2006/relationships" xmlns:p="http://schemas.openxmlformats.org/presentationml/2006/main" matchingName="Title Slide" type="title">
   <p:cSld name="TITLE">
     <p:spTree>
       <p:nvGrpSpPr>
-        <p:cNvPr id="11" name="Shape 11"/>
+        <p:cNvPr id="1" name="Shape 11"/>
         <p:cNvGrpSpPr/>
         <p:nvPr/>
       </p:nvGrpSpPr>
@@ -1505,7 +1560,9 @@
       <p:sp>
         <p:nvSpPr>
           <p:cNvPr id="12" name="Google Shape;12;p2"/>
-          <p:cNvSpPr txBox="1"/>
+          <p:cNvSpPr txBox="1">
+            <a:spLocks noGrp="1"/>
+          </p:cNvSpPr>
           <p:nvPr>
             <p:ph type="ctrTitle"/>
           </p:nvPr>
@@ -1524,7 +1581,7 @@
           </a:ln>
         </p:spPr>
         <p:txBody>
-          <a:bodyPr anchorCtr="0" anchor="ctr" bIns="45700" lIns="91425" spcFirstLastPara="1" rIns="91425" wrap="square" tIns="45700">
+          <a:bodyPr spcFirstLastPara="1" wrap="square" lIns="91425" tIns="45700" rIns="91425" bIns="45700" anchor="ctr" anchorCtr="0">
             <a:noAutofit/>
           </a:bodyPr>
           <a:lstStyle>
@@ -1631,15 +1688,19 @@
               <a:defRPr/>
             </a:lvl9pPr>
           </a:lstStyle>
-          <a:p/>
+          <a:p>
+            <a:endParaRPr/>
+          </a:p>
         </p:txBody>
       </p:sp>
       <p:sp>
         <p:nvSpPr>
           <p:cNvPr id="13" name="Google Shape;13;p2"/>
-          <p:cNvSpPr txBox="1"/>
+          <p:cNvSpPr txBox="1">
+            <a:spLocks noGrp="1"/>
+          </p:cNvSpPr>
           <p:nvPr>
-            <p:ph idx="1" type="subTitle"/>
+            <p:ph type="subTitle" idx="1"/>
           </p:nvPr>
         </p:nvSpPr>
         <p:spPr>
@@ -1656,7 +1717,7 @@
           </a:ln>
         </p:spPr>
         <p:txBody>
-          <a:bodyPr anchorCtr="0" anchor="t" bIns="45700" lIns="91425" spcFirstLastPara="1" rIns="91425" wrap="square" tIns="45700">
+          <a:bodyPr spcFirstLastPara="1" wrap="square" lIns="91425" tIns="45700" rIns="91425" bIns="45700" anchor="t" anchorCtr="0">
             <a:noAutofit/>
           </a:bodyPr>
           <a:lstStyle>
@@ -1823,15 +1884,19 @@
               </a:defRPr>
             </a:lvl9pPr>
           </a:lstStyle>
-          <a:p/>
+          <a:p>
+            <a:endParaRPr/>
+          </a:p>
         </p:txBody>
       </p:sp>
       <p:sp>
         <p:nvSpPr>
           <p:cNvPr id="14" name="Google Shape;14;p2"/>
-          <p:cNvSpPr txBox="1"/>
+          <p:cNvSpPr txBox="1">
+            <a:spLocks noGrp="1"/>
+          </p:cNvSpPr>
           <p:nvPr>
-            <p:ph idx="10" type="dt"/>
+            <p:ph type="dt" idx="10"/>
           </p:nvPr>
         </p:nvSpPr>
         <p:spPr>
@@ -1848,7 +1913,7 @@
           </a:ln>
         </p:spPr>
         <p:txBody>
-          <a:bodyPr anchorCtr="0" anchor="ctr" bIns="45700" lIns="91425" spcFirstLastPara="1" rIns="91425" wrap="square" tIns="45700">
+          <a:bodyPr spcFirstLastPara="1" wrap="square" lIns="91425" tIns="45700" rIns="91425" bIns="45700" anchor="ctr" anchorCtr="0">
             <a:noAutofit/>
           </a:bodyPr>
           <a:lstStyle>
@@ -1952,15 +2017,19 @@
               <a:defRPr/>
             </a:lvl9pPr>
           </a:lstStyle>
-          <a:p/>
+          <a:p>
+            <a:endParaRPr/>
+          </a:p>
         </p:txBody>
       </p:sp>
       <p:sp>
         <p:nvSpPr>
           <p:cNvPr id="15" name="Google Shape;15;p2"/>
-          <p:cNvSpPr txBox="1"/>
+          <p:cNvSpPr txBox="1">
+            <a:spLocks noGrp="1"/>
+          </p:cNvSpPr>
           <p:nvPr>
-            <p:ph idx="11" type="ftr"/>
+            <p:ph type="ftr" idx="11"/>
           </p:nvPr>
         </p:nvSpPr>
         <p:spPr>
@@ -1977,7 +2046,7 @@
           </a:ln>
         </p:spPr>
         <p:txBody>
-          <a:bodyPr anchorCtr="0" anchor="ctr" bIns="45700" lIns="91425" spcFirstLastPara="1" rIns="91425" wrap="square" tIns="45700">
+          <a:bodyPr spcFirstLastPara="1" wrap="square" lIns="91425" tIns="45700" rIns="91425" bIns="45700" anchor="ctr" anchorCtr="0">
             <a:noAutofit/>
           </a:bodyPr>
           <a:lstStyle>
@@ -2081,15 +2150,19 @@
               <a:defRPr/>
             </a:lvl9pPr>
           </a:lstStyle>
-          <a:p/>
+          <a:p>
+            <a:endParaRPr/>
+          </a:p>
         </p:txBody>
       </p:sp>
       <p:sp>
         <p:nvSpPr>
           <p:cNvPr id="16" name="Google Shape;16;p2"/>
-          <p:cNvSpPr txBox="1"/>
+          <p:cNvSpPr txBox="1">
+            <a:spLocks noGrp="1"/>
+          </p:cNvSpPr>
           <p:nvPr>
-            <p:ph idx="12" type="sldNum"/>
+            <p:ph type="sldNum" idx="12"/>
           </p:nvPr>
         </p:nvSpPr>
         <p:spPr>
@@ -2106,67 +2179,67 @@
           </a:ln>
         </p:spPr>
         <p:txBody>
-          <a:bodyPr anchorCtr="0" anchor="ctr" bIns="45700" lIns="91425" spcFirstLastPara="1" rIns="91425" wrap="square" tIns="45700">
+          <a:bodyPr spcFirstLastPara="1" wrap="square" lIns="91425" tIns="45700" rIns="91425" bIns="45700" anchor="ctr" anchorCtr="0">
             <a:noAutofit/>
           </a:bodyPr>
           <a:lstStyle>
-            <a:lvl1pPr indent="0" lvl="0" marL="0" algn="r">
+            <a:lvl1pPr marL="0" lvl="0" indent="0" algn="r">
               <a:spcBef>
                 <a:spcPts val="0"/>
               </a:spcBef>
               <a:buNone/>
               <a:defRPr/>
             </a:lvl1pPr>
-            <a:lvl2pPr indent="0" lvl="1" marL="0" algn="r">
+            <a:lvl2pPr marL="0" lvl="1" indent="0" algn="r">
               <a:spcBef>
                 <a:spcPts val="0"/>
               </a:spcBef>
               <a:buNone/>
               <a:defRPr/>
             </a:lvl2pPr>
-            <a:lvl3pPr indent="0" lvl="2" marL="0" algn="r">
+            <a:lvl3pPr marL="0" lvl="2" indent="0" algn="r">
               <a:spcBef>
                 <a:spcPts val="0"/>
               </a:spcBef>
               <a:buNone/>
               <a:defRPr/>
             </a:lvl3pPr>
-            <a:lvl4pPr indent="0" lvl="3" marL="0" algn="r">
+            <a:lvl4pPr marL="0" lvl="3" indent="0" algn="r">
               <a:spcBef>
                 <a:spcPts val="0"/>
               </a:spcBef>
               <a:buNone/>
               <a:defRPr/>
             </a:lvl4pPr>
-            <a:lvl5pPr indent="0" lvl="4" marL="0" algn="r">
+            <a:lvl5pPr marL="0" lvl="4" indent="0" algn="r">
               <a:spcBef>
                 <a:spcPts val="0"/>
               </a:spcBef>
               <a:buNone/>
               <a:defRPr/>
             </a:lvl5pPr>
-            <a:lvl6pPr indent="0" lvl="5" marL="0" algn="r">
+            <a:lvl6pPr marL="0" lvl="5" indent="0" algn="r">
               <a:spcBef>
                 <a:spcPts val="0"/>
               </a:spcBef>
               <a:buNone/>
               <a:defRPr/>
             </a:lvl6pPr>
-            <a:lvl7pPr indent="0" lvl="6" marL="0" algn="r">
+            <a:lvl7pPr marL="0" lvl="6" indent="0" algn="r">
               <a:spcBef>
                 <a:spcPts val="0"/>
               </a:spcBef>
               <a:buNone/>
               <a:defRPr/>
             </a:lvl7pPr>
-            <a:lvl8pPr indent="0" lvl="7" marL="0" algn="r">
+            <a:lvl8pPr marL="0" lvl="7" indent="0" algn="r">
               <a:spcBef>
                 <a:spcPts val="0"/>
               </a:spcBef>
               <a:buNone/>
               <a:defRPr/>
             </a:lvl8pPr>
-            <a:lvl9pPr indent="0" lvl="8" marL="0" algn="r">
+            <a:lvl9pPr marL="0" lvl="8" indent="0" algn="r">
               <a:spcBef>
                 <a:spcPts val="0"/>
               </a:spcBef>
@@ -2175,7 +2248,7 @@
             </a:lvl9pPr>
           </a:lstStyle>
           <a:p>
-            <a:pPr indent="0" lvl="0" marL="0" rtl="0" algn="r">
+            <a:pPr marL="0" lvl="0" indent="0" algn="r" rtl="0">
               <a:spcBef>
                 <a:spcPts val="0"/>
               </a:spcBef>
@@ -2201,11 +2274,11 @@
 </file>
 
 <file path=ppt/slideLayouts/slideLayout10.xml><?xml version="1.0" encoding="utf-8"?>
-<p:sldLayout xmlns:a="http://schemas.openxmlformats.org/drawingml/2006/main" xmlns:r="http://schemas.openxmlformats.org/officeDocument/2006/relationships" xmlns:mc="http://schemas.openxmlformats.org/markup-compatibility/2006" xmlns:mv="urn:schemas-microsoft-com:mac:vml" xmlns:p="http://schemas.openxmlformats.org/presentationml/2006/main" xmlns:c="http://schemas.openxmlformats.org/drawingml/2006/chart" xmlns:dgm="http://schemas.openxmlformats.org/drawingml/2006/diagram" xmlns:o="urn:schemas-microsoft-com:office:office" xmlns:v="urn:schemas-microsoft-com:vml" xmlns:pvml="urn:schemas-microsoft-com:office:powerpoint" xmlns:com="http://schemas.openxmlformats.org/drawingml/2006/compatibility" xmlns:p14="http://schemas.microsoft.com/office/powerpoint/2010/main" xmlns:p15="http://schemas.microsoft.com/office/powerpoint/2012/main" xmlns:ahyp="http://schemas.microsoft.com/office/drawing/2018/hyperlinkcolor" matchingName="Title and Vertical Text" type="vertTx">
+<p:sldLayout xmlns:a="http://schemas.openxmlformats.org/drawingml/2006/main" xmlns:r="http://schemas.openxmlformats.org/officeDocument/2006/relationships" xmlns:p="http://schemas.openxmlformats.org/presentationml/2006/main" matchingName="Title and Vertical Text" type="vertTx">
   <p:cSld name="VERTICAL_TEXT">
     <p:spTree>
       <p:nvGrpSpPr>
-        <p:cNvPr id="68" name="Shape 68"/>
+        <p:cNvPr id="1" name="Shape 68"/>
         <p:cNvGrpSpPr/>
         <p:nvPr/>
       </p:nvGrpSpPr>
@@ -2220,7 +2293,9 @@
       <p:sp>
         <p:nvSpPr>
           <p:cNvPr id="69" name="Google Shape;69;p11"/>
-          <p:cNvSpPr txBox="1"/>
+          <p:cNvSpPr txBox="1">
+            <a:spLocks noGrp="1"/>
+          </p:cNvSpPr>
           <p:nvPr>
             <p:ph type="title"/>
           </p:nvPr>
@@ -2239,7 +2314,7 @@
           </a:ln>
         </p:spPr>
         <p:txBody>
-          <a:bodyPr anchorCtr="0" anchor="ctr" bIns="45700" lIns="91425" spcFirstLastPara="1" rIns="91425" wrap="square" tIns="45700">
+          <a:bodyPr spcFirstLastPara="1" wrap="square" lIns="91425" tIns="45700" rIns="91425" bIns="45700" anchor="ctr" anchorCtr="0">
             <a:noAutofit/>
           </a:bodyPr>
           <a:lstStyle>
@@ -2346,15 +2421,19 @@
               <a:defRPr/>
             </a:lvl9pPr>
           </a:lstStyle>
-          <a:p/>
+          <a:p>
+            <a:endParaRPr/>
+          </a:p>
         </p:txBody>
       </p:sp>
       <p:sp>
         <p:nvSpPr>
           <p:cNvPr id="70" name="Google Shape;70;p11"/>
-          <p:cNvSpPr txBox="1"/>
+          <p:cNvSpPr txBox="1">
+            <a:spLocks noGrp="1"/>
+          </p:cNvSpPr>
           <p:nvPr>
-            <p:ph idx="1" type="body"/>
+            <p:ph type="body" idx="1"/>
           </p:nvPr>
         </p:nvSpPr>
         <p:spPr>
@@ -2371,11 +2450,11 @@
           </a:ln>
         </p:spPr>
         <p:txBody>
-          <a:bodyPr anchorCtr="0" anchor="t" bIns="45700" lIns="91425" spcFirstLastPara="1" rIns="91425" wrap="square" tIns="45700">
+          <a:bodyPr spcFirstLastPara="1" wrap="square" lIns="91425" tIns="45700" rIns="91425" bIns="45700" anchor="t" anchorCtr="0">
             <a:noAutofit/>
           </a:bodyPr>
           <a:lstStyle>
-            <a:lvl1pPr indent="-342900" lvl="0" marL="457200" algn="l">
+            <a:lvl1pPr marL="457200" lvl="0" indent="-342900" algn="l">
               <a:spcBef>
                 <a:spcPts val="360"/>
               </a:spcBef>
@@ -2389,7 +2468,7 @@
               <a:buChar char="•"/>
               <a:defRPr/>
             </a:lvl1pPr>
-            <a:lvl2pPr indent="-342900" lvl="1" marL="914400" algn="l">
+            <a:lvl2pPr marL="914400" lvl="1" indent="-342900" algn="l">
               <a:spcBef>
                 <a:spcPts val="360"/>
               </a:spcBef>
@@ -2403,7 +2482,7 @@
               <a:buChar char="–"/>
               <a:defRPr/>
             </a:lvl2pPr>
-            <a:lvl3pPr indent="-342900" lvl="2" marL="1371600" algn="l">
+            <a:lvl3pPr marL="1371600" lvl="2" indent="-342900" algn="l">
               <a:spcBef>
                 <a:spcPts val="360"/>
               </a:spcBef>
@@ -2417,7 +2496,7 @@
               <a:buChar char="•"/>
               <a:defRPr/>
             </a:lvl3pPr>
-            <a:lvl4pPr indent="-342900" lvl="3" marL="1828800" algn="l">
+            <a:lvl4pPr marL="1828800" lvl="3" indent="-342900" algn="l">
               <a:spcBef>
                 <a:spcPts val="360"/>
               </a:spcBef>
@@ -2431,7 +2510,7 @@
               <a:buChar char="–"/>
               <a:defRPr/>
             </a:lvl4pPr>
-            <a:lvl5pPr indent="-342900" lvl="4" marL="2286000" algn="l">
+            <a:lvl5pPr marL="2286000" lvl="4" indent="-342900" algn="l">
               <a:spcBef>
                 <a:spcPts val="360"/>
               </a:spcBef>
@@ -2445,7 +2524,7 @@
               <a:buChar char="»"/>
               <a:defRPr/>
             </a:lvl5pPr>
-            <a:lvl6pPr indent="-342900" lvl="5" marL="2743200" algn="l">
+            <a:lvl6pPr marL="2743200" lvl="5" indent="-342900" algn="l">
               <a:spcBef>
                 <a:spcPts val="360"/>
               </a:spcBef>
@@ -2459,7 +2538,7 @@
               <a:buChar char="•"/>
               <a:defRPr/>
             </a:lvl6pPr>
-            <a:lvl7pPr indent="-342900" lvl="6" marL="3200400" algn="l">
+            <a:lvl7pPr marL="3200400" lvl="6" indent="-342900" algn="l">
               <a:spcBef>
                 <a:spcPts val="360"/>
               </a:spcBef>
@@ -2473,7 +2552,7 @@
               <a:buChar char="•"/>
               <a:defRPr/>
             </a:lvl7pPr>
-            <a:lvl8pPr indent="-342900" lvl="7" marL="3657600" algn="l">
+            <a:lvl8pPr marL="3657600" lvl="7" indent="-342900" algn="l">
               <a:spcBef>
                 <a:spcPts val="360"/>
               </a:spcBef>
@@ -2487,7 +2566,7 @@
               <a:buChar char="•"/>
               <a:defRPr/>
             </a:lvl8pPr>
-            <a:lvl9pPr indent="-342900" lvl="8" marL="4114800" algn="l">
+            <a:lvl9pPr marL="4114800" lvl="8" indent="-342900" algn="l">
               <a:spcBef>
                 <a:spcPts val="360"/>
               </a:spcBef>
@@ -2502,15 +2581,19 @@
               <a:defRPr/>
             </a:lvl9pPr>
           </a:lstStyle>
-          <a:p/>
+          <a:p>
+            <a:endParaRPr/>
+          </a:p>
         </p:txBody>
       </p:sp>
       <p:sp>
         <p:nvSpPr>
           <p:cNvPr id="71" name="Google Shape;71;p11"/>
-          <p:cNvSpPr txBox="1"/>
+          <p:cNvSpPr txBox="1">
+            <a:spLocks noGrp="1"/>
+          </p:cNvSpPr>
           <p:nvPr>
-            <p:ph idx="10" type="dt"/>
+            <p:ph type="dt" idx="10"/>
           </p:nvPr>
         </p:nvSpPr>
         <p:spPr>
@@ -2527,7 +2610,7 @@
           </a:ln>
         </p:spPr>
         <p:txBody>
-          <a:bodyPr anchorCtr="0" anchor="ctr" bIns="45700" lIns="91425" spcFirstLastPara="1" rIns="91425" wrap="square" tIns="45700">
+          <a:bodyPr spcFirstLastPara="1" wrap="square" lIns="91425" tIns="45700" rIns="91425" bIns="45700" anchor="ctr" anchorCtr="0">
             <a:noAutofit/>
           </a:bodyPr>
           <a:lstStyle>
@@ -2631,15 +2714,19 @@
               <a:defRPr/>
             </a:lvl9pPr>
           </a:lstStyle>
-          <a:p/>
+          <a:p>
+            <a:endParaRPr/>
+          </a:p>
         </p:txBody>
       </p:sp>
       <p:sp>
         <p:nvSpPr>
           <p:cNvPr id="72" name="Google Shape;72;p11"/>
-          <p:cNvSpPr txBox="1"/>
+          <p:cNvSpPr txBox="1">
+            <a:spLocks noGrp="1"/>
+          </p:cNvSpPr>
           <p:nvPr>
-            <p:ph idx="11" type="ftr"/>
+            <p:ph type="ftr" idx="11"/>
           </p:nvPr>
         </p:nvSpPr>
         <p:spPr>
@@ -2656,7 +2743,7 @@
           </a:ln>
         </p:spPr>
         <p:txBody>
-          <a:bodyPr anchorCtr="0" anchor="ctr" bIns="45700" lIns="91425" spcFirstLastPara="1" rIns="91425" wrap="square" tIns="45700">
+          <a:bodyPr spcFirstLastPara="1" wrap="square" lIns="91425" tIns="45700" rIns="91425" bIns="45700" anchor="ctr" anchorCtr="0">
             <a:noAutofit/>
           </a:bodyPr>
           <a:lstStyle>
@@ -2760,15 +2847,19 @@
               <a:defRPr/>
             </a:lvl9pPr>
           </a:lstStyle>
-          <a:p/>
+          <a:p>
+            <a:endParaRPr/>
+          </a:p>
         </p:txBody>
       </p:sp>
       <p:sp>
         <p:nvSpPr>
           <p:cNvPr id="73" name="Google Shape;73;p11"/>
-          <p:cNvSpPr txBox="1"/>
+          <p:cNvSpPr txBox="1">
+            <a:spLocks noGrp="1"/>
+          </p:cNvSpPr>
           <p:nvPr>
-            <p:ph idx="12" type="sldNum"/>
+            <p:ph type="sldNum" idx="12"/>
           </p:nvPr>
         </p:nvSpPr>
         <p:spPr>
@@ -2785,67 +2876,67 @@
           </a:ln>
         </p:spPr>
         <p:txBody>
-          <a:bodyPr anchorCtr="0" anchor="ctr" bIns="45700" lIns="91425" spcFirstLastPara="1" rIns="91425" wrap="square" tIns="45700">
+          <a:bodyPr spcFirstLastPara="1" wrap="square" lIns="91425" tIns="45700" rIns="91425" bIns="45700" anchor="ctr" anchorCtr="0">
             <a:noAutofit/>
           </a:bodyPr>
           <a:lstStyle>
-            <a:lvl1pPr indent="0" lvl="0" marL="0" algn="r">
+            <a:lvl1pPr marL="0" lvl="0" indent="0" algn="r">
               <a:spcBef>
                 <a:spcPts val="0"/>
               </a:spcBef>
               <a:buNone/>
               <a:defRPr/>
             </a:lvl1pPr>
-            <a:lvl2pPr indent="0" lvl="1" marL="0" algn="r">
+            <a:lvl2pPr marL="0" lvl="1" indent="0" algn="r">
               <a:spcBef>
                 <a:spcPts val="0"/>
               </a:spcBef>
               <a:buNone/>
               <a:defRPr/>
             </a:lvl2pPr>
-            <a:lvl3pPr indent="0" lvl="2" marL="0" algn="r">
+            <a:lvl3pPr marL="0" lvl="2" indent="0" algn="r">
               <a:spcBef>
                 <a:spcPts val="0"/>
               </a:spcBef>
               <a:buNone/>
               <a:defRPr/>
             </a:lvl3pPr>
-            <a:lvl4pPr indent="0" lvl="3" marL="0" algn="r">
+            <a:lvl4pPr marL="0" lvl="3" indent="0" algn="r">
               <a:spcBef>
                 <a:spcPts val="0"/>
               </a:spcBef>
               <a:buNone/>
               <a:defRPr/>
             </a:lvl4pPr>
-            <a:lvl5pPr indent="0" lvl="4" marL="0" algn="r">
+            <a:lvl5pPr marL="0" lvl="4" indent="0" algn="r">
               <a:spcBef>
                 <a:spcPts val="0"/>
               </a:spcBef>
               <a:buNone/>
               <a:defRPr/>
             </a:lvl5pPr>
-            <a:lvl6pPr indent="0" lvl="5" marL="0" algn="r">
+            <a:lvl6pPr marL="0" lvl="5" indent="0" algn="r">
               <a:spcBef>
                 <a:spcPts val="0"/>
               </a:spcBef>
               <a:buNone/>
               <a:defRPr/>
             </a:lvl6pPr>
-            <a:lvl7pPr indent="0" lvl="6" marL="0" algn="r">
+            <a:lvl7pPr marL="0" lvl="6" indent="0" algn="r">
               <a:spcBef>
                 <a:spcPts val="0"/>
               </a:spcBef>
               <a:buNone/>
               <a:defRPr/>
             </a:lvl7pPr>
-            <a:lvl8pPr indent="0" lvl="7" marL="0" algn="r">
+            <a:lvl8pPr marL="0" lvl="7" indent="0" algn="r">
               <a:spcBef>
                 <a:spcPts val="0"/>
               </a:spcBef>
               <a:buNone/>
               <a:defRPr/>
             </a:lvl8pPr>
-            <a:lvl9pPr indent="0" lvl="8" marL="0" algn="r">
+            <a:lvl9pPr marL="0" lvl="8" indent="0" algn="r">
               <a:spcBef>
                 <a:spcPts val="0"/>
               </a:spcBef>
@@ -2854,7 +2945,7 @@
             </a:lvl9pPr>
           </a:lstStyle>
           <a:p>
-            <a:pPr indent="0" lvl="0" marL="0" rtl="0" algn="r">
+            <a:pPr marL="0" lvl="0" indent="0" algn="r" rtl="0">
               <a:spcBef>
                 <a:spcPts val="0"/>
               </a:spcBef>
@@ -2880,11 +2971,11 @@
 </file>
 
 <file path=ppt/slideLayouts/slideLayout11.xml><?xml version="1.0" encoding="utf-8"?>
-<p:sldLayout xmlns:a="http://schemas.openxmlformats.org/drawingml/2006/main" xmlns:r="http://schemas.openxmlformats.org/officeDocument/2006/relationships" xmlns:mc="http://schemas.openxmlformats.org/markup-compatibility/2006" xmlns:mv="urn:schemas-microsoft-com:mac:vml" xmlns:p="http://schemas.openxmlformats.org/presentationml/2006/main" xmlns:c="http://schemas.openxmlformats.org/drawingml/2006/chart" xmlns:dgm="http://schemas.openxmlformats.org/drawingml/2006/diagram" xmlns:o="urn:schemas-microsoft-com:office:office" xmlns:v="urn:schemas-microsoft-com:vml" xmlns:pvml="urn:schemas-microsoft-com:office:powerpoint" xmlns:com="http://schemas.openxmlformats.org/drawingml/2006/compatibility" xmlns:p14="http://schemas.microsoft.com/office/powerpoint/2010/main" xmlns:p15="http://schemas.microsoft.com/office/powerpoint/2012/main" xmlns:ahyp="http://schemas.microsoft.com/office/drawing/2018/hyperlinkcolor" matchingName="Vertical Title and Text" type="vertTitleAndTx">
+<p:sldLayout xmlns:a="http://schemas.openxmlformats.org/drawingml/2006/main" xmlns:r="http://schemas.openxmlformats.org/officeDocument/2006/relationships" xmlns:p="http://schemas.openxmlformats.org/presentationml/2006/main" matchingName="Vertical Title and Text" type="vertTitleAndTx">
   <p:cSld name="VERTICAL_TITLE_AND_VERTICAL_TEXT">
     <p:spTree>
       <p:nvGrpSpPr>
-        <p:cNvPr id="74" name="Shape 74"/>
+        <p:cNvPr id="1" name="Shape 74"/>
         <p:cNvGrpSpPr/>
         <p:nvPr/>
       </p:nvGrpSpPr>
@@ -2899,7 +2990,9 @@
       <p:sp>
         <p:nvSpPr>
           <p:cNvPr id="75" name="Google Shape;75;p12"/>
-          <p:cNvSpPr txBox="1"/>
+          <p:cNvSpPr txBox="1">
+            <a:spLocks noGrp="1"/>
+          </p:cNvSpPr>
           <p:nvPr>
             <p:ph type="title"/>
           </p:nvPr>
@@ -2918,7 +3011,7 @@
           </a:ln>
         </p:spPr>
         <p:txBody>
-          <a:bodyPr anchorCtr="0" anchor="ctr" bIns="45700" lIns="91425" spcFirstLastPara="1" rIns="91425" wrap="square" tIns="45700">
+          <a:bodyPr spcFirstLastPara="1" wrap="square" lIns="91425" tIns="45700" rIns="91425" bIns="45700" anchor="ctr" anchorCtr="0">
             <a:noAutofit/>
           </a:bodyPr>
           <a:lstStyle>
@@ -3025,15 +3118,19 @@
               <a:defRPr/>
             </a:lvl9pPr>
           </a:lstStyle>
-          <a:p/>
+          <a:p>
+            <a:endParaRPr/>
+          </a:p>
         </p:txBody>
       </p:sp>
       <p:sp>
         <p:nvSpPr>
           <p:cNvPr id="76" name="Google Shape;76;p12"/>
-          <p:cNvSpPr txBox="1"/>
+          <p:cNvSpPr txBox="1">
+            <a:spLocks noGrp="1"/>
+          </p:cNvSpPr>
           <p:nvPr>
-            <p:ph idx="1" type="body"/>
+            <p:ph type="body" idx="1"/>
           </p:nvPr>
         </p:nvSpPr>
         <p:spPr>
@@ -3050,11 +3147,11 @@
           </a:ln>
         </p:spPr>
         <p:txBody>
-          <a:bodyPr anchorCtr="0" anchor="t" bIns="45700" lIns="91425" spcFirstLastPara="1" rIns="91425" wrap="square" tIns="45700">
+          <a:bodyPr spcFirstLastPara="1" wrap="square" lIns="91425" tIns="45700" rIns="91425" bIns="45700" anchor="t" anchorCtr="0">
             <a:noAutofit/>
           </a:bodyPr>
           <a:lstStyle>
-            <a:lvl1pPr indent="-342900" lvl="0" marL="457200" algn="l">
+            <a:lvl1pPr marL="457200" lvl="0" indent="-342900" algn="l">
               <a:spcBef>
                 <a:spcPts val="360"/>
               </a:spcBef>
@@ -3068,7 +3165,7 @@
               <a:buChar char="•"/>
               <a:defRPr/>
             </a:lvl1pPr>
-            <a:lvl2pPr indent="-342900" lvl="1" marL="914400" algn="l">
+            <a:lvl2pPr marL="914400" lvl="1" indent="-342900" algn="l">
               <a:spcBef>
                 <a:spcPts val="360"/>
               </a:spcBef>
@@ -3082,7 +3179,7 @@
               <a:buChar char="–"/>
               <a:defRPr/>
             </a:lvl2pPr>
-            <a:lvl3pPr indent="-342900" lvl="2" marL="1371600" algn="l">
+            <a:lvl3pPr marL="1371600" lvl="2" indent="-342900" algn="l">
               <a:spcBef>
                 <a:spcPts val="360"/>
               </a:spcBef>
@@ -3096,7 +3193,7 @@
               <a:buChar char="•"/>
               <a:defRPr/>
             </a:lvl3pPr>
-            <a:lvl4pPr indent="-342900" lvl="3" marL="1828800" algn="l">
+            <a:lvl4pPr marL="1828800" lvl="3" indent="-342900" algn="l">
               <a:spcBef>
                 <a:spcPts val="360"/>
               </a:spcBef>
@@ -3110,7 +3207,7 @@
               <a:buChar char="–"/>
               <a:defRPr/>
             </a:lvl4pPr>
-            <a:lvl5pPr indent="-342900" lvl="4" marL="2286000" algn="l">
+            <a:lvl5pPr marL="2286000" lvl="4" indent="-342900" algn="l">
               <a:spcBef>
                 <a:spcPts val="360"/>
               </a:spcBef>
@@ -3124,7 +3221,7 @@
               <a:buChar char="»"/>
               <a:defRPr/>
             </a:lvl5pPr>
-            <a:lvl6pPr indent="-342900" lvl="5" marL="2743200" algn="l">
+            <a:lvl6pPr marL="2743200" lvl="5" indent="-342900" algn="l">
               <a:spcBef>
                 <a:spcPts val="360"/>
               </a:spcBef>
@@ -3138,7 +3235,7 @@
               <a:buChar char="•"/>
               <a:defRPr/>
             </a:lvl6pPr>
-            <a:lvl7pPr indent="-342900" lvl="6" marL="3200400" algn="l">
+            <a:lvl7pPr marL="3200400" lvl="6" indent="-342900" algn="l">
               <a:spcBef>
                 <a:spcPts val="360"/>
               </a:spcBef>
@@ -3152,7 +3249,7 @@
               <a:buChar char="•"/>
               <a:defRPr/>
             </a:lvl7pPr>
-            <a:lvl8pPr indent="-342900" lvl="7" marL="3657600" algn="l">
+            <a:lvl8pPr marL="3657600" lvl="7" indent="-342900" algn="l">
               <a:spcBef>
                 <a:spcPts val="360"/>
               </a:spcBef>
@@ -3166,7 +3263,7 @@
               <a:buChar char="•"/>
               <a:defRPr/>
             </a:lvl8pPr>
-            <a:lvl9pPr indent="-342900" lvl="8" marL="4114800" algn="l">
+            <a:lvl9pPr marL="4114800" lvl="8" indent="-342900" algn="l">
               <a:spcBef>
                 <a:spcPts val="360"/>
               </a:spcBef>
@@ -3181,15 +3278,19 @@
               <a:defRPr/>
             </a:lvl9pPr>
           </a:lstStyle>
-          <a:p/>
+          <a:p>
+            <a:endParaRPr/>
+          </a:p>
         </p:txBody>
       </p:sp>
       <p:sp>
         <p:nvSpPr>
           <p:cNvPr id="77" name="Google Shape;77;p12"/>
-          <p:cNvSpPr txBox="1"/>
+          <p:cNvSpPr txBox="1">
+            <a:spLocks noGrp="1"/>
+          </p:cNvSpPr>
           <p:nvPr>
-            <p:ph idx="10" type="dt"/>
+            <p:ph type="dt" idx="10"/>
           </p:nvPr>
         </p:nvSpPr>
         <p:spPr>
@@ -3206,7 +3307,7 @@
           </a:ln>
         </p:spPr>
         <p:txBody>
-          <a:bodyPr anchorCtr="0" anchor="ctr" bIns="45700" lIns="91425" spcFirstLastPara="1" rIns="91425" wrap="square" tIns="45700">
+          <a:bodyPr spcFirstLastPara="1" wrap="square" lIns="91425" tIns="45700" rIns="91425" bIns="45700" anchor="ctr" anchorCtr="0">
             <a:noAutofit/>
           </a:bodyPr>
           <a:lstStyle>
@@ -3310,15 +3411,19 @@
               <a:defRPr/>
             </a:lvl9pPr>
           </a:lstStyle>
-          <a:p/>
+          <a:p>
+            <a:endParaRPr/>
+          </a:p>
         </p:txBody>
       </p:sp>
       <p:sp>
         <p:nvSpPr>
           <p:cNvPr id="78" name="Google Shape;78;p12"/>
-          <p:cNvSpPr txBox="1"/>
+          <p:cNvSpPr txBox="1">
+            <a:spLocks noGrp="1"/>
+          </p:cNvSpPr>
           <p:nvPr>
-            <p:ph idx="11" type="ftr"/>
+            <p:ph type="ftr" idx="11"/>
           </p:nvPr>
         </p:nvSpPr>
         <p:spPr>
@@ -3335,7 +3440,7 @@
           </a:ln>
         </p:spPr>
         <p:txBody>
-          <a:bodyPr anchorCtr="0" anchor="ctr" bIns="45700" lIns="91425" spcFirstLastPara="1" rIns="91425" wrap="square" tIns="45700">
+          <a:bodyPr spcFirstLastPara="1" wrap="square" lIns="91425" tIns="45700" rIns="91425" bIns="45700" anchor="ctr" anchorCtr="0">
             <a:noAutofit/>
           </a:bodyPr>
           <a:lstStyle>
@@ -3439,15 +3544,19 @@
               <a:defRPr/>
             </a:lvl9pPr>
           </a:lstStyle>
-          <a:p/>
+          <a:p>
+            <a:endParaRPr/>
+          </a:p>
         </p:txBody>
       </p:sp>
       <p:sp>
         <p:nvSpPr>
           <p:cNvPr id="79" name="Google Shape;79;p12"/>
-          <p:cNvSpPr txBox="1"/>
+          <p:cNvSpPr txBox="1">
+            <a:spLocks noGrp="1"/>
+          </p:cNvSpPr>
           <p:nvPr>
-            <p:ph idx="12" type="sldNum"/>
+            <p:ph type="sldNum" idx="12"/>
           </p:nvPr>
         </p:nvSpPr>
         <p:spPr>
@@ -3464,67 +3573,67 @@
           </a:ln>
         </p:spPr>
         <p:txBody>
-          <a:bodyPr anchorCtr="0" anchor="ctr" bIns="45700" lIns="91425" spcFirstLastPara="1" rIns="91425" wrap="square" tIns="45700">
+          <a:bodyPr spcFirstLastPara="1" wrap="square" lIns="91425" tIns="45700" rIns="91425" bIns="45700" anchor="ctr" anchorCtr="0">
             <a:noAutofit/>
           </a:bodyPr>
           <a:lstStyle>
-            <a:lvl1pPr indent="0" lvl="0" marL="0" algn="r">
+            <a:lvl1pPr marL="0" lvl="0" indent="0" algn="r">
               <a:spcBef>
                 <a:spcPts val="0"/>
               </a:spcBef>
               <a:buNone/>
               <a:defRPr/>
             </a:lvl1pPr>
-            <a:lvl2pPr indent="0" lvl="1" marL="0" algn="r">
+            <a:lvl2pPr marL="0" lvl="1" indent="0" algn="r">
               <a:spcBef>
                 <a:spcPts val="0"/>
               </a:spcBef>
               <a:buNone/>
               <a:defRPr/>
             </a:lvl2pPr>
-            <a:lvl3pPr indent="0" lvl="2" marL="0" algn="r">
+            <a:lvl3pPr marL="0" lvl="2" indent="0" algn="r">
               <a:spcBef>
                 <a:spcPts val="0"/>
               </a:spcBef>
               <a:buNone/>
               <a:defRPr/>
             </a:lvl3pPr>
-            <a:lvl4pPr indent="0" lvl="3" marL="0" algn="r">
+            <a:lvl4pPr marL="0" lvl="3" indent="0" algn="r">
               <a:spcBef>
                 <a:spcPts val="0"/>
               </a:spcBef>
               <a:buNone/>
               <a:defRPr/>
             </a:lvl4pPr>
-            <a:lvl5pPr indent="0" lvl="4" marL="0" algn="r">
+            <a:lvl5pPr marL="0" lvl="4" indent="0" algn="r">
               <a:spcBef>
                 <a:spcPts val="0"/>
               </a:spcBef>
               <a:buNone/>
               <a:defRPr/>
             </a:lvl5pPr>
-            <a:lvl6pPr indent="0" lvl="5" marL="0" algn="r">
+            <a:lvl6pPr marL="0" lvl="5" indent="0" algn="r">
               <a:spcBef>
                 <a:spcPts val="0"/>
               </a:spcBef>
               <a:buNone/>
               <a:defRPr/>
             </a:lvl6pPr>
-            <a:lvl7pPr indent="0" lvl="6" marL="0" algn="r">
+            <a:lvl7pPr marL="0" lvl="6" indent="0" algn="r">
               <a:spcBef>
                 <a:spcPts val="0"/>
               </a:spcBef>
               <a:buNone/>
               <a:defRPr/>
             </a:lvl7pPr>
-            <a:lvl8pPr indent="0" lvl="7" marL="0" algn="r">
+            <a:lvl8pPr marL="0" lvl="7" indent="0" algn="r">
               <a:spcBef>
                 <a:spcPts val="0"/>
               </a:spcBef>
               <a:buNone/>
               <a:defRPr/>
             </a:lvl8pPr>
-            <a:lvl9pPr indent="0" lvl="8" marL="0" algn="r">
+            <a:lvl9pPr marL="0" lvl="8" indent="0" algn="r">
               <a:spcBef>
                 <a:spcPts val="0"/>
               </a:spcBef>
@@ -3533,7 +3642,7 @@
             </a:lvl9pPr>
           </a:lstStyle>
           <a:p>
-            <a:pPr indent="0" lvl="0" marL="0" rtl="0" algn="r">
+            <a:pPr marL="0" lvl="0" indent="0" algn="r" rtl="0">
               <a:spcBef>
                 <a:spcPts val="0"/>
               </a:spcBef>
@@ -3559,11 +3668,11 @@
 </file>
 
 <file path=ppt/slideLayouts/slideLayout2.xml><?xml version="1.0" encoding="utf-8"?>
-<p:sldLayout xmlns:a="http://schemas.openxmlformats.org/drawingml/2006/main" xmlns:r="http://schemas.openxmlformats.org/officeDocument/2006/relationships" xmlns:mc="http://schemas.openxmlformats.org/markup-compatibility/2006" xmlns:mv="urn:schemas-microsoft-com:mac:vml" xmlns:p="http://schemas.openxmlformats.org/presentationml/2006/main" xmlns:c="http://schemas.openxmlformats.org/drawingml/2006/chart" xmlns:dgm="http://schemas.openxmlformats.org/drawingml/2006/diagram" xmlns:o="urn:schemas-microsoft-com:office:office" xmlns:v="urn:schemas-microsoft-com:vml" xmlns:pvml="urn:schemas-microsoft-com:office:powerpoint" xmlns:com="http://schemas.openxmlformats.org/drawingml/2006/compatibility" xmlns:p14="http://schemas.microsoft.com/office/powerpoint/2010/main" xmlns:p15="http://schemas.microsoft.com/office/powerpoint/2012/main" xmlns:ahyp="http://schemas.microsoft.com/office/drawing/2018/hyperlinkcolor" matchingName="Title and Content" type="obj">
+<p:sldLayout xmlns:a="http://schemas.openxmlformats.org/drawingml/2006/main" xmlns:r="http://schemas.openxmlformats.org/officeDocument/2006/relationships" xmlns:p="http://schemas.openxmlformats.org/presentationml/2006/main" matchingName="Title and Content" type="obj">
   <p:cSld name="OBJECT">
     <p:spTree>
       <p:nvGrpSpPr>
-        <p:cNvPr id="17" name="Shape 17"/>
+        <p:cNvPr id="1" name="Shape 17"/>
         <p:cNvGrpSpPr/>
         <p:nvPr/>
       </p:nvGrpSpPr>
@@ -3578,7 +3687,9 @@
       <p:sp>
         <p:nvSpPr>
           <p:cNvPr id="18" name="Google Shape;18;p3"/>
-          <p:cNvSpPr txBox="1"/>
+          <p:cNvSpPr txBox="1">
+            <a:spLocks noGrp="1"/>
+          </p:cNvSpPr>
           <p:nvPr>
             <p:ph type="title"/>
           </p:nvPr>
@@ -3597,7 +3708,7 @@
           </a:ln>
         </p:spPr>
         <p:txBody>
-          <a:bodyPr anchorCtr="0" anchor="ctr" bIns="45700" lIns="91425" spcFirstLastPara="1" rIns="91425" wrap="square" tIns="45700">
+          <a:bodyPr spcFirstLastPara="1" wrap="square" lIns="91425" tIns="45700" rIns="91425" bIns="45700" anchor="ctr" anchorCtr="0">
             <a:noAutofit/>
           </a:bodyPr>
           <a:lstStyle>
@@ -3704,15 +3815,19 @@
               <a:defRPr/>
             </a:lvl9pPr>
           </a:lstStyle>
-          <a:p/>
+          <a:p>
+            <a:endParaRPr/>
+          </a:p>
         </p:txBody>
       </p:sp>
       <p:sp>
         <p:nvSpPr>
           <p:cNvPr id="19" name="Google Shape;19;p3"/>
-          <p:cNvSpPr txBox="1"/>
+          <p:cNvSpPr txBox="1">
+            <a:spLocks noGrp="1"/>
+          </p:cNvSpPr>
           <p:nvPr>
-            <p:ph idx="1" type="body"/>
+            <p:ph type="body" idx="1"/>
           </p:nvPr>
         </p:nvSpPr>
         <p:spPr>
@@ -3729,11 +3844,11 @@
           </a:ln>
         </p:spPr>
         <p:txBody>
-          <a:bodyPr anchorCtr="0" anchor="t" bIns="45700" lIns="91425" spcFirstLastPara="1" rIns="91425" wrap="square" tIns="45700">
+          <a:bodyPr spcFirstLastPara="1" wrap="square" lIns="91425" tIns="45700" rIns="91425" bIns="45700" anchor="t" anchorCtr="0">
             <a:noAutofit/>
           </a:bodyPr>
           <a:lstStyle>
-            <a:lvl1pPr indent="-342900" lvl="0" marL="457200" algn="l">
+            <a:lvl1pPr marL="457200" lvl="0" indent="-342900" algn="l">
               <a:spcBef>
                 <a:spcPts val="360"/>
               </a:spcBef>
@@ -3747,7 +3862,7 @@
               <a:buChar char="•"/>
               <a:defRPr/>
             </a:lvl1pPr>
-            <a:lvl2pPr indent="-342900" lvl="1" marL="914400" algn="l">
+            <a:lvl2pPr marL="914400" lvl="1" indent="-342900" algn="l">
               <a:spcBef>
                 <a:spcPts val="360"/>
               </a:spcBef>
@@ -3761,7 +3876,7 @@
               <a:buChar char="–"/>
               <a:defRPr/>
             </a:lvl2pPr>
-            <a:lvl3pPr indent="-342900" lvl="2" marL="1371600" algn="l">
+            <a:lvl3pPr marL="1371600" lvl="2" indent="-342900" algn="l">
               <a:spcBef>
                 <a:spcPts val="360"/>
               </a:spcBef>
@@ -3775,7 +3890,7 @@
               <a:buChar char="•"/>
               <a:defRPr/>
             </a:lvl3pPr>
-            <a:lvl4pPr indent="-342900" lvl="3" marL="1828800" algn="l">
+            <a:lvl4pPr marL="1828800" lvl="3" indent="-342900" algn="l">
               <a:spcBef>
                 <a:spcPts val="360"/>
               </a:spcBef>
@@ -3789,7 +3904,7 @@
               <a:buChar char="–"/>
               <a:defRPr/>
             </a:lvl4pPr>
-            <a:lvl5pPr indent="-342900" lvl="4" marL="2286000" algn="l">
+            <a:lvl5pPr marL="2286000" lvl="4" indent="-342900" algn="l">
               <a:spcBef>
                 <a:spcPts val="360"/>
               </a:spcBef>
@@ -3803,7 +3918,7 @@
               <a:buChar char="»"/>
               <a:defRPr/>
             </a:lvl5pPr>
-            <a:lvl6pPr indent="-342900" lvl="5" marL="2743200" algn="l">
+            <a:lvl6pPr marL="2743200" lvl="5" indent="-342900" algn="l">
               <a:spcBef>
                 <a:spcPts val="360"/>
               </a:spcBef>
@@ -3817,7 +3932,7 @@
               <a:buChar char="•"/>
               <a:defRPr/>
             </a:lvl6pPr>
-            <a:lvl7pPr indent="-342900" lvl="6" marL="3200400" algn="l">
+            <a:lvl7pPr marL="3200400" lvl="6" indent="-342900" algn="l">
               <a:spcBef>
                 <a:spcPts val="360"/>
               </a:spcBef>
@@ -3831,7 +3946,7 @@
               <a:buChar char="•"/>
               <a:defRPr/>
             </a:lvl7pPr>
-            <a:lvl8pPr indent="-342900" lvl="7" marL="3657600" algn="l">
+            <a:lvl8pPr marL="3657600" lvl="7" indent="-342900" algn="l">
               <a:spcBef>
                 <a:spcPts val="360"/>
               </a:spcBef>
@@ -3845,7 +3960,7 @@
               <a:buChar char="•"/>
               <a:defRPr/>
             </a:lvl8pPr>
-            <a:lvl9pPr indent="-342900" lvl="8" marL="4114800" algn="l">
+            <a:lvl9pPr marL="4114800" lvl="8" indent="-342900" algn="l">
               <a:spcBef>
                 <a:spcPts val="360"/>
               </a:spcBef>
@@ -3860,15 +3975,19 @@
               <a:defRPr/>
             </a:lvl9pPr>
           </a:lstStyle>
-          <a:p/>
+          <a:p>
+            <a:endParaRPr/>
+          </a:p>
         </p:txBody>
       </p:sp>
       <p:sp>
         <p:nvSpPr>
           <p:cNvPr id="20" name="Google Shape;20;p3"/>
-          <p:cNvSpPr txBox="1"/>
+          <p:cNvSpPr txBox="1">
+            <a:spLocks noGrp="1"/>
+          </p:cNvSpPr>
           <p:nvPr>
-            <p:ph idx="10" type="dt"/>
+            <p:ph type="dt" idx="10"/>
           </p:nvPr>
         </p:nvSpPr>
         <p:spPr>
@@ -3885,7 +4004,7 @@
           </a:ln>
         </p:spPr>
         <p:txBody>
-          <a:bodyPr anchorCtr="0" anchor="ctr" bIns="45700" lIns="91425" spcFirstLastPara="1" rIns="91425" wrap="square" tIns="45700">
+          <a:bodyPr spcFirstLastPara="1" wrap="square" lIns="91425" tIns="45700" rIns="91425" bIns="45700" anchor="ctr" anchorCtr="0">
             <a:noAutofit/>
           </a:bodyPr>
           <a:lstStyle>
@@ -3989,15 +4108,19 @@
               <a:defRPr/>
             </a:lvl9pPr>
           </a:lstStyle>
-          <a:p/>
+          <a:p>
+            <a:endParaRPr/>
+          </a:p>
         </p:txBody>
       </p:sp>
       <p:sp>
         <p:nvSpPr>
           <p:cNvPr id="21" name="Google Shape;21;p3"/>
-          <p:cNvSpPr txBox="1"/>
+          <p:cNvSpPr txBox="1">
+            <a:spLocks noGrp="1"/>
+          </p:cNvSpPr>
           <p:nvPr>
-            <p:ph idx="11" type="ftr"/>
+            <p:ph type="ftr" idx="11"/>
           </p:nvPr>
         </p:nvSpPr>
         <p:spPr>
@@ -4014,7 +4137,7 @@
           </a:ln>
         </p:spPr>
         <p:txBody>
-          <a:bodyPr anchorCtr="0" anchor="ctr" bIns="45700" lIns="91425" spcFirstLastPara="1" rIns="91425" wrap="square" tIns="45700">
+          <a:bodyPr spcFirstLastPara="1" wrap="square" lIns="91425" tIns="45700" rIns="91425" bIns="45700" anchor="ctr" anchorCtr="0">
             <a:noAutofit/>
           </a:bodyPr>
           <a:lstStyle>
@@ -4118,15 +4241,19 @@
               <a:defRPr/>
             </a:lvl9pPr>
           </a:lstStyle>
-          <a:p/>
+          <a:p>
+            <a:endParaRPr/>
+          </a:p>
         </p:txBody>
       </p:sp>
       <p:sp>
         <p:nvSpPr>
           <p:cNvPr id="22" name="Google Shape;22;p3"/>
-          <p:cNvSpPr txBox="1"/>
+          <p:cNvSpPr txBox="1">
+            <a:spLocks noGrp="1"/>
+          </p:cNvSpPr>
           <p:nvPr>
-            <p:ph idx="12" type="sldNum"/>
+            <p:ph type="sldNum" idx="12"/>
           </p:nvPr>
         </p:nvSpPr>
         <p:spPr>
@@ -4143,67 +4270,67 @@
           </a:ln>
         </p:spPr>
         <p:txBody>
-          <a:bodyPr anchorCtr="0" anchor="ctr" bIns="45700" lIns="91425" spcFirstLastPara="1" rIns="91425" wrap="square" tIns="45700">
+          <a:bodyPr spcFirstLastPara="1" wrap="square" lIns="91425" tIns="45700" rIns="91425" bIns="45700" anchor="ctr" anchorCtr="0">
             <a:noAutofit/>
           </a:bodyPr>
           <a:lstStyle>
-            <a:lvl1pPr indent="0" lvl="0" marL="0" algn="r">
+            <a:lvl1pPr marL="0" lvl="0" indent="0" algn="r">
               <a:spcBef>
                 <a:spcPts val="0"/>
               </a:spcBef>
               <a:buNone/>
               <a:defRPr/>
             </a:lvl1pPr>
-            <a:lvl2pPr indent="0" lvl="1" marL="0" algn="r">
+            <a:lvl2pPr marL="0" lvl="1" indent="0" algn="r">
               <a:spcBef>
                 <a:spcPts val="0"/>
               </a:spcBef>
               <a:buNone/>
               <a:defRPr/>
             </a:lvl2pPr>
-            <a:lvl3pPr indent="0" lvl="2" marL="0" algn="r">
+            <a:lvl3pPr marL="0" lvl="2" indent="0" algn="r">
               <a:spcBef>
                 <a:spcPts val="0"/>
               </a:spcBef>
               <a:buNone/>
               <a:defRPr/>
             </a:lvl3pPr>
-            <a:lvl4pPr indent="0" lvl="3" marL="0" algn="r">
+            <a:lvl4pPr marL="0" lvl="3" indent="0" algn="r">
               <a:spcBef>
                 <a:spcPts val="0"/>
               </a:spcBef>
               <a:buNone/>
               <a:defRPr/>
             </a:lvl4pPr>
-            <a:lvl5pPr indent="0" lvl="4" marL="0" algn="r">
+            <a:lvl5pPr marL="0" lvl="4" indent="0" algn="r">
               <a:spcBef>
                 <a:spcPts val="0"/>
               </a:spcBef>
               <a:buNone/>
               <a:defRPr/>
             </a:lvl5pPr>
-            <a:lvl6pPr indent="0" lvl="5" marL="0" algn="r">
+            <a:lvl6pPr marL="0" lvl="5" indent="0" algn="r">
               <a:spcBef>
                 <a:spcPts val="0"/>
               </a:spcBef>
               <a:buNone/>
               <a:defRPr/>
             </a:lvl6pPr>
-            <a:lvl7pPr indent="0" lvl="6" marL="0" algn="r">
+            <a:lvl7pPr marL="0" lvl="6" indent="0" algn="r">
               <a:spcBef>
                 <a:spcPts val="0"/>
               </a:spcBef>
               <a:buNone/>
               <a:defRPr/>
             </a:lvl7pPr>
-            <a:lvl8pPr indent="0" lvl="7" marL="0" algn="r">
+            <a:lvl8pPr marL="0" lvl="7" indent="0" algn="r">
               <a:spcBef>
                 <a:spcPts val="0"/>
               </a:spcBef>
               <a:buNone/>
               <a:defRPr/>
             </a:lvl8pPr>
-            <a:lvl9pPr indent="0" lvl="8" marL="0" algn="r">
+            <a:lvl9pPr marL="0" lvl="8" indent="0" algn="r">
               <a:spcBef>
                 <a:spcPts val="0"/>
               </a:spcBef>
@@ -4212,7 +4339,7 @@
             </a:lvl9pPr>
           </a:lstStyle>
           <a:p>
-            <a:pPr indent="0" lvl="0" marL="0" rtl="0" algn="r">
+            <a:pPr marL="0" lvl="0" indent="0" algn="r" rtl="0">
               <a:spcBef>
                 <a:spcPts val="0"/>
               </a:spcBef>
@@ -4238,11 +4365,11 @@
 </file>
 
 <file path=ppt/slideLayouts/slideLayout3.xml><?xml version="1.0" encoding="utf-8"?>
-<p:sldLayout xmlns:a="http://schemas.openxmlformats.org/drawingml/2006/main" xmlns:r="http://schemas.openxmlformats.org/officeDocument/2006/relationships" xmlns:mc="http://schemas.openxmlformats.org/markup-compatibility/2006" xmlns:mv="urn:schemas-microsoft-com:mac:vml" xmlns:p="http://schemas.openxmlformats.org/presentationml/2006/main" xmlns:c="http://schemas.openxmlformats.org/drawingml/2006/chart" xmlns:dgm="http://schemas.openxmlformats.org/drawingml/2006/diagram" xmlns:o="urn:schemas-microsoft-com:office:office" xmlns:v="urn:schemas-microsoft-com:vml" xmlns:pvml="urn:schemas-microsoft-com:office:powerpoint" xmlns:com="http://schemas.openxmlformats.org/drawingml/2006/compatibility" xmlns:p14="http://schemas.microsoft.com/office/powerpoint/2010/main" xmlns:p15="http://schemas.microsoft.com/office/powerpoint/2012/main" xmlns:ahyp="http://schemas.microsoft.com/office/drawing/2018/hyperlinkcolor" matchingName="Section Header" type="secHead">
+<p:sldLayout xmlns:a="http://schemas.openxmlformats.org/drawingml/2006/main" xmlns:r="http://schemas.openxmlformats.org/officeDocument/2006/relationships" xmlns:p="http://schemas.openxmlformats.org/presentationml/2006/main" matchingName="Section Header" type="secHead">
   <p:cSld name="SECTION_HEADER">
     <p:spTree>
       <p:nvGrpSpPr>
-        <p:cNvPr id="23" name="Shape 23"/>
+        <p:cNvPr id="1" name="Shape 23"/>
         <p:cNvGrpSpPr/>
         <p:nvPr/>
       </p:nvGrpSpPr>
@@ -4257,7 +4384,9 @@
       <p:sp>
         <p:nvSpPr>
           <p:cNvPr id="24" name="Google Shape;24;p4"/>
-          <p:cNvSpPr txBox="1"/>
+          <p:cNvSpPr txBox="1">
+            <a:spLocks noGrp="1"/>
+          </p:cNvSpPr>
           <p:nvPr>
             <p:ph type="title"/>
           </p:nvPr>
@@ -4276,7 +4405,7 @@
           </a:ln>
         </p:spPr>
         <p:txBody>
-          <a:bodyPr anchorCtr="0" anchor="t" bIns="45700" lIns="91425" spcFirstLastPara="1" rIns="91425" wrap="square" tIns="45700">
+          <a:bodyPr spcFirstLastPara="1" wrap="square" lIns="91425" tIns="45700" rIns="91425" bIns="45700" anchor="t" anchorCtr="0">
             <a:noAutofit/>
           </a:bodyPr>
           <a:lstStyle>
@@ -4293,7 +4422,7 @@
               <a:buSzPts val="4000"/>
               <a:buFont typeface="Calibri"/>
               <a:buNone/>
-              <a:defRPr b="1" sz="4000" cap="none"/>
+              <a:defRPr sz="4000" b="1" cap="none"/>
             </a:lvl1pPr>
             <a:lvl2pPr lvl="1">
               <a:spcBef>
@@ -4384,15 +4513,19 @@
               <a:defRPr/>
             </a:lvl9pPr>
           </a:lstStyle>
-          <a:p/>
+          <a:p>
+            <a:endParaRPr/>
+          </a:p>
         </p:txBody>
       </p:sp>
       <p:sp>
         <p:nvSpPr>
           <p:cNvPr id="25" name="Google Shape;25;p4"/>
-          <p:cNvSpPr txBox="1"/>
+          <p:cNvSpPr txBox="1">
+            <a:spLocks noGrp="1"/>
+          </p:cNvSpPr>
           <p:nvPr>
-            <p:ph idx="1" type="body"/>
+            <p:ph type="body" idx="1"/>
           </p:nvPr>
         </p:nvSpPr>
         <p:spPr>
@@ -4409,11 +4542,11 @@
           </a:ln>
         </p:spPr>
         <p:txBody>
-          <a:bodyPr anchorCtr="0" anchor="b" bIns="45700" lIns="91425" spcFirstLastPara="1" rIns="91425" wrap="square" tIns="45700">
+          <a:bodyPr spcFirstLastPara="1" wrap="square" lIns="91425" tIns="45700" rIns="91425" bIns="45700" anchor="b" anchorCtr="0">
             <a:noAutofit/>
           </a:bodyPr>
           <a:lstStyle>
-            <a:lvl1pPr indent="-228600" lvl="0" marL="457200" algn="l">
+            <a:lvl1pPr marL="457200" lvl="0" indent="-228600" algn="l">
               <a:spcBef>
                 <a:spcPts val="400"/>
               </a:spcBef>
@@ -4431,7 +4564,7 @@
                 </a:solidFill>
               </a:defRPr>
             </a:lvl1pPr>
-            <a:lvl2pPr indent="-228600" lvl="1" marL="914400" algn="l">
+            <a:lvl2pPr marL="914400" lvl="1" indent="-228600" algn="l">
               <a:spcBef>
                 <a:spcPts val="360"/>
               </a:spcBef>
@@ -4449,7 +4582,7 @@
                 </a:solidFill>
               </a:defRPr>
             </a:lvl2pPr>
-            <a:lvl3pPr indent="-228600" lvl="2" marL="1371600" algn="l">
+            <a:lvl3pPr marL="1371600" lvl="2" indent="-228600" algn="l">
               <a:spcBef>
                 <a:spcPts val="320"/>
               </a:spcBef>
@@ -4467,7 +4600,7 @@
                 </a:solidFill>
               </a:defRPr>
             </a:lvl3pPr>
-            <a:lvl4pPr indent="-228600" lvl="3" marL="1828800" algn="l">
+            <a:lvl4pPr marL="1828800" lvl="3" indent="-228600" algn="l">
               <a:spcBef>
                 <a:spcPts val="280"/>
               </a:spcBef>
@@ -4485,7 +4618,7 @@
                 </a:solidFill>
               </a:defRPr>
             </a:lvl4pPr>
-            <a:lvl5pPr indent="-228600" lvl="4" marL="2286000" algn="l">
+            <a:lvl5pPr marL="2286000" lvl="4" indent="-228600" algn="l">
               <a:spcBef>
                 <a:spcPts val="280"/>
               </a:spcBef>
@@ -4503,7 +4636,7 @@
                 </a:solidFill>
               </a:defRPr>
             </a:lvl5pPr>
-            <a:lvl6pPr indent="-228600" lvl="5" marL="2743200" algn="l">
+            <a:lvl6pPr marL="2743200" lvl="5" indent="-228600" algn="l">
               <a:spcBef>
                 <a:spcPts val="280"/>
               </a:spcBef>
@@ -4521,7 +4654,7 @@
                 </a:solidFill>
               </a:defRPr>
             </a:lvl6pPr>
-            <a:lvl7pPr indent="-228600" lvl="6" marL="3200400" algn="l">
+            <a:lvl7pPr marL="3200400" lvl="6" indent="-228600" algn="l">
               <a:spcBef>
                 <a:spcPts val="280"/>
               </a:spcBef>
@@ -4539,7 +4672,7 @@
                 </a:solidFill>
               </a:defRPr>
             </a:lvl7pPr>
-            <a:lvl8pPr indent="-228600" lvl="7" marL="3657600" algn="l">
+            <a:lvl8pPr marL="3657600" lvl="7" indent="-228600" algn="l">
               <a:spcBef>
                 <a:spcPts val="280"/>
               </a:spcBef>
@@ -4557,7 +4690,7 @@
                 </a:solidFill>
               </a:defRPr>
             </a:lvl8pPr>
-            <a:lvl9pPr indent="-228600" lvl="8" marL="4114800" algn="l">
+            <a:lvl9pPr marL="4114800" lvl="8" indent="-228600" algn="l">
               <a:spcBef>
                 <a:spcPts val="280"/>
               </a:spcBef>
@@ -4576,15 +4709,19 @@
               </a:defRPr>
             </a:lvl9pPr>
           </a:lstStyle>
-          <a:p/>
+          <a:p>
+            <a:endParaRPr/>
+          </a:p>
         </p:txBody>
       </p:sp>
       <p:sp>
         <p:nvSpPr>
           <p:cNvPr id="26" name="Google Shape;26;p4"/>
-          <p:cNvSpPr txBox="1"/>
+          <p:cNvSpPr txBox="1">
+            <a:spLocks noGrp="1"/>
+          </p:cNvSpPr>
           <p:nvPr>
-            <p:ph idx="10" type="dt"/>
+            <p:ph type="dt" idx="10"/>
           </p:nvPr>
         </p:nvSpPr>
         <p:spPr>
@@ -4601,7 +4738,7 @@
           </a:ln>
         </p:spPr>
         <p:txBody>
-          <a:bodyPr anchorCtr="0" anchor="ctr" bIns="45700" lIns="91425" spcFirstLastPara="1" rIns="91425" wrap="square" tIns="45700">
+          <a:bodyPr spcFirstLastPara="1" wrap="square" lIns="91425" tIns="45700" rIns="91425" bIns="45700" anchor="ctr" anchorCtr="0">
             <a:noAutofit/>
           </a:bodyPr>
           <a:lstStyle>
@@ -4705,15 +4842,19 @@
               <a:defRPr/>
             </a:lvl9pPr>
           </a:lstStyle>
-          <a:p/>
+          <a:p>
+            <a:endParaRPr/>
+          </a:p>
         </p:txBody>
       </p:sp>
       <p:sp>
         <p:nvSpPr>
           <p:cNvPr id="27" name="Google Shape;27;p4"/>
-          <p:cNvSpPr txBox="1"/>
+          <p:cNvSpPr txBox="1">
+            <a:spLocks noGrp="1"/>
+          </p:cNvSpPr>
           <p:nvPr>
-            <p:ph idx="11" type="ftr"/>
+            <p:ph type="ftr" idx="11"/>
           </p:nvPr>
         </p:nvSpPr>
         <p:spPr>
@@ -4730,7 +4871,7 @@
           </a:ln>
         </p:spPr>
         <p:txBody>
-          <a:bodyPr anchorCtr="0" anchor="ctr" bIns="45700" lIns="91425" spcFirstLastPara="1" rIns="91425" wrap="square" tIns="45700">
+          <a:bodyPr spcFirstLastPara="1" wrap="square" lIns="91425" tIns="45700" rIns="91425" bIns="45700" anchor="ctr" anchorCtr="0">
             <a:noAutofit/>
           </a:bodyPr>
           <a:lstStyle>
@@ -4834,15 +4975,19 @@
               <a:defRPr/>
             </a:lvl9pPr>
           </a:lstStyle>
-          <a:p/>
+          <a:p>
+            <a:endParaRPr/>
+          </a:p>
         </p:txBody>
       </p:sp>
       <p:sp>
         <p:nvSpPr>
           <p:cNvPr id="28" name="Google Shape;28;p4"/>
-          <p:cNvSpPr txBox="1"/>
+          <p:cNvSpPr txBox="1">
+            <a:spLocks noGrp="1"/>
+          </p:cNvSpPr>
           <p:nvPr>
-            <p:ph idx="12" type="sldNum"/>
+            <p:ph type="sldNum" idx="12"/>
           </p:nvPr>
         </p:nvSpPr>
         <p:spPr>
@@ -4859,67 +5004,67 @@
           </a:ln>
         </p:spPr>
         <p:txBody>
-          <a:bodyPr anchorCtr="0" anchor="ctr" bIns="45700" lIns="91425" spcFirstLastPara="1" rIns="91425" wrap="square" tIns="45700">
+          <a:bodyPr spcFirstLastPara="1" wrap="square" lIns="91425" tIns="45700" rIns="91425" bIns="45700" anchor="ctr" anchorCtr="0">
             <a:noAutofit/>
           </a:bodyPr>
           <a:lstStyle>
-            <a:lvl1pPr indent="0" lvl="0" marL="0" algn="r">
+            <a:lvl1pPr marL="0" lvl="0" indent="0" algn="r">
               <a:spcBef>
                 <a:spcPts val="0"/>
               </a:spcBef>
               <a:buNone/>
               <a:defRPr/>
             </a:lvl1pPr>
-            <a:lvl2pPr indent="0" lvl="1" marL="0" algn="r">
+            <a:lvl2pPr marL="0" lvl="1" indent="0" algn="r">
               <a:spcBef>
                 <a:spcPts val="0"/>
               </a:spcBef>
               <a:buNone/>
               <a:defRPr/>
             </a:lvl2pPr>
-            <a:lvl3pPr indent="0" lvl="2" marL="0" algn="r">
+            <a:lvl3pPr marL="0" lvl="2" indent="0" algn="r">
               <a:spcBef>
                 <a:spcPts val="0"/>
               </a:spcBef>
               <a:buNone/>
               <a:defRPr/>
             </a:lvl3pPr>
-            <a:lvl4pPr indent="0" lvl="3" marL="0" algn="r">
+            <a:lvl4pPr marL="0" lvl="3" indent="0" algn="r">
               <a:spcBef>
                 <a:spcPts val="0"/>
               </a:spcBef>
               <a:buNone/>
               <a:defRPr/>
             </a:lvl4pPr>
-            <a:lvl5pPr indent="0" lvl="4" marL="0" algn="r">
+            <a:lvl5pPr marL="0" lvl="4" indent="0" algn="r">
               <a:spcBef>
                 <a:spcPts val="0"/>
               </a:spcBef>
               <a:buNone/>
               <a:defRPr/>
             </a:lvl5pPr>
-            <a:lvl6pPr indent="0" lvl="5" marL="0" algn="r">
+            <a:lvl6pPr marL="0" lvl="5" indent="0" algn="r">
               <a:spcBef>
                 <a:spcPts val="0"/>
               </a:spcBef>
               <a:buNone/>
               <a:defRPr/>
             </a:lvl6pPr>
-            <a:lvl7pPr indent="0" lvl="6" marL="0" algn="r">
+            <a:lvl7pPr marL="0" lvl="6" indent="0" algn="r">
               <a:spcBef>
                 <a:spcPts val="0"/>
               </a:spcBef>
               <a:buNone/>
               <a:defRPr/>
             </a:lvl7pPr>
-            <a:lvl8pPr indent="0" lvl="7" marL="0" algn="r">
+            <a:lvl8pPr marL="0" lvl="7" indent="0" algn="r">
               <a:spcBef>
                 <a:spcPts val="0"/>
               </a:spcBef>
               <a:buNone/>
               <a:defRPr/>
             </a:lvl8pPr>
-            <a:lvl9pPr indent="0" lvl="8" marL="0" algn="r">
+            <a:lvl9pPr marL="0" lvl="8" indent="0" algn="r">
               <a:spcBef>
                 <a:spcPts val="0"/>
               </a:spcBef>
@@ -4928,7 +5073,7 @@
             </a:lvl9pPr>
           </a:lstStyle>
           <a:p>
-            <a:pPr indent="0" lvl="0" marL="0" rtl="0" algn="r">
+            <a:pPr marL="0" lvl="0" indent="0" algn="r" rtl="0">
               <a:spcBef>
                 <a:spcPts val="0"/>
               </a:spcBef>
@@ -4954,11 +5099,11 @@
 </file>
 
 <file path=ppt/slideLayouts/slideLayout4.xml><?xml version="1.0" encoding="utf-8"?>
-<p:sldLayout xmlns:a="http://schemas.openxmlformats.org/drawingml/2006/main" xmlns:r="http://schemas.openxmlformats.org/officeDocument/2006/relationships" xmlns:mc="http://schemas.openxmlformats.org/markup-compatibility/2006" xmlns:mv="urn:schemas-microsoft-com:mac:vml" xmlns:p="http://schemas.openxmlformats.org/presentationml/2006/main" xmlns:c="http://schemas.openxmlformats.org/drawingml/2006/chart" xmlns:dgm="http://schemas.openxmlformats.org/drawingml/2006/diagram" xmlns:o="urn:schemas-microsoft-com:office:office" xmlns:v="urn:schemas-microsoft-com:vml" xmlns:pvml="urn:schemas-microsoft-com:office:powerpoint" xmlns:com="http://schemas.openxmlformats.org/drawingml/2006/compatibility" xmlns:p14="http://schemas.microsoft.com/office/powerpoint/2010/main" xmlns:p15="http://schemas.microsoft.com/office/powerpoint/2012/main" xmlns:ahyp="http://schemas.microsoft.com/office/drawing/2018/hyperlinkcolor" matchingName="Two Content" type="twoObj">
+<p:sldLayout xmlns:a="http://schemas.openxmlformats.org/drawingml/2006/main" xmlns:r="http://schemas.openxmlformats.org/officeDocument/2006/relationships" xmlns:p="http://schemas.openxmlformats.org/presentationml/2006/main" matchingName="Two Content" type="twoObj">
   <p:cSld name="TWO_OBJECTS">
     <p:spTree>
       <p:nvGrpSpPr>
-        <p:cNvPr id="29" name="Shape 29"/>
+        <p:cNvPr id="1" name="Shape 29"/>
         <p:cNvGrpSpPr/>
         <p:nvPr/>
       </p:nvGrpSpPr>
@@ -4973,7 +5118,9 @@
       <p:sp>
         <p:nvSpPr>
           <p:cNvPr id="30" name="Google Shape;30;p5"/>
-          <p:cNvSpPr txBox="1"/>
+          <p:cNvSpPr txBox="1">
+            <a:spLocks noGrp="1"/>
+          </p:cNvSpPr>
           <p:nvPr>
             <p:ph type="title"/>
           </p:nvPr>
@@ -4992,7 +5139,7 @@
           </a:ln>
         </p:spPr>
         <p:txBody>
-          <a:bodyPr anchorCtr="0" anchor="ctr" bIns="45700" lIns="91425" spcFirstLastPara="1" rIns="91425" wrap="square" tIns="45700">
+          <a:bodyPr spcFirstLastPara="1" wrap="square" lIns="91425" tIns="45700" rIns="91425" bIns="45700" anchor="ctr" anchorCtr="0">
             <a:noAutofit/>
           </a:bodyPr>
           <a:lstStyle>
@@ -5099,15 +5246,19 @@
               <a:defRPr/>
             </a:lvl9pPr>
           </a:lstStyle>
-          <a:p/>
+          <a:p>
+            <a:endParaRPr/>
+          </a:p>
         </p:txBody>
       </p:sp>
       <p:sp>
         <p:nvSpPr>
           <p:cNvPr id="31" name="Google Shape;31;p5"/>
-          <p:cNvSpPr txBox="1"/>
+          <p:cNvSpPr txBox="1">
+            <a:spLocks noGrp="1"/>
+          </p:cNvSpPr>
           <p:nvPr>
-            <p:ph idx="1" type="body"/>
+            <p:ph type="body" idx="1"/>
           </p:nvPr>
         </p:nvSpPr>
         <p:spPr>
@@ -5124,11 +5275,11 @@
           </a:ln>
         </p:spPr>
         <p:txBody>
-          <a:bodyPr anchorCtr="0" anchor="t" bIns="45700" lIns="91425" spcFirstLastPara="1" rIns="91425" wrap="square" tIns="45700">
+          <a:bodyPr spcFirstLastPara="1" wrap="square" lIns="91425" tIns="45700" rIns="91425" bIns="45700" anchor="t" anchorCtr="0">
             <a:noAutofit/>
           </a:bodyPr>
           <a:lstStyle>
-            <a:lvl1pPr indent="-406400" lvl="0" marL="457200" algn="l">
+            <a:lvl1pPr marL="457200" lvl="0" indent="-406400" algn="l">
               <a:spcBef>
                 <a:spcPts val="560"/>
               </a:spcBef>
@@ -5142,7 +5293,7 @@
               <a:buChar char="•"/>
               <a:defRPr sz="2800"/>
             </a:lvl1pPr>
-            <a:lvl2pPr indent="-381000" lvl="1" marL="914400" algn="l">
+            <a:lvl2pPr marL="914400" lvl="1" indent="-381000" algn="l">
               <a:spcBef>
                 <a:spcPts val="480"/>
               </a:spcBef>
@@ -5156,7 +5307,7 @@
               <a:buChar char="–"/>
               <a:defRPr sz="2400"/>
             </a:lvl2pPr>
-            <a:lvl3pPr indent="-355600" lvl="2" marL="1371600" algn="l">
+            <a:lvl3pPr marL="1371600" lvl="2" indent="-355600" algn="l">
               <a:spcBef>
                 <a:spcPts val="400"/>
               </a:spcBef>
@@ -5170,7 +5321,7 @@
               <a:buChar char="•"/>
               <a:defRPr sz="2000"/>
             </a:lvl3pPr>
-            <a:lvl4pPr indent="-342900" lvl="3" marL="1828800" algn="l">
+            <a:lvl4pPr marL="1828800" lvl="3" indent="-342900" algn="l">
               <a:spcBef>
                 <a:spcPts val="360"/>
               </a:spcBef>
@@ -5184,7 +5335,7 @@
               <a:buChar char="–"/>
               <a:defRPr sz="1800"/>
             </a:lvl4pPr>
-            <a:lvl5pPr indent="-342900" lvl="4" marL="2286000" algn="l">
+            <a:lvl5pPr marL="2286000" lvl="4" indent="-342900" algn="l">
               <a:spcBef>
                 <a:spcPts val="360"/>
               </a:spcBef>
@@ -5198,7 +5349,7 @@
               <a:buChar char="»"/>
               <a:defRPr sz="1800"/>
             </a:lvl5pPr>
-            <a:lvl6pPr indent="-342900" lvl="5" marL="2743200" algn="l">
+            <a:lvl6pPr marL="2743200" lvl="5" indent="-342900" algn="l">
               <a:spcBef>
                 <a:spcPts val="360"/>
               </a:spcBef>
@@ -5212,7 +5363,7 @@
               <a:buChar char="•"/>
               <a:defRPr sz="1800"/>
             </a:lvl6pPr>
-            <a:lvl7pPr indent="-342900" lvl="6" marL="3200400" algn="l">
+            <a:lvl7pPr marL="3200400" lvl="6" indent="-342900" algn="l">
               <a:spcBef>
                 <a:spcPts val="360"/>
               </a:spcBef>
@@ -5226,7 +5377,7 @@
               <a:buChar char="•"/>
               <a:defRPr sz="1800"/>
             </a:lvl7pPr>
-            <a:lvl8pPr indent="-342900" lvl="7" marL="3657600" algn="l">
+            <a:lvl8pPr marL="3657600" lvl="7" indent="-342900" algn="l">
               <a:spcBef>
                 <a:spcPts val="360"/>
               </a:spcBef>
@@ -5240,7 +5391,7 @@
               <a:buChar char="•"/>
               <a:defRPr sz="1800"/>
             </a:lvl8pPr>
-            <a:lvl9pPr indent="-342900" lvl="8" marL="4114800" algn="l">
+            <a:lvl9pPr marL="4114800" lvl="8" indent="-342900" algn="l">
               <a:spcBef>
                 <a:spcPts val="360"/>
               </a:spcBef>
@@ -5255,15 +5406,19 @@
               <a:defRPr sz="1800"/>
             </a:lvl9pPr>
           </a:lstStyle>
-          <a:p/>
+          <a:p>
+            <a:endParaRPr/>
+          </a:p>
         </p:txBody>
       </p:sp>
       <p:sp>
         <p:nvSpPr>
           <p:cNvPr id="32" name="Google Shape;32;p5"/>
-          <p:cNvSpPr txBox="1"/>
+          <p:cNvSpPr txBox="1">
+            <a:spLocks noGrp="1"/>
+          </p:cNvSpPr>
           <p:nvPr>
-            <p:ph idx="2" type="body"/>
+            <p:ph type="body" idx="2"/>
           </p:nvPr>
         </p:nvSpPr>
         <p:spPr>
@@ -5280,11 +5435,11 @@
           </a:ln>
         </p:spPr>
         <p:txBody>
-          <a:bodyPr anchorCtr="0" anchor="t" bIns="45700" lIns="91425" spcFirstLastPara="1" rIns="91425" wrap="square" tIns="45700">
+          <a:bodyPr spcFirstLastPara="1" wrap="square" lIns="91425" tIns="45700" rIns="91425" bIns="45700" anchor="t" anchorCtr="0">
             <a:noAutofit/>
           </a:bodyPr>
           <a:lstStyle>
-            <a:lvl1pPr indent="-406400" lvl="0" marL="457200" algn="l">
+            <a:lvl1pPr marL="457200" lvl="0" indent="-406400" algn="l">
               <a:spcBef>
                 <a:spcPts val="560"/>
               </a:spcBef>
@@ -5298,7 +5453,7 @@
               <a:buChar char="•"/>
               <a:defRPr sz="2800"/>
             </a:lvl1pPr>
-            <a:lvl2pPr indent="-381000" lvl="1" marL="914400" algn="l">
+            <a:lvl2pPr marL="914400" lvl="1" indent="-381000" algn="l">
               <a:spcBef>
                 <a:spcPts val="480"/>
               </a:spcBef>
@@ -5312,7 +5467,7 @@
               <a:buChar char="–"/>
               <a:defRPr sz="2400"/>
             </a:lvl2pPr>
-            <a:lvl3pPr indent="-355600" lvl="2" marL="1371600" algn="l">
+            <a:lvl3pPr marL="1371600" lvl="2" indent="-355600" algn="l">
               <a:spcBef>
                 <a:spcPts val="400"/>
               </a:spcBef>
@@ -5326,7 +5481,7 @@
               <a:buChar char="•"/>
               <a:defRPr sz="2000"/>
             </a:lvl3pPr>
-            <a:lvl4pPr indent="-342900" lvl="3" marL="1828800" algn="l">
+            <a:lvl4pPr marL="1828800" lvl="3" indent="-342900" algn="l">
               <a:spcBef>
                 <a:spcPts val="360"/>
               </a:spcBef>
@@ -5340,7 +5495,7 @@
               <a:buChar char="–"/>
               <a:defRPr sz="1800"/>
             </a:lvl4pPr>
-            <a:lvl5pPr indent="-342900" lvl="4" marL="2286000" algn="l">
+            <a:lvl5pPr marL="2286000" lvl="4" indent="-342900" algn="l">
               <a:spcBef>
                 <a:spcPts val="360"/>
               </a:spcBef>
@@ -5354,7 +5509,7 @@
               <a:buChar char="»"/>
               <a:defRPr sz="1800"/>
             </a:lvl5pPr>
-            <a:lvl6pPr indent="-342900" lvl="5" marL="2743200" algn="l">
+            <a:lvl6pPr marL="2743200" lvl="5" indent="-342900" algn="l">
               <a:spcBef>
                 <a:spcPts val="360"/>
               </a:spcBef>
@@ -5368,7 +5523,7 @@
               <a:buChar char="•"/>
               <a:defRPr sz="1800"/>
             </a:lvl6pPr>
-            <a:lvl7pPr indent="-342900" lvl="6" marL="3200400" algn="l">
+            <a:lvl7pPr marL="3200400" lvl="6" indent="-342900" algn="l">
               <a:spcBef>
                 <a:spcPts val="360"/>
               </a:spcBef>
@@ -5382,7 +5537,7 @@
               <a:buChar char="•"/>
               <a:defRPr sz="1800"/>
             </a:lvl7pPr>
-            <a:lvl8pPr indent="-342900" lvl="7" marL="3657600" algn="l">
+            <a:lvl8pPr marL="3657600" lvl="7" indent="-342900" algn="l">
               <a:spcBef>
                 <a:spcPts val="360"/>
               </a:spcBef>
@@ -5396,7 +5551,7 @@
               <a:buChar char="•"/>
               <a:defRPr sz="1800"/>
             </a:lvl8pPr>
-            <a:lvl9pPr indent="-342900" lvl="8" marL="4114800" algn="l">
+            <a:lvl9pPr marL="4114800" lvl="8" indent="-342900" algn="l">
               <a:spcBef>
                 <a:spcPts val="360"/>
               </a:spcBef>
@@ -5411,15 +5566,19 @@
               <a:defRPr sz="1800"/>
             </a:lvl9pPr>
           </a:lstStyle>
-          <a:p/>
+          <a:p>
+            <a:endParaRPr/>
+          </a:p>
         </p:txBody>
       </p:sp>
       <p:sp>
         <p:nvSpPr>
           <p:cNvPr id="33" name="Google Shape;33;p5"/>
-          <p:cNvSpPr txBox="1"/>
+          <p:cNvSpPr txBox="1">
+            <a:spLocks noGrp="1"/>
+          </p:cNvSpPr>
           <p:nvPr>
-            <p:ph idx="10" type="dt"/>
+            <p:ph type="dt" idx="10"/>
           </p:nvPr>
         </p:nvSpPr>
         <p:spPr>
@@ -5436,7 +5595,7 @@
           </a:ln>
         </p:spPr>
         <p:txBody>
-          <a:bodyPr anchorCtr="0" anchor="ctr" bIns="45700" lIns="91425" spcFirstLastPara="1" rIns="91425" wrap="square" tIns="45700">
+          <a:bodyPr spcFirstLastPara="1" wrap="square" lIns="91425" tIns="45700" rIns="91425" bIns="45700" anchor="ctr" anchorCtr="0">
             <a:noAutofit/>
           </a:bodyPr>
           <a:lstStyle>
@@ -5540,15 +5699,19 @@
               <a:defRPr/>
             </a:lvl9pPr>
           </a:lstStyle>
-          <a:p/>
+          <a:p>
+            <a:endParaRPr/>
+          </a:p>
         </p:txBody>
       </p:sp>
       <p:sp>
         <p:nvSpPr>
           <p:cNvPr id="34" name="Google Shape;34;p5"/>
-          <p:cNvSpPr txBox="1"/>
+          <p:cNvSpPr txBox="1">
+            <a:spLocks noGrp="1"/>
+          </p:cNvSpPr>
           <p:nvPr>
-            <p:ph idx="11" type="ftr"/>
+            <p:ph type="ftr" idx="11"/>
           </p:nvPr>
         </p:nvSpPr>
         <p:spPr>
@@ -5565,7 +5728,7 @@
           </a:ln>
         </p:spPr>
         <p:txBody>
-          <a:bodyPr anchorCtr="0" anchor="ctr" bIns="45700" lIns="91425" spcFirstLastPara="1" rIns="91425" wrap="square" tIns="45700">
+          <a:bodyPr spcFirstLastPara="1" wrap="square" lIns="91425" tIns="45700" rIns="91425" bIns="45700" anchor="ctr" anchorCtr="0">
             <a:noAutofit/>
           </a:bodyPr>
           <a:lstStyle>
@@ -5669,15 +5832,19 @@
               <a:defRPr/>
             </a:lvl9pPr>
           </a:lstStyle>
-          <a:p/>
+          <a:p>
+            <a:endParaRPr/>
+          </a:p>
         </p:txBody>
       </p:sp>
       <p:sp>
         <p:nvSpPr>
           <p:cNvPr id="35" name="Google Shape;35;p5"/>
-          <p:cNvSpPr txBox="1"/>
+          <p:cNvSpPr txBox="1">
+            <a:spLocks noGrp="1"/>
+          </p:cNvSpPr>
           <p:nvPr>
-            <p:ph idx="12" type="sldNum"/>
+            <p:ph type="sldNum" idx="12"/>
           </p:nvPr>
         </p:nvSpPr>
         <p:spPr>
@@ -5694,67 +5861,67 @@
           </a:ln>
         </p:spPr>
         <p:txBody>
-          <a:bodyPr anchorCtr="0" anchor="ctr" bIns="45700" lIns="91425" spcFirstLastPara="1" rIns="91425" wrap="square" tIns="45700">
+          <a:bodyPr spcFirstLastPara="1" wrap="square" lIns="91425" tIns="45700" rIns="91425" bIns="45700" anchor="ctr" anchorCtr="0">
             <a:noAutofit/>
           </a:bodyPr>
           <a:lstStyle>
-            <a:lvl1pPr indent="0" lvl="0" marL="0" algn="r">
+            <a:lvl1pPr marL="0" lvl="0" indent="0" algn="r">
               <a:spcBef>
                 <a:spcPts val="0"/>
               </a:spcBef>
               <a:buNone/>
               <a:defRPr/>
             </a:lvl1pPr>
-            <a:lvl2pPr indent="0" lvl="1" marL="0" algn="r">
+            <a:lvl2pPr marL="0" lvl="1" indent="0" algn="r">
               <a:spcBef>
                 <a:spcPts val="0"/>
               </a:spcBef>
               <a:buNone/>
               <a:defRPr/>
             </a:lvl2pPr>
-            <a:lvl3pPr indent="0" lvl="2" marL="0" algn="r">
+            <a:lvl3pPr marL="0" lvl="2" indent="0" algn="r">
               <a:spcBef>
                 <a:spcPts val="0"/>
               </a:spcBef>
               <a:buNone/>
               <a:defRPr/>
             </a:lvl3pPr>
-            <a:lvl4pPr indent="0" lvl="3" marL="0" algn="r">
+            <a:lvl4pPr marL="0" lvl="3" indent="0" algn="r">
               <a:spcBef>
                 <a:spcPts val="0"/>
               </a:spcBef>
               <a:buNone/>
               <a:defRPr/>
             </a:lvl4pPr>
-            <a:lvl5pPr indent="0" lvl="4" marL="0" algn="r">
+            <a:lvl5pPr marL="0" lvl="4" indent="0" algn="r">
               <a:spcBef>
                 <a:spcPts val="0"/>
               </a:spcBef>
               <a:buNone/>
               <a:defRPr/>
             </a:lvl5pPr>
-            <a:lvl6pPr indent="0" lvl="5" marL="0" algn="r">
+            <a:lvl6pPr marL="0" lvl="5" indent="0" algn="r">
               <a:spcBef>
                 <a:spcPts val="0"/>
               </a:spcBef>
               <a:buNone/>
               <a:defRPr/>
             </a:lvl6pPr>
-            <a:lvl7pPr indent="0" lvl="6" marL="0" algn="r">
+            <a:lvl7pPr marL="0" lvl="6" indent="0" algn="r">
               <a:spcBef>
                 <a:spcPts val="0"/>
               </a:spcBef>
               <a:buNone/>
               <a:defRPr/>
             </a:lvl7pPr>
-            <a:lvl8pPr indent="0" lvl="7" marL="0" algn="r">
+            <a:lvl8pPr marL="0" lvl="7" indent="0" algn="r">
               <a:spcBef>
                 <a:spcPts val="0"/>
               </a:spcBef>
               <a:buNone/>
               <a:defRPr/>
             </a:lvl8pPr>
-            <a:lvl9pPr indent="0" lvl="8" marL="0" algn="r">
+            <a:lvl9pPr marL="0" lvl="8" indent="0" algn="r">
               <a:spcBef>
                 <a:spcPts val="0"/>
               </a:spcBef>
@@ -5763,7 +5930,7 @@
             </a:lvl9pPr>
           </a:lstStyle>
           <a:p>
-            <a:pPr indent="0" lvl="0" marL="0" rtl="0" algn="r">
+            <a:pPr marL="0" lvl="0" indent="0" algn="r" rtl="0">
               <a:spcBef>
                 <a:spcPts val="0"/>
               </a:spcBef>
@@ -5789,11 +5956,11 @@
 </file>
 
 <file path=ppt/slideLayouts/slideLayout5.xml><?xml version="1.0" encoding="utf-8"?>
-<p:sldLayout xmlns:a="http://schemas.openxmlformats.org/drawingml/2006/main" xmlns:r="http://schemas.openxmlformats.org/officeDocument/2006/relationships" xmlns:mc="http://schemas.openxmlformats.org/markup-compatibility/2006" xmlns:mv="urn:schemas-microsoft-com:mac:vml" xmlns:p="http://schemas.openxmlformats.org/presentationml/2006/main" xmlns:c="http://schemas.openxmlformats.org/drawingml/2006/chart" xmlns:dgm="http://schemas.openxmlformats.org/drawingml/2006/diagram" xmlns:o="urn:schemas-microsoft-com:office:office" xmlns:v="urn:schemas-microsoft-com:vml" xmlns:pvml="urn:schemas-microsoft-com:office:powerpoint" xmlns:com="http://schemas.openxmlformats.org/drawingml/2006/compatibility" xmlns:p14="http://schemas.microsoft.com/office/powerpoint/2010/main" xmlns:p15="http://schemas.microsoft.com/office/powerpoint/2012/main" xmlns:ahyp="http://schemas.microsoft.com/office/drawing/2018/hyperlinkcolor" matchingName="Comparison" type="twoTxTwoObj">
+<p:sldLayout xmlns:a="http://schemas.openxmlformats.org/drawingml/2006/main" xmlns:r="http://schemas.openxmlformats.org/officeDocument/2006/relationships" xmlns:p="http://schemas.openxmlformats.org/presentationml/2006/main" matchingName="Comparison" type="twoTxTwoObj">
   <p:cSld name="TWO_OBJECTS_WITH_TEXT">
     <p:spTree>
       <p:nvGrpSpPr>
-        <p:cNvPr id="36" name="Shape 36"/>
+        <p:cNvPr id="1" name="Shape 36"/>
         <p:cNvGrpSpPr/>
         <p:nvPr/>
       </p:nvGrpSpPr>
@@ -5808,7 +5975,9 @@
       <p:sp>
         <p:nvSpPr>
           <p:cNvPr id="37" name="Google Shape;37;p6"/>
-          <p:cNvSpPr txBox="1"/>
+          <p:cNvSpPr txBox="1">
+            <a:spLocks noGrp="1"/>
+          </p:cNvSpPr>
           <p:nvPr>
             <p:ph type="title"/>
           </p:nvPr>
@@ -5827,7 +5996,7 @@
           </a:ln>
         </p:spPr>
         <p:txBody>
-          <a:bodyPr anchorCtr="0" anchor="ctr" bIns="45700" lIns="91425" spcFirstLastPara="1" rIns="91425" wrap="square" tIns="45700">
+          <a:bodyPr spcFirstLastPara="1" wrap="square" lIns="91425" tIns="45700" rIns="91425" bIns="45700" anchor="ctr" anchorCtr="0">
             <a:noAutofit/>
           </a:bodyPr>
           <a:lstStyle>
@@ -5935,15 +6104,19 @@
               <a:defRPr/>
             </a:lvl9pPr>
           </a:lstStyle>
-          <a:p/>
+          <a:p>
+            <a:endParaRPr/>
+          </a:p>
         </p:txBody>
       </p:sp>
       <p:sp>
         <p:nvSpPr>
           <p:cNvPr id="38" name="Google Shape;38;p6"/>
-          <p:cNvSpPr txBox="1"/>
+          <p:cNvSpPr txBox="1">
+            <a:spLocks noGrp="1"/>
+          </p:cNvSpPr>
           <p:nvPr>
-            <p:ph idx="1" type="body"/>
+            <p:ph type="body" idx="1"/>
           </p:nvPr>
         </p:nvSpPr>
         <p:spPr>
@@ -5960,11 +6133,11 @@
           </a:ln>
         </p:spPr>
         <p:txBody>
-          <a:bodyPr anchorCtr="0" anchor="b" bIns="45700" lIns="91425" spcFirstLastPara="1" rIns="91425" wrap="square" tIns="45700">
+          <a:bodyPr spcFirstLastPara="1" wrap="square" lIns="91425" tIns="45700" rIns="91425" bIns="45700" anchor="b" anchorCtr="0">
             <a:noAutofit/>
           </a:bodyPr>
           <a:lstStyle>
-            <a:lvl1pPr indent="-228600" lvl="0" marL="457200" algn="l">
+            <a:lvl1pPr marL="457200" lvl="0" indent="-228600" algn="l">
               <a:spcBef>
                 <a:spcPts val="480"/>
               </a:spcBef>
@@ -5976,9 +6149,9 @@
               </a:buClr>
               <a:buSzPts val="2400"/>
               <a:buNone/>
-              <a:defRPr b="1" sz="2400"/>
+              <a:defRPr sz="2400" b="1"/>
             </a:lvl1pPr>
-            <a:lvl2pPr indent="-228600" lvl="1" marL="914400" algn="l">
+            <a:lvl2pPr marL="914400" lvl="1" indent="-228600" algn="l">
               <a:spcBef>
                 <a:spcPts val="400"/>
               </a:spcBef>
@@ -5990,9 +6163,9 @@
               </a:buClr>
               <a:buSzPts val="2000"/>
               <a:buNone/>
-              <a:defRPr b="1" sz="2000"/>
+              <a:defRPr sz="2000" b="1"/>
             </a:lvl2pPr>
-            <a:lvl3pPr indent="-228600" lvl="2" marL="1371600" algn="l">
+            <a:lvl3pPr marL="1371600" lvl="2" indent="-228600" algn="l">
               <a:spcBef>
                 <a:spcPts val="360"/>
               </a:spcBef>
@@ -6004,9 +6177,9 @@
               </a:buClr>
               <a:buSzPts val="1800"/>
               <a:buNone/>
-              <a:defRPr b="1" sz="1800"/>
+              <a:defRPr sz="1800" b="1"/>
             </a:lvl3pPr>
-            <a:lvl4pPr indent="-228600" lvl="3" marL="1828800" algn="l">
+            <a:lvl4pPr marL="1828800" lvl="3" indent="-228600" algn="l">
               <a:spcBef>
                 <a:spcPts val="320"/>
               </a:spcBef>
@@ -6018,9 +6191,9 @@
               </a:buClr>
               <a:buSzPts val="1600"/>
               <a:buNone/>
-              <a:defRPr b="1" sz="1600"/>
+              <a:defRPr sz="1600" b="1"/>
             </a:lvl4pPr>
-            <a:lvl5pPr indent="-228600" lvl="4" marL="2286000" algn="l">
+            <a:lvl5pPr marL="2286000" lvl="4" indent="-228600" algn="l">
               <a:spcBef>
                 <a:spcPts val="320"/>
               </a:spcBef>
@@ -6032,9 +6205,9 @@
               </a:buClr>
               <a:buSzPts val="1600"/>
               <a:buNone/>
-              <a:defRPr b="1" sz="1600"/>
+              <a:defRPr sz="1600" b="1"/>
             </a:lvl5pPr>
-            <a:lvl6pPr indent="-228600" lvl="5" marL="2743200" algn="l">
+            <a:lvl6pPr marL="2743200" lvl="5" indent="-228600" algn="l">
               <a:spcBef>
                 <a:spcPts val="320"/>
               </a:spcBef>
@@ -6046,9 +6219,9 @@
               </a:buClr>
               <a:buSzPts val="1600"/>
               <a:buNone/>
-              <a:defRPr b="1" sz="1600"/>
+              <a:defRPr sz="1600" b="1"/>
             </a:lvl6pPr>
-            <a:lvl7pPr indent="-228600" lvl="6" marL="3200400" algn="l">
+            <a:lvl7pPr marL="3200400" lvl="6" indent="-228600" algn="l">
               <a:spcBef>
                 <a:spcPts val="320"/>
               </a:spcBef>
@@ -6060,9 +6233,9 @@
               </a:buClr>
               <a:buSzPts val="1600"/>
               <a:buNone/>
-              <a:defRPr b="1" sz="1600"/>
+              <a:defRPr sz="1600" b="1"/>
             </a:lvl7pPr>
-            <a:lvl8pPr indent="-228600" lvl="7" marL="3657600" algn="l">
+            <a:lvl8pPr marL="3657600" lvl="7" indent="-228600" algn="l">
               <a:spcBef>
                 <a:spcPts val="320"/>
               </a:spcBef>
@@ -6074,9 +6247,9 @@
               </a:buClr>
               <a:buSzPts val="1600"/>
               <a:buNone/>
-              <a:defRPr b="1" sz="1600"/>
+              <a:defRPr sz="1600" b="1"/>
             </a:lvl8pPr>
-            <a:lvl9pPr indent="-228600" lvl="8" marL="4114800" algn="l">
+            <a:lvl9pPr marL="4114800" lvl="8" indent="-228600" algn="l">
               <a:spcBef>
                 <a:spcPts val="320"/>
               </a:spcBef>
@@ -6088,18 +6261,22 @@
               </a:buClr>
               <a:buSzPts val="1600"/>
               <a:buNone/>
-              <a:defRPr b="1" sz="1600"/>
+              <a:defRPr sz="1600" b="1"/>
             </a:lvl9pPr>
           </a:lstStyle>
-          <a:p/>
+          <a:p>
+            <a:endParaRPr/>
+          </a:p>
         </p:txBody>
       </p:sp>
       <p:sp>
         <p:nvSpPr>
           <p:cNvPr id="39" name="Google Shape;39;p6"/>
-          <p:cNvSpPr txBox="1"/>
+          <p:cNvSpPr txBox="1">
+            <a:spLocks noGrp="1"/>
+          </p:cNvSpPr>
           <p:nvPr>
-            <p:ph idx="2" type="body"/>
+            <p:ph type="body" idx="2"/>
           </p:nvPr>
         </p:nvSpPr>
         <p:spPr>
@@ -6116,11 +6293,11 @@
           </a:ln>
         </p:spPr>
         <p:txBody>
-          <a:bodyPr anchorCtr="0" anchor="t" bIns="45700" lIns="91425" spcFirstLastPara="1" rIns="91425" wrap="square" tIns="45700">
+          <a:bodyPr spcFirstLastPara="1" wrap="square" lIns="91425" tIns="45700" rIns="91425" bIns="45700" anchor="t" anchorCtr="0">
             <a:noAutofit/>
           </a:bodyPr>
           <a:lstStyle>
-            <a:lvl1pPr indent="-381000" lvl="0" marL="457200" algn="l">
+            <a:lvl1pPr marL="457200" lvl="0" indent="-381000" algn="l">
               <a:spcBef>
                 <a:spcPts val="480"/>
               </a:spcBef>
@@ -6134,7 +6311,7 @@
               <a:buChar char="•"/>
               <a:defRPr sz="2400"/>
             </a:lvl1pPr>
-            <a:lvl2pPr indent="-355600" lvl="1" marL="914400" algn="l">
+            <a:lvl2pPr marL="914400" lvl="1" indent="-355600" algn="l">
               <a:spcBef>
                 <a:spcPts val="400"/>
               </a:spcBef>
@@ -6148,7 +6325,7 @@
               <a:buChar char="–"/>
               <a:defRPr sz="2000"/>
             </a:lvl2pPr>
-            <a:lvl3pPr indent="-342900" lvl="2" marL="1371600" algn="l">
+            <a:lvl3pPr marL="1371600" lvl="2" indent="-342900" algn="l">
               <a:spcBef>
                 <a:spcPts val="360"/>
               </a:spcBef>
@@ -6162,7 +6339,7 @@
               <a:buChar char="•"/>
               <a:defRPr sz="1800"/>
             </a:lvl3pPr>
-            <a:lvl4pPr indent="-330200" lvl="3" marL="1828800" algn="l">
+            <a:lvl4pPr marL="1828800" lvl="3" indent="-330200" algn="l">
               <a:spcBef>
                 <a:spcPts val="320"/>
               </a:spcBef>
@@ -6176,7 +6353,7 @@
               <a:buChar char="–"/>
               <a:defRPr sz="1600"/>
             </a:lvl4pPr>
-            <a:lvl5pPr indent="-330200" lvl="4" marL="2286000" algn="l">
+            <a:lvl5pPr marL="2286000" lvl="4" indent="-330200" algn="l">
               <a:spcBef>
                 <a:spcPts val="320"/>
               </a:spcBef>
@@ -6190,7 +6367,7 @@
               <a:buChar char="»"/>
               <a:defRPr sz="1600"/>
             </a:lvl5pPr>
-            <a:lvl6pPr indent="-330200" lvl="5" marL="2743200" algn="l">
+            <a:lvl6pPr marL="2743200" lvl="5" indent="-330200" algn="l">
               <a:spcBef>
                 <a:spcPts val="320"/>
               </a:spcBef>
@@ -6204,7 +6381,7 @@
               <a:buChar char="•"/>
               <a:defRPr sz="1600"/>
             </a:lvl6pPr>
-            <a:lvl7pPr indent="-330200" lvl="6" marL="3200400" algn="l">
+            <a:lvl7pPr marL="3200400" lvl="6" indent="-330200" algn="l">
               <a:spcBef>
                 <a:spcPts val="320"/>
               </a:spcBef>
@@ -6218,7 +6395,7 @@
               <a:buChar char="•"/>
               <a:defRPr sz="1600"/>
             </a:lvl7pPr>
-            <a:lvl8pPr indent="-330200" lvl="7" marL="3657600" algn="l">
+            <a:lvl8pPr marL="3657600" lvl="7" indent="-330200" algn="l">
               <a:spcBef>
                 <a:spcPts val="320"/>
               </a:spcBef>
@@ -6232,7 +6409,7 @@
               <a:buChar char="•"/>
               <a:defRPr sz="1600"/>
             </a:lvl8pPr>
-            <a:lvl9pPr indent="-330200" lvl="8" marL="4114800" algn="l">
+            <a:lvl9pPr marL="4114800" lvl="8" indent="-330200" algn="l">
               <a:spcBef>
                 <a:spcPts val="320"/>
               </a:spcBef>
@@ -6247,15 +6424,19 @@
               <a:defRPr sz="1600"/>
             </a:lvl9pPr>
           </a:lstStyle>
-          <a:p/>
+          <a:p>
+            <a:endParaRPr/>
+          </a:p>
         </p:txBody>
       </p:sp>
       <p:sp>
         <p:nvSpPr>
           <p:cNvPr id="40" name="Google Shape;40;p6"/>
-          <p:cNvSpPr txBox="1"/>
+          <p:cNvSpPr txBox="1">
+            <a:spLocks noGrp="1"/>
+          </p:cNvSpPr>
           <p:nvPr>
-            <p:ph idx="3" type="body"/>
+            <p:ph type="body" idx="3"/>
           </p:nvPr>
         </p:nvSpPr>
         <p:spPr>
@@ -6272,11 +6453,11 @@
           </a:ln>
         </p:spPr>
         <p:txBody>
-          <a:bodyPr anchorCtr="0" anchor="b" bIns="45700" lIns="91425" spcFirstLastPara="1" rIns="91425" wrap="square" tIns="45700">
+          <a:bodyPr spcFirstLastPara="1" wrap="square" lIns="91425" tIns="45700" rIns="91425" bIns="45700" anchor="b" anchorCtr="0">
             <a:noAutofit/>
           </a:bodyPr>
           <a:lstStyle>
-            <a:lvl1pPr indent="-228600" lvl="0" marL="457200" algn="l">
+            <a:lvl1pPr marL="457200" lvl="0" indent="-228600" algn="l">
               <a:spcBef>
                 <a:spcPts val="480"/>
               </a:spcBef>
@@ -6288,9 +6469,9 @@
               </a:buClr>
               <a:buSzPts val="2400"/>
               <a:buNone/>
-              <a:defRPr b="1" sz="2400"/>
+              <a:defRPr sz="2400" b="1"/>
             </a:lvl1pPr>
-            <a:lvl2pPr indent="-228600" lvl="1" marL="914400" algn="l">
+            <a:lvl2pPr marL="914400" lvl="1" indent="-228600" algn="l">
               <a:spcBef>
                 <a:spcPts val="400"/>
               </a:spcBef>
@@ -6302,9 +6483,9 @@
               </a:buClr>
               <a:buSzPts val="2000"/>
               <a:buNone/>
-              <a:defRPr b="1" sz="2000"/>
+              <a:defRPr sz="2000" b="1"/>
             </a:lvl2pPr>
-            <a:lvl3pPr indent="-228600" lvl="2" marL="1371600" algn="l">
+            <a:lvl3pPr marL="1371600" lvl="2" indent="-228600" algn="l">
               <a:spcBef>
                 <a:spcPts val="360"/>
               </a:spcBef>
@@ -6316,9 +6497,9 @@
               </a:buClr>
               <a:buSzPts val="1800"/>
               <a:buNone/>
-              <a:defRPr b="1" sz="1800"/>
+              <a:defRPr sz="1800" b="1"/>
             </a:lvl3pPr>
-            <a:lvl4pPr indent="-228600" lvl="3" marL="1828800" algn="l">
+            <a:lvl4pPr marL="1828800" lvl="3" indent="-228600" algn="l">
               <a:spcBef>
                 <a:spcPts val="320"/>
               </a:spcBef>
@@ -6330,9 +6511,9 @@
               </a:buClr>
               <a:buSzPts val="1600"/>
               <a:buNone/>
-              <a:defRPr b="1" sz="1600"/>
+              <a:defRPr sz="1600" b="1"/>
             </a:lvl4pPr>
-            <a:lvl5pPr indent="-228600" lvl="4" marL="2286000" algn="l">
+            <a:lvl5pPr marL="2286000" lvl="4" indent="-228600" algn="l">
               <a:spcBef>
                 <a:spcPts val="320"/>
               </a:spcBef>
@@ -6344,9 +6525,9 @@
               </a:buClr>
               <a:buSzPts val="1600"/>
               <a:buNone/>
-              <a:defRPr b="1" sz="1600"/>
+              <a:defRPr sz="1600" b="1"/>
             </a:lvl5pPr>
-            <a:lvl6pPr indent="-228600" lvl="5" marL="2743200" algn="l">
+            <a:lvl6pPr marL="2743200" lvl="5" indent="-228600" algn="l">
               <a:spcBef>
                 <a:spcPts val="320"/>
               </a:spcBef>
@@ -6358,9 +6539,9 @@
               </a:buClr>
               <a:buSzPts val="1600"/>
               <a:buNone/>
-              <a:defRPr b="1" sz="1600"/>
+              <a:defRPr sz="1600" b="1"/>
             </a:lvl6pPr>
-            <a:lvl7pPr indent="-228600" lvl="6" marL="3200400" algn="l">
+            <a:lvl7pPr marL="3200400" lvl="6" indent="-228600" algn="l">
               <a:spcBef>
                 <a:spcPts val="320"/>
               </a:spcBef>
@@ -6372,9 +6553,9 @@
               </a:buClr>
               <a:buSzPts val="1600"/>
               <a:buNone/>
-              <a:defRPr b="1" sz="1600"/>
+              <a:defRPr sz="1600" b="1"/>
             </a:lvl7pPr>
-            <a:lvl8pPr indent="-228600" lvl="7" marL="3657600" algn="l">
+            <a:lvl8pPr marL="3657600" lvl="7" indent="-228600" algn="l">
               <a:spcBef>
                 <a:spcPts val="320"/>
               </a:spcBef>
@@ -6386,9 +6567,9 @@
               </a:buClr>
               <a:buSzPts val="1600"/>
               <a:buNone/>
-              <a:defRPr b="1" sz="1600"/>
+              <a:defRPr sz="1600" b="1"/>
             </a:lvl8pPr>
-            <a:lvl9pPr indent="-228600" lvl="8" marL="4114800" algn="l">
+            <a:lvl9pPr marL="4114800" lvl="8" indent="-228600" algn="l">
               <a:spcBef>
                 <a:spcPts val="320"/>
               </a:spcBef>
@@ -6400,18 +6581,22 @@
               </a:buClr>
               <a:buSzPts val="1600"/>
               <a:buNone/>
-              <a:defRPr b="1" sz="1600"/>
+              <a:defRPr sz="1600" b="1"/>
             </a:lvl9pPr>
           </a:lstStyle>
-          <a:p/>
+          <a:p>
+            <a:endParaRPr/>
+          </a:p>
         </p:txBody>
       </p:sp>
       <p:sp>
         <p:nvSpPr>
           <p:cNvPr id="41" name="Google Shape;41;p6"/>
-          <p:cNvSpPr txBox="1"/>
+          <p:cNvSpPr txBox="1">
+            <a:spLocks noGrp="1"/>
+          </p:cNvSpPr>
           <p:nvPr>
-            <p:ph idx="4" type="body"/>
+            <p:ph type="body" idx="4"/>
           </p:nvPr>
         </p:nvSpPr>
         <p:spPr>
@@ -6428,11 +6613,11 @@
           </a:ln>
         </p:spPr>
         <p:txBody>
-          <a:bodyPr anchorCtr="0" anchor="t" bIns="45700" lIns="91425" spcFirstLastPara="1" rIns="91425" wrap="square" tIns="45700">
+          <a:bodyPr spcFirstLastPara="1" wrap="square" lIns="91425" tIns="45700" rIns="91425" bIns="45700" anchor="t" anchorCtr="0">
             <a:noAutofit/>
           </a:bodyPr>
           <a:lstStyle>
-            <a:lvl1pPr indent="-381000" lvl="0" marL="457200" algn="l">
+            <a:lvl1pPr marL="457200" lvl="0" indent="-381000" algn="l">
               <a:spcBef>
                 <a:spcPts val="480"/>
               </a:spcBef>
@@ -6446,7 +6631,7 @@
               <a:buChar char="•"/>
               <a:defRPr sz="2400"/>
             </a:lvl1pPr>
-            <a:lvl2pPr indent="-355600" lvl="1" marL="914400" algn="l">
+            <a:lvl2pPr marL="914400" lvl="1" indent="-355600" algn="l">
               <a:spcBef>
                 <a:spcPts val="400"/>
               </a:spcBef>
@@ -6460,7 +6645,7 @@
               <a:buChar char="–"/>
               <a:defRPr sz="2000"/>
             </a:lvl2pPr>
-            <a:lvl3pPr indent="-342900" lvl="2" marL="1371600" algn="l">
+            <a:lvl3pPr marL="1371600" lvl="2" indent="-342900" algn="l">
               <a:spcBef>
                 <a:spcPts val="360"/>
               </a:spcBef>
@@ -6474,7 +6659,7 @@
               <a:buChar char="•"/>
               <a:defRPr sz="1800"/>
             </a:lvl3pPr>
-            <a:lvl4pPr indent="-330200" lvl="3" marL="1828800" algn="l">
+            <a:lvl4pPr marL="1828800" lvl="3" indent="-330200" algn="l">
               <a:spcBef>
                 <a:spcPts val="320"/>
               </a:spcBef>
@@ -6488,7 +6673,7 @@
               <a:buChar char="–"/>
               <a:defRPr sz="1600"/>
             </a:lvl4pPr>
-            <a:lvl5pPr indent="-330200" lvl="4" marL="2286000" algn="l">
+            <a:lvl5pPr marL="2286000" lvl="4" indent="-330200" algn="l">
               <a:spcBef>
                 <a:spcPts val="320"/>
               </a:spcBef>
@@ -6502,7 +6687,7 @@
               <a:buChar char="»"/>
               <a:defRPr sz="1600"/>
             </a:lvl5pPr>
-            <a:lvl6pPr indent="-330200" lvl="5" marL="2743200" algn="l">
+            <a:lvl6pPr marL="2743200" lvl="5" indent="-330200" algn="l">
               <a:spcBef>
                 <a:spcPts val="320"/>
               </a:spcBef>
@@ -6516,7 +6701,7 @@
               <a:buChar char="•"/>
               <a:defRPr sz="1600"/>
             </a:lvl6pPr>
-            <a:lvl7pPr indent="-330200" lvl="6" marL="3200400" algn="l">
+            <a:lvl7pPr marL="3200400" lvl="6" indent="-330200" algn="l">
               <a:spcBef>
                 <a:spcPts val="320"/>
               </a:spcBef>
@@ -6530,7 +6715,7 @@
               <a:buChar char="•"/>
               <a:defRPr sz="1600"/>
             </a:lvl7pPr>
-            <a:lvl8pPr indent="-330200" lvl="7" marL="3657600" algn="l">
+            <a:lvl8pPr marL="3657600" lvl="7" indent="-330200" algn="l">
               <a:spcBef>
                 <a:spcPts val="320"/>
               </a:spcBef>
@@ -6544,7 +6729,7 @@
               <a:buChar char="•"/>
               <a:defRPr sz="1600"/>
             </a:lvl8pPr>
-            <a:lvl9pPr indent="-330200" lvl="8" marL="4114800" algn="l">
+            <a:lvl9pPr marL="4114800" lvl="8" indent="-330200" algn="l">
               <a:spcBef>
                 <a:spcPts val="320"/>
               </a:spcBef>
@@ -6559,15 +6744,19 @@
               <a:defRPr sz="1600"/>
             </a:lvl9pPr>
           </a:lstStyle>
-          <a:p/>
+          <a:p>
+            <a:endParaRPr/>
+          </a:p>
         </p:txBody>
       </p:sp>
       <p:sp>
         <p:nvSpPr>
           <p:cNvPr id="42" name="Google Shape;42;p6"/>
-          <p:cNvSpPr txBox="1"/>
+          <p:cNvSpPr txBox="1">
+            <a:spLocks noGrp="1"/>
+          </p:cNvSpPr>
           <p:nvPr>
-            <p:ph idx="10" type="dt"/>
+            <p:ph type="dt" idx="10"/>
           </p:nvPr>
         </p:nvSpPr>
         <p:spPr>
@@ -6584,7 +6773,7 @@
           </a:ln>
         </p:spPr>
         <p:txBody>
-          <a:bodyPr anchorCtr="0" anchor="ctr" bIns="45700" lIns="91425" spcFirstLastPara="1" rIns="91425" wrap="square" tIns="45700">
+          <a:bodyPr spcFirstLastPara="1" wrap="square" lIns="91425" tIns="45700" rIns="91425" bIns="45700" anchor="ctr" anchorCtr="0">
             <a:noAutofit/>
           </a:bodyPr>
           <a:lstStyle>
@@ -6688,15 +6877,19 @@
               <a:defRPr/>
             </a:lvl9pPr>
           </a:lstStyle>
-          <a:p/>
+          <a:p>
+            <a:endParaRPr/>
+          </a:p>
         </p:txBody>
       </p:sp>
       <p:sp>
         <p:nvSpPr>
           <p:cNvPr id="43" name="Google Shape;43;p6"/>
-          <p:cNvSpPr txBox="1"/>
+          <p:cNvSpPr txBox="1">
+            <a:spLocks noGrp="1"/>
+          </p:cNvSpPr>
           <p:nvPr>
-            <p:ph idx="11" type="ftr"/>
+            <p:ph type="ftr" idx="11"/>
           </p:nvPr>
         </p:nvSpPr>
         <p:spPr>
@@ -6713,7 +6906,7 @@
           </a:ln>
         </p:spPr>
         <p:txBody>
-          <a:bodyPr anchorCtr="0" anchor="ctr" bIns="45700" lIns="91425" spcFirstLastPara="1" rIns="91425" wrap="square" tIns="45700">
+          <a:bodyPr spcFirstLastPara="1" wrap="square" lIns="91425" tIns="45700" rIns="91425" bIns="45700" anchor="ctr" anchorCtr="0">
             <a:noAutofit/>
           </a:bodyPr>
           <a:lstStyle>
@@ -6817,15 +7010,19 @@
               <a:defRPr/>
             </a:lvl9pPr>
           </a:lstStyle>
-          <a:p/>
+          <a:p>
+            <a:endParaRPr/>
+          </a:p>
         </p:txBody>
       </p:sp>
       <p:sp>
         <p:nvSpPr>
           <p:cNvPr id="44" name="Google Shape;44;p6"/>
-          <p:cNvSpPr txBox="1"/>
+          <p:cNvSpPr txBox="1">
+            <a:spLocks noGrp="1"/>
+          </p:cNvSpPr>
           <p:nvPr>
-            <p:ph idx="12" type="sldNum"/>
+            <p:ph type="sldNum" idx="12"/>
           </p:nvPr>
         </p:nvSpPr>
         <p:spPr>
@@ -6842,67 +7039,67 @@
           </a:ln>
         </p:spPr>
         <p:txBody>
-          <a:bodyPr anchorCtr="0" anchor="ctr" bIns="45700" lIns="91425" spcFirstLastPara="1" rIns="91425" wrap="square" tIns="45700">
+          <a:bodyPr spcFirstLastPara="1" wrap="square" lIns="91425" tIns="45700" rIns="91425" bIns="45700" anchor="ctr" anchorCtr="0">
             <a:noAutofit/>
           </a:bodyPr>
           <a:lstStyle>
-            <a:lvl1pPr indent="0" lvl="0" marL="0" algn="r">
+            <a:lvl1pPr marL="0" lvl="0" indent="0" algn="r">
               <a:spcBef>
                 <a:spcPts val="0"/>
               </a:spcBef>
               <a:buNone/>
               <a:defRPr/>
             </a:lvl1pPr>
-            <a:lvl2pPr indent="0" lvl="1" marL="0" algn="r">
+            <a:lvl2pPr marL="0" lvl="1" indent="0" algn="r">
               <a:spcBef>
                 <a:spcPts val="0"/>
               </a:spcBef>
               <a:buNone/>
               <a:defRPr/>
             </a:lvl2pPr>
-            <a:lvl3pPr indent="0" lvl="2" marL="0" algn="r">
+            <a:lvl3pPr marL="0" lvl="2" indent="0" algn="r">
               <a:spcBef>
                 <a:spcPts val="0"/>
               </a:spcBef>
               <a:buNone/>
               <a:defRPr/>
             </a:lvl3pPr>
-            <a:lvl4pPr indent="0" lvl="3" marL="0" algn="r">
+            <a:lvl4pPr marL="0" lvl="3" indent="0" algn="r">
               <a:spcBef>
                 <a:spcPts val="0"/>
               </a:spcBef>
               <a:buNone/>
               <a:defRPr/>
             </a:lvl4pPr>
-            <a:lvl5pPr indent="0" lvl="4" marL="0" algn="r">
+            <a:lvl5pPr marL="0" lvl="4" indent="0" algn="r">
               <a:spcBef>
                 <a:spcPts val="0"/>
               </a:spcBef>
               <a:buNone/>
               <a:defRPr/>
             </a:lvl5pPr>
-            <a:lvl6pPr indent="0" lvl="5" marL="0" algn="r">
+            <a:lvl6pPr marL="0" lvl="5" indent="0" algn="r">
               <a:spcBef>
                 <a:spcPts val="0"/>
               </a:spcBef>
               <a:buNone/>
               <a:defRPr/>
             </a:lvl6pPr>
-            <a:lvl7pPr indent="0" lvl="6" marL="0" algn="r">
+            <a:lvl7pPr marL="0" lvl="6" indent="0" algn="r">
               <a:spcBef>
                 <a:spcPts val="0"/>
               </a:spcBef>
               <a:buNone/>
               <a:defRPr/>
             </a:lvl7pPr>
-            <a:lvl8pPr indent="0" lvl="7" marL="0" algn="r">
+            <a:lvl8pPr marL="0" lvl="7" indent="0" algn="r">
               <a:spcBef>
                 <a:spcPts val="0"/>
               </a:spcBef>
               <a:buNone/>
               <a:defRPr/>
             </a:lvl8pPr>
-            <a:lvl9pPr indent="0" lvl="8" marL="0" algn="r">
+            <a:lvl9pPr marL="0" lvl="8" indent="0" algn="r">
               <a:spcBef>
                 <a:spcPts val="0"/>
               </a:spcBef>
@@ -6911,7 +7108,7 @@
             </a:lvl9pPr>
           </a:lstStyle>
           <a:p>
-            <a:pPr indent="0" lvl="0" marL="0" rtl="0" algn="r">
+            <a:pPr marL="0" lvl="0" indent="0" algn="r" rtl="0">
               <a:spcBef>
                 <a:spcPts val="0"/>
               </a:spcBef>
@@ -6937,11 +7134,11 @@
 </file>
 
 <file path=ppt/slideLayouts/slideLayout6.xml><?xml version="1.0" encoding="utf-8"?>
-<p:sldLayout xmlns:a="http://schemas.openxmlformats.org/drawingml/2006/main" xmlns:r="http://schemas.openxmlformats.org/officeDocument/2006/relationships" xmlns:mc="http://schemas.openxmlformats.org/markup-compatibility/2006" xmlns:mv="urn:schemas-microsoft-com:mac:vml" xmlns:p="http://schemas.openxmlformats.org/presentationml/2006/main" xmlns:c="http://schemas.openxmlformats.org/drawingml/2006/chart" xmlns:dgm="http://schemas.openxmlformats.org/drawingml/2006/diagram" xmlns:o="urn:schemas-microsoft-com:office:office" xmlns:v="urn:schemas-microsoft-com:vml" xmlns:pvml="urn:schemas-microsoft-com:office:powerpoint" xmlns:com="http://schemas.openxmlformats.org/drawingml/2006/compatibility" xmlns:p14="http://schemas.microsoft.com/office/powerpoint/2010/main" xmlns:p15="http://schemas.microsoft.com/office/powerpoint/2012/main" xmlns:ahyp="http://schemas.microsoft.com/office/drawing/2018/hyperlinkcolor" matchingName="Title Only" type="titleOnly">
+<p:sldLayout xmlns:a="http://schemas.openxmlformats.org/drawingml/2006/main" xmlns:r="http://schemas.openxmlformats.org/officeDocument/2006/relationships" xmlns:p="http://schemas.openxmlformats.org/presentationml/2006/main" matchingName="Title Only" type="titleOnly">
   <p:cSld name="TITLE_ONLY">
     <p:spTree>
       <p:nvGrpSpPr>
-        <p:cNvPr id="45" name="Shape 45"/>
+        <p:cNvPr id="1" name="Shape 45"/>
         <p:cNvGrpSpPr/>
         <p:nvPr/>
       </p:nvGrpSpPr>
@@ -6956,7 +7153,9 @@
       <p:sp>
         <p:nvSpPr>
           <p:cNvPr id="46" name="Google Shape;46;p7"/>
-          <p:cNvSpPr txBox="1"/>
+          <p:cNvSpPr txBox="1">
+            <a:spLocks noGrp="1"/>
+          </p:cNvSpPr>
           <p:nvPr>
             <p:ph type="title"/>
           </p:nvPr>
@@ -6975,7 +7174,7 @@
           </a:ln>
         </p:spPr>
         <p:txBody>
-          <a:bodyPr anchorCtr="0" anchor="ctr" bIns="45700" lIns="91425" spcFirstLastPara="1" rIns="91425" wrap="square" tIns="45700">
+          <a:bodyPr spcFirstLastPara="1" wrap="square" lIns="91425" tIns="45700" rIns="91425" bIns="45700" anchor="ctr" anchorCtr="0">
             <a:noAutofit/>
           </a:bodyPr>
           <a:lstStyle>
@@ -7082,15 +7281,19 @@
               <a:defRPr/>
             </a:lvl9pPr>
           </a:lstStyle>
-          <a:p/>
+          <a:p>
+            <a:endParaRPr/>
+          </a:p>
         </p:txBody>
       </p:sp>
       <p:sp>
         <p:nvSpPr>
           <p:cNvPr id="47" name="Google Shape;47;p7"/>
-          <p:cNvSpPr txBox="1"/>
+          <p:cNvSpPr txBox="1">
+            <a:spLocks noGrp="1"/>
+          </p:cNvSpPr>
           <p:nvPr>
-            <p:ph idx="10" type="dt"/>
+            <p:ph type="dt" idx="10"/>
           </p:nvPr>
         </p:nvSpPr>
         <p:spPr>
@@ -7107,7 +7310,7 @@
           </a:ln>
         </p:spPr>
         <p:txBody>
-          <a:bodyPr anchorCtr="0" anchor="ctr" bIns="45700" lIns="91425" spcFirstLastPara="1" rIns="91425" wrap="square" tIns="45700">
+          <a:bodyPr spcFirstLastPara="1" wrap="square" lIns="91425" tIns="45700" rIns="91425" bIns="45700" anchor="ctr" anchorCtr="0">
             <a:noAutofit/>
           </a:bodyPr>
           <a:lstStyle>
@@ -7211,15 +7414,19 @@
               <a:defRPr/>
             </a:lvl9pPr>
           </a:lstStyle>
-          <a:p/>
+          <a:p>
+            <a:endParaRPr/>
+          </a:p>
         </p:txBody>
       </p:sp>
       <p:sp>
         <p:nvSpPr>
           <p:cNvPr id="48" name="Google Shape;48;p7"/>
-          <p:cNvSpPr txBox="1"/>
+          <p:cNvSpPr txBox="1">
+            <a:spLocks noGrp="1"/>
+          </p:cNvSpPr>
           <p:nvPr>
-            <p:ph idx="11" type="ftr"/>
+            <p:ph type="ftr" idx="11"/>
           </p:nvPr>
         </p:nvSpPr>
         <p:spPr>
@@ -7236,7 +7443,7 @@
           </a:ln>
         </p:spPr>
         <p:txBody>
-          <a:bodyPr anchorCtr="0" anchor="ctr" bIns="45700" lIns="91425" spcFirstLastPara="1" rIns="91425" wrap="square" tIns="45700">
+          <a:bodyPr spcFirstLastPara="1" wrap="square" lIns="91425" tIns="45700" rIns="91425" bIns="45700" anchor="ctr" anchorCtr="0">
             <a:noAutofit/>
           </a:bodyPr>
           <a:lstStyle>
@@ -7340,15 +7547,19 @@
               <a:defRPr/>
             </a:lvl9pPr>
           </a:lstStyle>
-          <a:p/>
+          <a:p>
+            <a:endParaRPr/>
+          </a:p>
         </p:txBody>
       </p:sp>
       <p:sp>
         <p:nvSpPr>
           <p:cNvPr id="49" name="Google Shape;49;p7"/>
-          <p:cNvSpPr txBox="1"/>
+          <p:cNvSpPr txBox="1">
+            <a:spLocks noGrp="1"/>
+          </p:cNvSpPr>
           <p:nvPr>
-            <p:ph idx="12" type="sldNum"/>
+            <p:ph type="sldNum" idx="12"/>
           </p:nvPr>
         </p:nvSpPr>
         <p:spPr>
@@ -7365,67 +7576,67 @@
           </a:ln>
         </p:spPr>
         <p:txBody>
-          <a:bodyPr anchorCtr="0" anchor="ctr" bIns="45700" lIns="91425" spcFirstLastPara="1" rIns="91425" wrap="square" tIns="45700">
+          <a:bodyPr spcFirstLastPara="1" wrap="square" lIns="91425" tIns="45700" rIns="91425" bIns="45700" anchor="ctr" anchorCtr="0">
             <a:noAutofit/>
           </a:bodyPr>
           <a:lstStyle>
-            <a:lvl1pPr indent="0" lvl="0" marL="0" algn="r">
+            <a:lvl1pPr marL="0" lvl="0" indent="0" algn="r">
               <a:spcBef>
                 <a:spcPts val="0"/>
               </a:spcBef>
               <a:buNone/>
               <a:defRPr/>
             </a:lvl1pPr>
-            <a:lvl2pPr indent="0" lvl="1" marL="0" algn="r">
+            <a:lvl2pPr marL="0" lvl="1" indent="0" algn="r">
               <a:spcBef>
                 <a:spcPts val="0"/>
               </a:spcBef>
               <a:buNone/>
               <a:defRPr/>
             </a:lvl2pPr>
-            <a:lvl3pPr indent="0" lvl="2" marL="0" algn="r">
+            <a:lvl3pPr marL="0" lvl="2" indent="0" algn="r">
               <a:spcBef>
                 <a:spcPts val="0"/>
               </a:spcBef>
               <a:buNone/>
               <a:defRPr/>
             </a:lvl3pPr>
-            <a:lvl4pPr indent="0" lvl="3" marL="0" algn="r">
+            <a:lvl4pPr marL="0" lvl="3" indent="0" algn="r">
               <a:spcBef>
                 <a:spcPts val="0"/>
               </a:spcBef>
               <a:buNone/>
               <a:defRPr/>
             </a:lvl4pPr>
-            <a:lvl5pPr indent="0" lvl="4" marL="0" algn="r">
+            <a:lvl5pPr marL="0" lvl="4" indent="0" algn="r">
               <a:spcBef>
                 <a:spcPts val="0"/>
               </a:spcBef>
               <a:buNone/>
               <a:defRPr/>
             </a:lvl5pPr>
-            <a:lvl6pPr indent="0" lvl="5" marL="0" algn="r">
+            <a:lvl6pPr marL="0" lvl="5" indent="0" algn="r">
               <a:spcBef>
                 <a:spcPts val="0"/>
               </a:spcBef>
               <a:buNone/>
               <a:defRPr/>
             </a:lvl6pPr>
-            <a:lvl7pPr indent="0" lvl="6" marL="0" algn="r">
+            <a:lvl7pPr marL="0" lvl="6" indent="0" algn="r">
               <a:spcBef>
                 <a:spcPts val="0"/>
               </a:spcBef>
               <a:buNone/>
               <a:defRPr/>
             </a:lvl7pPr>
-            <a:lvl8pPr indent="0" lvl="7" marL="0" algn="r">
+            <a:lvl8pPr marL="0" lvl="7" indent="0" algn="r">
               <a:spcBef>
                 <a:spcPts val="0"/>
               </a:spcBef>
               <a:buNone/>
               <a:defRPr/>
             </a:lvl8pPr>
-            <a:lvl9pPr indent="0" lvl="8" marL="0" algn="r">
+            <a:lvl9pPr marL="0" lvl="8" indent="0" algn="r">
               <a:spcBef>
                 <a:spcPts val="0"/>
               </a:spcBef>
@@ -7434,7 +7645,7 @@
             </a:lvl9pPr>
           </a:lstStyle>
           <a:p>
-            <a:pPr indent="0" lvl="0" marL="0" rtl="0" algn="r">
+            <a:pPr marL="0" lvl="0" indent="0" algn="r" rtl="0">
               <a:spcBef>
                 <a:spcPts val="0"/>
               </a:spcBef>
@@ -7460,11 +7671,11 @@
 </file>
 
 <file path=ppt/slideLayouts/slideLayout7.xml><?xml version="1.0" encoding="utf-8"?>
-<p:sldLayout xmlns:a="http://schemas.openxmlformats.org/drawingml/2006/main" xmlns:r="http://schemas.openxmlformats.org/officeDocument/2006/relationships" xmlns:mc="http://schemas.openxmlformats.org/markup-compatibility/2006" xmlns:mv="urn:schemas-microsoft-com:mac:vml" xmlns:p="http://schemas.openxmlformats.org/presentationml/2006/main" xmlns:c="http://schemas.openxmlformats.org/drawingml/2006/chart" xmlns:dgm="http://schemas.openxmlformats.org/drawingml/2006/diagram" xmlns:o="urn:schemas-microsoft-com:office:office" xmlns:v="urn:schemas-microsoft-com:vml" xmlns:pvml="urn:schemas-microsoft-com:office:powerpoint" xmlns:com="http://schemas.openxmlformats.org/drawingml/2006/compatibility" xmlns:p14="http://schemas.microsoft.com/office/powerpoint/2010/main" xmlns:p15="http://schemas.microsoft.com/office/powerpoint/2012/main" xmlns:ahyp="http://schemas.microsoft.com/office/drawing/2018/hyperlinkcolor" matchingName="Blank" type="blank">
+<p:sldLayout xmlns:a="http://schemas.openxmlformats.org/drawingml/2006/main" xmlns:r="http://schemas.openxmlformats.org/officeDocument/2006/relationships" xmlns:p="http://schemas.openxmlformats.org/presentationml/2006/main" matchingName="Blank" type="blank">
   <p:cSld name="BLANK">
     <p:spTree>
       <p:nvGrpSpPr>
-        <p:cNvPr id="50" name="Shape 50"/>
+        <p:cNvPr id="1" name="Shape 50"/>
         <p:cNvGrpSpPr/>
         <p:nvPr/>
       </p:nvGrpSpPr>
@@ -7479,9 +7690,11 @@
       <p:sp>
         <p:nvSpPr>
           <p:cNvPr id="51" name="Google Shape;51;p8"/>
-          <p:cNvSpPr txBox="1"/>
+          <p:cNvSpPr txBox="1">
+            <a:spLocks noGrp="1"/>
+          </p:cNvSpPr>
           <p:nvPr>
-            <p:ph idx="10" type="dt"/>
+            <p:ph type="dt" idx="10"/>
           </p:nvPr>
         </p:nvSpPr>
         <p:spPr>
@@ -7498,7 +7711,7 @@
           </a:ln>
         </p:spPr>
         <p:txBody>
-          <a:bodyPr anchorCtr="0" anchor="ctr" bIns="45700" lIns="91425" spcFirstLastPara="1" rIns="91425" wrap="square" tIns="45700">
+          <a:bodyPr spcFirstLastPara="1" wrap="square" lIns="91425" tIns="45700" rIns="91425" bIns="45700" anchor="ctr" anchorCtr="0">
             <a:noAutofit/>
           </a:bodyPr>
           <a:lstStyle>
@@ -7602,15 +7815,19 @@
               <a:defRPr/>
             </a:lvl9pPr>
           </a:lstStyle>
-          <a:p/>
+          <a:p>
+            <a:endParaRPr/>
+          </a:p>
         </p:txBody>
       </p:sp>
       <p:sp>
         <p:nvSpPr>
           <p:cNvPr id="52" name="Google Shape;52;p8"/>
-          <p:cNvSpPr txBox="1"/>
+          <p:cNvSpPr txBox="1">
+            <a:spLocks noGrp="1"/>
+          </p:cNvSpPr>
           <p:nvPr>
-            <p:ph idx="11" type="ftr"/>
+            <p:ph type="ftr" idx="11"/>
           </p:nvPr>
         </p:nvSpPr>
         <p:spPr>
@@ -7627,7 +7844,7 @@
           </a:ln>
         </p:spPr>
         <p:txBody>
-          <a:bodyPr anchorCtr="0" anchor="ctr" bIns="45700" lIns="91425" spcFirstLastPara="1" rIns="91425" wrap="square" tIns="45700">
+          <a:bodyPr spcFirstLastPara="1" wrap="square" lIns="91425" tIns="45700" rIns="91425" bIns="45700" anchor="ctr" anchorCtr="0">
             <a:noAutofit/>
           </a:bodyPr>
           <a:lstStyle>
@@ -7731,15 +7948,19 @@
               <a:defRPr/>
             </a:lvl9pPr>
           </a:lstStyle>
-          <a:p/>
+          <a:p>
+            <a:endParaRPr/>
+          </a:p>
         </p:txBody>
       </p:sp>
       <p:sp>
         <p:nvSpPr>
           <p:cNvPr id="53" name="Google Shape;53;p8"/>
-          <p:cNvSpPr txBox="1"/>
+          <p:cNvSpPr txBox="1">
+            <a:spLocks noGrp="1"/>
+          </p:cNvSpPr>
           <p:nvPr>
-            <p:ph idx="12" type="sldNum"/>
+            <p:ph type="sldNum" idx="12"/>
           </p:nvPr>
         </p:nvSpPr>
         <p:spPr>
@@ -7756,67 +7977,67 @@
           </a:ln>
         </p:spPr>
         <p:txBody>
-          <a:bodyPr anchorCtr="0" anchor="ctr" bIns="45700" lIns="91425" spcFirstLastPara="1" rIns="91425" wrap="square" tIns="45700">
+          <a:bodyPr spcFirstLastPara="1" wrap="square" lIns="91425" tIns="45700" rIns="91425" bIns="45700" anchor="ctr" anchorCtr="0">
             <a:noAutofit/>
           </a:bodyPr>
           <a:lstStyle>
-            <a:lvl1pPr indent="0" lvl="0" marL="0" algn="r">
+            <a:lvl1pPr marL="0" lvl="0" indent="0" algn="r">
               <a:spcBef>
                 <a:spcPts val="0"/>
               </a:spcBef>
               <a:buNone/>
               <a:defRPr/>
             </a:lvl1pPr>
-            <a:lvl2pPr indent="0" lvl="1" marL="0" algn="r">
+            <a:lvl2pPr marL="0" lvl="1" indent="0" algn="r">
               <a:spcBef>
                 <a:spcPts val="0"/>
               </a:spcBef>
               <a:buNone/>
               <a:defRPr/>
             </a:lvl2pPr>
-            <a:lvl3pPr indent="0" lvl="2" marL="0" algn="r">
+            <a:lvl3pPr marL="0" lvl="2" indent="0" algn="r">
               <a:spcBef>
                 <a:spcPts val="0"/>
               </a:spcBef>
               <a:buNone/>
               <a:defRPr/>
             </a:lvl3pPr>
-            <a:lvl4pPr indent="0" lvl="3" marL="0" algn="r">
+            <a:lvl4pPr marL="0" lvl="3" indent="0" algn="r">
               <a:spcBef>
                 <a:spcPts val="0"/>
               </a:spcBef>
               <a:buNone/>
               <a:defRPr/>
             </a:lvl4pPr>
-            <a:lvl5pPr indent="0" lvl="4" marL="0" algn="r">
+            <a:lvl5pPr marL="0" lvl="4" indent="0" algn="r">
               <a:spcBef>
                 <a:spcPts val="0"/>
               </a:spcBef>
               <a:buNone/>
               <a:defRPr/>
             </a:lvl5pPr>
-            <a:lvl6pPr indent="0" lvl="5" marL="0" algn="r">
+            <a:lvl6pPr marL="0" lvl="5" indent="0" algn="r">
               <a:spcBef>
                 <a:spcPts val="0"/>
               </a:spcBef>
               <a:buNone/>
               <a:defRPr/>
             </a:lvl6pPr>
-            <a:lvl7pPr indent="0" lvl="6" marL="0" algn="r">
+            <a:lvl7pPr marL="0" lvl="6" indent="0" algn="r">
               <a:spcBef>
                 <a:spcPts val="0"/>
               </a:spcBef>
               <a:buNone/>
               <a:defRPr/>
             </a:lvl7pPr>
-            <a:lvl8pPr indent="0" lvl="7" marL="0" algn="r">
+            <a:lvl8pPr marL="0" lvl="7" indent="0" algn="r">
               <a:spcBef>
                 <a:spcPts val="0"/>
               </a:spcBef>
               <a:buNone/>
               <a:defRPr/>
             </a:lvl8pPr>
-            <a:lvl9pPr indent="0" lvl="8" marL="0" algn="r">
+            <a:lvl9pPr marL="0" lvl="8" indent="0" algn="r">
               <a:spcBef>
                 <a:spcPts val="0"/>
               </a:spcBef>
@@ -7825,7 +8046,7 @@
             </a:lvl9pPr>
           </a:lstStyle>
           <a:p>
-            <a:pPr indent="0" lvl="0" marL="0" rtl="0" algn="r">
+            <a:pPr marL="0" lvl="0" indent="0" algn="r" rtl="0">
               <a:spcBef>
                 <a:spcPts val="0"/>
               </a:spcBef>
@@ -7851,11 +8072,11 @@
 </file>
 
 <file path=ppt/slideLayouts/slideLayout8.xml><?xml version="1.0" encoding="utf-8"?>
-<p:sldLayout xmlns:a="http://schemas.openxmlformats.org/drawingml/2006/main" xmlns:r="http://schemas.openxmlformats.org/officeDocument/2006/relationships" xmlns:mc="http://schemas.openxmlformats.org/markup-compatibility/2006" xmlns:mv="urn:schemas-microsoft-com:mac:vml" xmlns:p="http://schemas.openxmlformats.org/presentationml/2006/main" xmlns:c="http://schemas.openxmlformats.org/drawingml/2006/chart" xmlns:dgm="http://schemas.openxmlformats.org/drawingml/2006/diagram" xmlns:o="urn:schemas-microsoft-com:office:office" xmlns:v="urn:schemas-microsoft-com:vml" xmlns:pvml="urn:schemas-microsoft-com:office:powerpoint" xmlns:com="http://schemas.openxmlformats.org/drawingml/2006/compatibility" xmlns:p14="http://schemas.microsoft.com/office/powerpoint/2010/main" xmlns:p15="http://schemas.microsoft.com/office/powerpoint/2012/main" xmlns:ahyp="http://schemas.microsoft.com/office/drawing/2018/hyperlinkcolor" matchingName="Content with Caption" type="objTx">
+<p:sldLayout xmlns:a="http://schemas.openxmlformats.org/drawingml/2006/main" xmlns:r="http://schemas.openxmlformats.org/officeDocument/2006/relationships" xmlns:p="http://schemas.openxmlformats.org/presentationml/2006/main" matchingName="Content with Caption" type="objTx">
   <p:cSld name="OBJECT_WITH_CAPTION_TEXT">
     <p:spTree>
       <p:nvGrpSpPr>
-        <p:cNvPr id="54" name="Shape 54"/>
+        <p:cNvPr id="1" name="Shape 54"/>
         <p:cNvGrpSpPr/>
         <p:nvPr/>
       </p:nvGrpSpPr>
@@ -7870,7 +8091,9 @@
       <p:sp>
         <p:nvSpPr>
           <p:cNvPr id="55" name="Google Shape;55;p9"/>
-          <p:cNvSpPr txBox="1"/>
+          <p:cNvSpPr txBox="1">
+            <a:spLocks noGrp="1"/>
+          </p:cNvSpPr>
           <p:nvPr>
             <p:ph type="title"/>
           </p:nvPr>
@@ -7889,7 +8112,7 @@
           </a:ln>
         </p:spPr>
         <p:txBody>
-          <a:bodyPr anchorCtr="0" anchor="b" bIns="45700" lIns="91425" spcFirstLastPara="1" rIns="91425" wrap="square" tIns="45700">
+          <a:bodyPr spcFirstLastPara="1" wrap="square" lIns="91425" tIns="45700" rIns="91425" bIns="45700" anchor="b" anchorCtr="0">
             <a:noAutofit/>
           </a:bodyPr>
           <a:lstStyle>
@@ -7906,7 +8129,7 @@
               <a:buSzPts val="2000"/>
               <a:buFont typeface="Calibri"/>
               <a:buNone/>
-              <a:defRPr b="1" sz="2000"/>
+              <a:defRPr sz="2000" b="1"/>
             </a:lvl1pPr>
             <a:lvl2pPr lvl="1">
               <a:spcBef>
@@ -7997,15 +8220,19 @@
               <a:defRPr/>
             </a:lvl9pPr>
           </a:lstStyle>
-          <a:p/>
+          <a:p>
+            <a:endParaRPr/>
+          </a:p>
         </p:txBody>
       </p:sp>
       <p:sp>
         <p:nvSpPr>
           <p:cNvPr id="56" name="Google Shape;56;p9"/>
-          <p:cNvSpPr txBox="1"/>
+          <p:cNvSpPr txBox="1">
+            <a:spLocks noGrp="1"/>
+          </p:cNvSpPr>
           <p:nvPr>
-            <p:ph idx="1" type="body"/>
+            <p:ph type="body" idx="1"/>
           </p:nvPr>
         </p:nvSpPr>
         <p:spPr>
@@ -8022,11 +8249,11 @@
           </a:ln>
         </p:spPr>
         <p:txBody>
-          <a:bodyPr anchorCtr="0" anchor="t" bIns="45700" lIns="91425" spcFirstLastPara="1" rIns="91425" wrap="square" tIns="45700">
+          <a:bodyPr spcFirstLastPara="1" wrap="square" lIns="91425" tIns="45700" rIns="91425" bIns="45700" anchor="t" anchorCtr="0">
             <a:noAutofit/>
           </a:bodyPr>
           <a:lstStyle>
-            <a:lvl1pPr indent="-431800" lvl="0" marL="457200" algn="l">
+            <a:lvl1pPr marL="457200" lvl="0" indent="-431800" algn="l">
               <a:spcBef>
                 <a:spcPts val="640"/>
               </a:spcBef>
@@ -8040,7 +8267,7 @@
               <a:buChar char="•"/>
               <a:defRPr sz="3200"/>
             </a:lvl1pPr>
-            <a:lvl2pPr indent="-406400" lvl="1" marL="914400" algn="l">
+            <a:lvl2pPr marL="914400" lvl="1" indent="-406400" algn="l">
               <a:spcBef>
                 <a:spcPts val="560"/>
               </a:spcBef>
@@ -8054,7 +8281,7 @@
               <a:buChar char="–"/>
               <a:defRPr sz="2800"/>
             </a:lvl2pPr>
-            <a:lvl3pPr indent="-381000" lvl="2" marL="1371600" algn="l">
+            <a:lvl3pPr marL="1371600" lvl="2" indent="-381000" algn="l">
               <a:spcBef>
                 <a:spcPts val="480"/>
               </a:spcBef>
@@ -8068,7 +8295,7 @@
               <a:buChar char="•"/>
               <a:defRPr sz="2400"/>
             </a:lvl3pPr>
-            <a:lvl4pPr indent="-355600" lvl="3" marL="1828800" algn="l">
+            <a:lvl4pPr marL="1828800" lvl="3" indent="-355600" algn="l">
               <a:spcBef>
                 <a:spcPts val="400"/>
               </a:spcBef>
@@ -8082,7 +8309,7 @@
               <a:buChar char="–"/>
               <a:defRPr sz="2000"/>
             </a:lvl4pPr>
-            <a:lvl5pPr indent="-355600" lvl="4" marL="2286000" algn="l">
+            <a:lvl5pPr marL="2286000" lvl="4" indent="-355600" algn="l">
               <a:spcBef>
                 <a:spcPts val="400"/>
               </a:spcBef>
@@ -8096,7 +8323,7 @@
               <a:buChar char="»"/>
               <a:defRPr sz="2000"/>
             </a:lvl5pPr>
-            <a:lvl6pPr indent="-355600" lvl="5" marL="2743200" algn="l">
+            <a:lvl6pPr marL="2743200" lvl="5" indent="-355600" algn="l">
               <a:spcBef>
                 <a:spcPts val="400"/>
               </a:spcBef>
@@ -8110,7 +8337,7 @@
               <a:buChar char="•"/>
               <a:defRPr sz="2000"/>
             </a:lvl6pPr>
-            <a:lvl7pPr indent="-355600" lvl="6" marL="3200400" algn="l">
+            <a:lvl7pPr marL="3200400" lvl="6" indent="-355600" algn="l">
               <a:spcBef>
                 <a:spcPts val="400"/>
               </a:spcBef>
@@ -8124,7 +8351,7 @@
               <a:buChar char="•"/>
               <a:defRPr sz="2000"/>
             </a:lvl7pPr>
-            <a:lvl8pPr indent="-355600" lvl="7" marL="3657600" algn="l">
+            <a:lvl8pPr marL="3657600" lvl="7" indent="-355600" algn="l">
               <a:spcBef>
                 <a:spcPts val="400"/>
               </a:spcBef>
@@ -8138,7 +8365,7 @@
               <a:buChar char="•"/>
               <a:defRPr sz="2000"/>
             </a:lvl8pPr>
-            <a:lvl9pPr indent="-355600" lvl="8" marL="4114800" algn="l">
+            <a:lvl9pPr marL="4114800" lvl="8" indent="-355600" algn="l">
               <a:spcBef>
                 <a:spcPts val="400"/>
               </a:spcBef>
@@ -8153,15 +8380,19 @@
               <a:defRPr sz="2000"/>
             </a:lvl9pPr>
           </a:lstStyle>
-          <a:p/>
+          <a:p>
+            <a:endParaRPr/>
+          </a:p>
         </p:txBody>
       </p:sp>
       <p:sp>
         <p:nvSpPr>
           <p:cNvPr id="57" name="Google Shape;57;p9"/>
-          <p:cNvSpPr txBox="1"/>
+          <p:cNvSpPr txBox="1">
+            <a:spLocks noGrp="1"/>
+          </p:cNvSpPr>
           <p:nvPr>
-            <p:ph idx="2" type="body"/>
+            <p:ph type="body" idx="2"/>
           </p:nvPr>
         </p:nvSpPr>
         <p:spPr>
@@ -8178,11 +8409,11 @@
           </a:ln>
         </p:spPr>
         <p:txBody>
-          <a:bodyPr anchorCtr="0" anchor="t" bIns="45700" lIns="91425" spcFirstLastPara="1" rIns="91425" wrap="square" tIns="45700">
+          <a:bodyPr spcFirstLastPara="1" wrap="square" lIns="91425" tIns="45700" rIns="91425" bIns="45700" anchor="t" anchorCtr="0">
             <a:noAutofit/>
           </a:bodyPr>
           <a:lstStyle>
-            <a:lvl1pPr indent="-228600" lvl="0" marL="457200" algn="l">
+            <a:lvl1pPr marL="457200" lvl="0" indent="-228600" algn="l">
               <a:spcBef>
                 <a:spcPts val="280"/>
               </a:spcBef>
@@ -8196,7 +8427,7 @@
               <a:buNone/>
               <a:defRPr sz="1400"/>
             </a:lvl1pPr>
-            <a:lvl2pPr indent="-228600" lvl="1" marL="914400" algn="l">
+            <a:lvl2pPr marL="914400" lvl="1" indent="-228600" algn="l">
               <a:spcBef>
                 <a:spcPts val="240"/>
               </a:spcBef>
@@ -8210,7 +8441,7 @@
               <a:buNone/>
               <a:defRPr sz="1200"/>
             </a:lvl2pPr>
-            <a:lvl3pPr indent="-228600" lvl="2" marL="1371600" algn="l">
+            <a:lvl3pPr marL="1371600" lvl="2" indent="-228600" algn="l">
               <a:spcBef>
                 <a:spcPts val="200"/>
               </a:spcBef>
@@ -8224,7 +8455,7 @@
               <a:buNone/>
               <a:defRPr sz="1000"/>
             </a:lvl3pPr>
-            <a:lvl4pPr indent="-228600" lvl="3" marL="1828800" algn="l">
+            <a:lvl4pPr marL="1828800" lvl="3" indent="-228600" algn="l">
               <a:spcBef>
                 <a:spcPts val="180"/>
               </a:spcBef>
@@ -8238,7 +8469,7 @@
               <a:buNone/>
               <a:defRPr sz="900"/>
             </a:lvl4pPr>
-            <a:lvl5pPr indent="-228600" lvl="4" marL="2286000" algn="l">
+            <a:lvl5pPr marL="2286000" lvl="4" indent="-228600" algn="l">
               <a:spcBef>
                 <a:spcPts val="180"/>
               </a:spcBef>
@@ -8252,7 +8483,7 @@
               <a:buNone/>
               <a:defRPr sz="900"/>
             </a:lvl5pPr>
-            <a:lvl6pPr indent="-228600" lvl="5" marL="2743200" algn="l">
+            <a:lvl6pPr marL="2743200" lvl="5" indent="-228600" algn="l">
               <a:spcBef>
                 <a:spcPts val="180"/>
               </a:spcBef>
@@ -8266,7 +8497,7 @@
               <a:buNone/>
               <a:defRPr sz="900"/>
             </a:lvl6pPr>
-            <a:lvl7pPr indent="-228600" lvl="6" marL="3200400" algn="l">
+            <a:lvl7pPr marL="3200400" lvl="6" indent="-228600" algn="l">
               <a:spcBef>
                 <a:spcPts val="180"/>
               </a:spcBef>
@@ -8280,7 +8511,7 @@
               <a:buNone/>
               <a:defRPr sz="900"/>
             </a:lvl7pPr>
-            <a:lvl8pPr indent="-228600" lvl="7" marL="3657600" algn="l">
+            <a:lvl8pPr marL="3657600" lvl="7" indent="-228600" algn="l">
               <a:spcBef>
                 <a:spcPts val="180"/>
               </a:spcBef>
@@ -8294,7 +8525,7 @@
               <a:buNone/>
               <a:defRPr sz="900"/>
             </a:lvl8pPr>
-            <a:lvl9pPr indent="-228600" lvl="8" marL="4114800" algn="l">
+            <a:lvl9pPr marL="4114800" lvl="8" indent="-228600" algn="l">
               <a:spcBef>
                 <a:spcPts val="180"/>
               </a:spcBef>
@@ -8309,15 +8540,19 @@
               <a:defRPr sz="900"/>
             </a:lvl9pPr>
           </a:lstStyle>
-          <a:p/>
+          <a:p>
+            <a:endParaRPr/>
+          </a:p>
         </p:txBody>
       </p:sp>
       <p:sp>
         <p:nvSpPr>
           <p:cNvPr id="58" name="Google Shape;58;p9"/>
-          <p:cNvSpPr txBox="1"/>
+          <p:cNvSpPr txBox="1">
+            <a:spLocks noGrp="1"/>
+          </p:cNvSpPr>
           <p:nvPr>
-            <p:ph idx="10" type="dt"/>
+            <p:ph type="dt" idx="10"/>
           </p:nvPr>
         </p:nvSpPr>
         <p:spPr>
@@ -8334,7 +8569,7 @@
           </a:ln>
         </p:spPr>
         <p:txBody>
-          <a:bodyPr anchorCtr="0" anchor="ctr" bIns="45700" lIns="91425" spcFirstLastPara="1" rIns="91425" wrap="square" tIns="45700">
+          <a:bodyPr spcFirstLastPara="1" wrap="square" lIns="91425" tIns="45700" rIns="91425" bIns="45700" anchor="ctr" anchorCtr="0">
             <a:noAutofit/>
           </a:bodyPr>
           <a:lstStyle>
@@ -8438,15 +8673,19 @@
               <a:defRPr/>
             </a:lvl9pPr>
           </a:lstStyle>
-          <a:p/>
+          <a:p>
+            <a:endParaRPr/>
+          </a:p>
         </p:txBody>
       </p:sp>
       <p:sp>
         <p:nvSpPr>
           <p:cNvPr id="59" name="Google Shape;59;p9"/>
-          <p:cNvSpPr txBox="1"/>
+          <p:cNvSpPr txBox="1">
+            <a:spLocks noGrp="1"/>
+          </p:cNvSpPr>
           <p:nvPr>
-            <p:ph idx="11" type="ftr"/>
+            <p:ph type="ftr" idx="11"/>
           </p:nvPr>
         </p:nvSpPr>
         <p:spPr>
@@ -8463,7 +8702,7 @@
           </a:ln>
         </p:spPr>
         <p:txBody>
-          <a:bodyPr anchorCtr="0" anchor="ctr" bIns="45700" lIns="91425" spcFirstLastPara="1" rIns="91425" wrap="square" tIns="45700">
+          <a:bodyPr spcFirstLastPara="1" wrap="square" lIns="91425" tIns="45700" rIns="91425" bIns="45700" anchor="ctr" anchorCtr="0">
             <a:noAutofit/>
           </a:bodyPr>
           <a:lstStyle>
@@ -8567,15 +8806,19 @@
               <a:defRPr/>
             </a:lvl9pPr>
           </a:lstStyle>
-          <a:p/>
+          <a:p>
+            <a:endParaRPr/>
+          </a:p>
         </p:txBody>
       </p:sp>
       <p:sp>
         <p:nvSpPr>
           <p:cNvPr id="60" name="Google Shape;60;p9"/>
-          <p:cNvSpPr txBox="1"/>
+          <p:cNvSpPr txBox="1">
+            <a:spLocks noGrp="1"/>
+          </p:cNvSpPr>
           <p:nvPr>
-            <p:ph idx="12" type="sldNum"/>
+            <p:ph type="sldNum" idx="12"/>
           </p:nvPr>
         </p:nvSpPr>
         <p:spPr>
@@ -8592,67 +8835,67 @@
           </a:ln>
         </p:spPr>
         <p:txBody>
-          <a:bodyPr anchorCtr="0" anchor="ctr" bIns="45700" lIns="91425" spcFirstLastPara="1" rIns="91425" wrap="square" tIns="45700">
+          <a:bodyPr spcFirstLastPara="1" wrap="square" lIns="91425" tIns="45700" rIns="91425" bIns="45700" anchor="ctr" anchorCtr="0">
             <a:noAutofit/>
           </a:bodyPr>
           <a:lstStyle>
-            <a:lvl1pPr indent="0" lvl="0" marL="0" algn="r">
+            <a:lvl1pPr marL="0" lvl="0" indent="0" algn="r">
               <a:spcBef>
                 <a:spcPts val="0"/>
               </a:spcBef>
               <a:buNone/>
               <a:defRPr/>
             </a:lvl1pPr>
-            <a:lvl2pPr indent="0" lvl="1" marL="0" algn="r">
+            <a:lvl2pPr marL="0" lvl="1" indent="0" algn="r">
               <a:spcBef>
                 <a:spcPts val="0"/>
               </a:spcBef>
               <a:buNone/>
               <a:defRPr/>
             </a:lvl2pPr>
-            <a:lvl3pPr indent="0" lvl="2" marL="0" algn="r">
+            <a:lvl3pPr marL="0" lvl="2" indent="0" algn="r">
               <a:spcBef>
                 <a:spcPts val="0"/>
               </a:spcBef>
               <a:buNone/>
               <a:defRPr/>
             </a:lvl3pPr>
-            <a:lvl4pPr indent="0" lvl="3" marL="0" algn="r">
+            <a:lvl4pPr marL="0" lvl="3" indent="0" algn="r">
               <a:spcBef>
                 <a:spcPts val="0"/>
               </a:spcBef>
               <a:buNone/>
               <a:defRPr/>
             </a:lvl4pPr>
-            <a:lvl5pPr indent="0" lvl="4" marL="0" algn="r">
+            <a:lvl5pPr marL="0" lvl="4" indent="0" algn="r">
               <a:spcBef>
                 <a:spcPts val="0"/>
               </a:spcBef>
               <a:buNone/>
               <a:defRPr/>
             </a:lvl5pPr>
-            <a:lvl6pPr indent="0" lvl="5" marL="0" algn="r">
+            <a:lvl6pPr marL="0" lvl="5" indent="0" algn="r">
               <a:spcBef>
                 <a:spcPts val="0"/>
               </a:spcBef>
               <a:buNone/>
               <a:defRPr/>
             </a:lvl6pPr>
-            <a:lvl7pPr indent="0" lvl="6" marL="0" algn="r">
+            <a:lvl7pPr marL="0" lvl="6" indent="0" algn="r">
               <a:spcBef>
                 <a:spcPts val="0"/>
               </a:spcBef>
               <a:buNone/>
               <a:defRPr/>
             </a:lvl7pPr>
-            <a:lvl8pPr indent="0" lvl="7" marL="0" algn="r">
+            <a:lvl8pPr marL="0" lvl="7" indent="0" algn="r">
               <a:spcBef>
                 <a:spcPts val="0"/>
               </a:spcBef>
               <a:buNone/>
               <a:defRPr/>
             </a:lvl8pPr>
-            <a:lvl9pPr indent="0" lvl="8" marL="0" algn="r">
+            <a:lvl9pPr marL="0" lvl="8" indent="0" algn="r">
               <a:spcBef>
                 <a:spcPts val="0"/>
               </a:spcBef>
@@ -8661,7 +8904,7 @@
             </a:lvl9pPr>
           </a:lstStyle>
           <a:p>
-            <a:pPr indent="0" lvl="0" marL="0" rtl="0" algn="r">
+            <a:pPr marL="0" lvl="0" indent="0" algn="r" rtl="0">
               <a:spcBef>
                 <a:spcPts val="0"/>
               </a:spcBef>
@@ -8687,11 +8930,11 @@
 </file>
 
 <file path=ppt/slideLayouts/slideLayout9.xml><?xml version="1.0" encoding="utf-8"?>
-<p:sldLayout xmlns:a="http://schemas.openxmlformats.org/drawingml/2006/main" xmlns:r="http://schemas.openxmlformats.org/officeDocument/2006/relationships" xmlns:mc="http://schemas.openxmlformats.org/markup-compatibility/2006" xmlns:mv="urn:schemas-microsoft-com:mac:vml" xmlns:p="http://schemas.openxmlformats.org/presentationml/2006/main" xmlns:c="http://schemas.openxmlformats.org/drawingml/2006/chart" xmlns:dgm="http://schemas.openxmlformats.org/drawingml/2006/diagram" xmlns:o="urn:schemas-microsoft-com:office:office" xmlns:v="urn:schemas-microsoft-com:vml" xmlns:pvml="urn:schemas-microsoft-com:office:powerpoint" xmlns:com="http://schemas.openxmlformats.org/drawingml/2006/compatibility" xmlns:p14="http://schemas.microsoft.com/office/powerpoint/2010/main" xmlns:p15="http://schemas.microsoft.com/office/powerpoint/2012/main" xmlns:ahyp="http://schemas.microsoft.com/office/drawing/2018/hyperlinkcolor" matchingName="Picture with Caption" type="picTx">
+<p:sldLayout xmlns:a="http://schemas.openxmlformats.org/drawingml/2006/main" xmlns:r="http://schemas.openxmlformats.org/officeDocument/2006/relationships" xmlns:p="http://schemas.openxmlformats.org/presentationml/2006/main" matchingName="Picture with Caption" type="picTx">
   <p:cSld name="PICTURE_WITH_CAPTION_TEXT">
     <p:spTree>
       <p:nvGrpSpPr>
-        <p:cNvPr id="61" name="Shape 61"/>
+        <p:cNvPr id="1" name="Shape 61"/>
         <p:cNvGrpSpPr/>
         <p:nvPr/>
       </p:nvGrpSpPr>
@@ -8706,7 +8949,9 @@
       <p:sp>
         <p:nvSpPr>
           <p:cNvPr id="62" name="Google Shape;62;p10"/>
-          <p:cNvSpPr txBox="1"/>
+          <p:cNvSpPr txBox="1">
+            <a:spLocks noGrp="1"/>
+          </p:cNvSpPr>
           <p:nvPr>
             <p:ph type="title"/>
           </p:nvPr>
@@ -8725,7 +8970,7 @@
           </a:ln>
         </p:spPr>
         <p:txBody>
-          <a:bodyPr anchorCtr="0" anchor="b" bIns="45700" lIns="91425" spcFirstLastPara="1" rIns="91425" wrap="square" tIns="45700">
+          <a:bodyPr spcFirstLastPara="1" wrap="square" lIns="91425" tIns="45700" rIns="91425" bIns="45700" anchor="b" anchorCtr="0">
             <a:noAutofit/>
           </a:bodyPr>
           <a:lstStyle>
@@ -8742,7 +8987,7 @@
               <a:buSzPts val="2000"/>
               <a:buFont typeface="Calibri"/>
               <a:buNone/>
-              <a:defRPr b="1" sz="2000"/>
+              <a:defRPr sz="2000" b="1"/>
             </a:lvl1pPr>
             <a:lvl2pPr lvl="1">
               <a:spcBef>
@@ -8833,15 +9078,19 @@
               <a:defRPr/>
             </a:lvl9pPr>
           </a:lstStyle>
-          <a:p/>
+          <a:p>
+            <a:endParaRPr/>
+          </a:p>
         </p:txBody>
       </p:sp>
       <p:sp>
         <p:nvSpPr>
           <p:cNvPr id="63" name="Google Shape;63;p10"/>
-          <p:cNvSpPr/>
+          <p:cNvSpPr>
+            <a:spLocks noGrp="1"/>
+          </p:cNvSpPr>
           <p:nvPr>
-            <p:ph idx="2" type="pic"/>
+            <p:ph type="pic" idx="2"/>
           </p:nvPr>
         </p:nvSpPr>
         <p:spPr>
@@ -8858,11 +9107,11 @@
           </a:ln>
         </p:spPr>
         <p:txBody>
-          <a:bodyPr anchorCtr="0" anchor="t" bIns="45700" lIns="91425" spcFirstLastPara="1" rIns="91425" wrap="square" tIns="45700">
+          <a:bodyPr spcFirstLastPara="1" wrap="square" lIns="91425" tIns="45700" rIns="91425" bIns="45700" anchor="t" anchorCtr="0">
             <a:noAutofit/>
           </a:bodyPr>
           <a:lstStyle>
-            <a:lvl1pPr lvl="0" marR="0" rtl="0" algn="l">
+            <a:lvl1pPr marR="0" lvl="0" algn="l" rtl="0">
               <a:spcBef>
                 <a:spcPts val="640"/>
               </a:spcBef>
@@ -8875,7 +9124,7 @@
               <a:buSzPts val="3200"/>
               <a:buFont typeface="Arial"/>
               <a:buNone/>
-              <a:defRPr b="0" i="0" sz="3200" u="none" cap="none" strike="noStrike">
+              <a:defRPr sz="3200" b="0" i="0" u="none" strike="noStrike" cap="none">
                 <a:solidFill>
                   <a:schemeClr val="dk1"/>
                 </a:solidFill>
@@ -8885,7 +9134,7 @@
                 <a:sym typeface="Calibri"/>
               </a:defRPr>
             </a:lvl1pPr>
-            <a:lvl2pPr lvl="1" marR="0" rtl="0" algn="l">
+            <a:lvl2pPr marR="0" lvl="1" algn="l" rtl="0">
               <a:spcBef>
                 <a:spcPts val="560"/>
               </a:spcBef>
@@ -8898,7 +9147,7 @@
               <a:buSzPts val="2800"/>
               <a:buFont typeface="Arial"/>
               <a:buNone/>
-              <a:defRPr b="0" i="0" sz="2800" u="none" cap="none" strike="noStrike">
+              <a:defRPr sz="2800" b="0" i="0" u="none" strike="noStrike" cap="none">
                 <a:solidFill>
                   <a:schemeClr val="dk1"/>
                 </a:solidFill>
@@ -8908,7 +9157,7 @@
                 <a:sym typeface="Calibri"/>
               </a:defRPr>
             </a:lvl2pPr>
-            <a:lvl3pPr lvl="2" marR="0" rtl="0" algn="l">
+            <a:lvl3pPr marR="0" lvl="2" algn="l" rtl="0">
               <a:spcBef>
                 <a:spcPts val="480"/>
               </a:spcBef>
@@ -8921,7 +9170,7 @@
               <a:buSzPts val="2400"/>
               <a:buFont typeface="Arial"/>
               <a:buNone/>
-              <a:defRPr b="0" i="0" sz="2400" u="none" cap="none" strike="noStrike">
+              <a:defRPr sz="2400" b="0" i="0" u="none" strike="noStrike" cap="none">
                 <a:solidFill>
                   <a:schemeClr val="dk1"/>
                 </a:solidFill>
@@ -8931,7 +9180,7 @@
                 <a:sym typeface="Calibri"/>
               </a:defRPr>
             </a:lvl3pPr>
-            <a:lvl4pPr lvl="3" marR="0" rtl="0" algn="l">
+            <a:lvl4pPr marR="0" lvl="3" algn="l" rtl="0">
               <a:spcBef>
                 <a:spcPts val="400"/>
               </a:spcBef>
@@ -8944,7 +9193,7 @@
               <a:buSzPts val="2000"/>
               <a:buFont typeface="Arial"/>
               <a:buNone/>
-              <a:defRPr b="0" i="0" sz="2000" u="none" cap="none" strike="noStrike">
+              <a:defRPr sz="2000" b="0" i="0" u="none" strike="noStrike" cap="none">
                 <a:solidFill>
                   <a:schemeClr val="dk1"/>
                 </a:solidFill>
@@ -8954,7 +9203,7 @@
                 <a:sym typeface="Calibri"/>
               </a:defRPr>
             </a:lvl4pPr>
-            <a:lvl5pPr lvl="4" marR="0" rtl="0" algn="l">
+            <a:lvl5pPr marR="0" lvl="4" algn="l" rtl="0">
               <a:spcBef>
                 <a:spcPts val="400"/>
               </a:spcBef>
@@ -8967,7 +9216,7 @@
               <a:buSzPts val="2000"/>
               <a:buFont typeface="Arial"/>
               <a:buNone/>
-              <a:defRPr b="0" i="0" sz="2000" u="none" cap="none" strike="noStrike">
+              <a:defRPr sz="2000" b="0" i="0" u="none" strike="noStrike" cap="none">
                 <a:solidFill>
                   <a:schemeClr val="dk1"/>
                 </a:solidFill>
@@ -8977,7 +9226,7 @@
                 <a:sym typeface="Calibri"/>
               </a:defRPr>
             </a:lvl5pPr>
-            <a:lvl6pPr lvl="5" marR="0" rtl="0" algn="l">
+            <a:lvl6pPr marR="0" lvl="5" algn="l" rtl="0">
               <a:spcBef>
                 <a:spcPts val="400"/>
               </a:spcBef>
@@ -8990,7 +9239,7 @@
               <a:buSzPts val="2000"/>
               <a:buFont typeface="Arial"/>
               <a:buNone/>
-              <a:defRPr b="0" i="0" sz="2000" u="none" cap="none" strike="noStrike">
+              <a:defRPr sz="2000" b="0" i="0" u="none" strike="noStrike" cap="none">
                 <a:solidFill>
                   <a:schemeClr val="dk1"/>
                 </a:solidFill>
@@ -9000,7 +9249,7 @@
                 <a:sym typeface="Calibri"/>
               </a:defRPr>
             </a:lvl6pPr>
-            <a:lvl7pPr lvl="6" marR="0" rtl="0" algn="l">
+            <a:lvl7pPr marR="0" lvl="6" algn="l" rtl="0">
               <a:spcBef>
                 <a:spcPts val="400"/>
               </a:spcBef>
@@ -9013,7 +9262,7 @@
               <a:buSzPts val="2000"/>
               <a:buFont typeface="Arial"/>
               <a:buNone/>
-              <a:defRPr b="0" i="0" sz="2000" u="none" cap="none" strike="noStrike">
+              <a:defRPr sz="2000" b="0" i="0" u="none" strike="noStrike" cap="none">
                 <a:solidFill>
                   <a:schemeClr val="dk1"/>
                 </a:solidFill>
@@ -9023,7 +9272,7 @@
                 <a:sym typeface="Calibri"/>
               </a:defRPr>
             </a:lvl7pPr>
-            <a:lvl8pPr lvl="7" marR="0" rtl="0" algn="l">
+            <a:lvl8pPr marR="0" lvl="7" algn="l" rtl="0">
               <a:spcBef>
                 <a:spcPts val="400"/>
               </a:spcBef>
@@ -9036,7 +9285,7 @@
               <a:buSzPts val="2000"/>
               <a:buFont typeface="Arial"/>
               <a:buNone/>
-              <a:defRPr b="0" i="0" sz="2000" u="none" cap="none" strike="noStrike">
+              <a:defRPr sz="2000" b="0" i="0" u="none" strike="noStrike" cap="none">
                 <a:solidFill>
                   <a:schemeClr val="dk1"/>
                 </a:solidFill>
@@ -9046,7 +9295,7 @@
                 <a:sym typeface="Calibri"/>
               </a:defRPr>
             </a:lvl8pPr>
-            <a:lvl9pPr lvl="8" marR="0" rtl="0" algn="l">
+            <a:lvl9pPr marR="0" lvl="8" algn="l" rtl="0">
               <a:spcBef>
                 <a:spcPts val="400"/>
               </a:spcBef>
@@ -9059,7 +9308,7 @@
               <a:buSzPts val="2000"/>
               <a:buFont typeface="Arial"/>
               <a:buNone/>
-              <a:defRPr b="0" i="0" sz="2000" u="none" cap="none" strike="noStrike">
+              <a:defRPr sz="2000" b="0" i="0" u="none" strike="noStrike" cap="none">
                 <a:solidFill>
                   <a:schemeClr val="dk1"/>
                 </a:solidFill>
@@ -9070,15 +9319,19 @@
               </a:defRPr>
             </a:lvl9pPr>
           </a:lstStyle>
-          <a:p/>
+          <a:p>
+            <a:endParaRPr/>
+          </a:p>
         </p:txBody>
       </p:sp>
       <p:sp>
         <p:nvSpPr>
           <p:cNvPr id="64" name="Google Shape;64;p10"/>
-          <p:cNvSpPr txBox="1"/>
+          <p:cNvSpPr txBox="1">
+            <a:spLocks noGrp="1"/>
+          </p:cNvSpPr>
           <p:nvPr>
-            <p:ph idx="1" type="body"/>
+            <p:ph type="body" idx="1"/>
           </p:nvPr>
         </p:nvSpPr>
         <p:spPr>
@@ -9095,11 +9348,11 @@
           </a:ln>
         </p:spPr>
         <p:txBody>
-          <a:bodyPr anchorCtr="0" anchor="t" bIns="45700" lIns="91425" spcFirstLastPara="1" rIns="91425" wrap="square" tIns="45700">
+          <a:bodyPr spcFirstLastPara="1" wrap="square" lIns="91425" tIns="45700" rIns="91425" bIns="45700" anchor="t" anchorCtr="0">
             <a:noAutofit/>
           </a:bodyPr>
           <a:lstStyle>
-            <a:lvl1pPr indent="-228600" lvl="0" marL="457200" algn="l">
+            <a:lvl1pPr marL="457200" lvl="0" indent="-228600" algn="l">
               <a:spcBef>
                 <a:spcPts val="280"/>
               </a:spcBef>
@@ -9113,7 +9366,7 @@
               <a:buNone/>
               <a:defRPr sz="1400"/>
             </a:lvl1pPr>
-            <a:lvl2pPr indent="-228600" lvl="1" marL="914400" algn="l">
+            <a:lvl2pPr marL="914400" lvl="1" indent="-228600" algn="l">
               <a:spcBef>
                 <a:spcPts val="240"/>
               </a:spcBef>
@@ -9127,7 +9380,7 @@
               <a:buNone/>
               <a:defRPr sz="1200"/>
             </a:lvl2pPr>
-            <a:lvl3pPr indent="-228600" lvl="2" marL="1371600" algn="l">
+            <a:lvl3pPr marL="1371600" lvl="2" indent="-228600" algn="l">
               <a:spcBef>
                 <a:spcPts val="200"/>
               </a:spcBef>
@@ -9141,7 +9394,7 @@
               <a:buNone/>
               <a:defRPr sz="1000"/>
             </a:lvl3pPr>
-            <a:lvl4pPr indent="-228600" lvl="3" marL="1828800" algn="l">
+            <a:lvl4pPr marL="1828800" lvl="3" indent="-228600" algn="l">
               <a:spcBef>
                 <a:spcPts val="180"/>
               </a:spcBef>
@@ -9155,7 +9408,7 @@
               <a:buNone/>
               <a:defRPr sz="900"/>
             </a:lvl4pPr>
-            <a:lvl5pPr indent="-228600" lvl="4" marL="2286000" algn="l">
+            <a:lvl5pPr marL="2286000" lvl="4" indent="-228600" algn="l">
               <a:spcBef>
                 <a:spcPts val="180"/>
               </a:spcBef>
@@ -9169,7 +9422,7 @@
               <a:buNone/>
               <a:defRPr sz="900"/>
             </a:lvl5pPr>
-            <a:lvl6pPr indent="-228600" lvl="5" marL="2743200" algn="l">
+            <a:lvl6pPr marL="2743200" lvl="5" indent="-228600" algn="l">
               <a:spcBef>
                 <a:spcPts val="180"/>
               </a:spcBef>
@@ -9183,7 +9436,7 @@
               <a:buNone/>
               <a:defRPr sz="900"/>
             </a:lvl6pPr>
-            <a:lvl7pPr indent="-228600" lvl="6" marL="3200400" algn="l">
+            <a:lvl7pPr marL="3200400" lvl="6" indent="-228600" algn="l">
               <a:spcBef>
                 <a:spcPts val="180"/>
               </a:spcBef>
@@ -9197,7 +9450,7 @@
               <a:buNone/>
               <a:defRPr sz="900"/>
             </a:lvl7pPr>
-            <a:lvl8pPr indent="-228600" lvl="7" marL="3657600" algn="l">
+            <a:lvl8pPr marL="3657600" lvl="7" indent="-228600" algn="l">
               <a:spcBef>
                 <a:spcPts val="180"/>
               </a:spcBef>
@@ -9211,7 +9464,7 @@
               <a:buNone/>
               <a:defRPr sz="900"/>
             </a:lvl8pPr>
-            <a:lvl9pPr indent="-228600" lvl="8" marL="4114800" algn="l">
+            <a:lvl9pPr marL="4114800" lvl="8" indent="-228600" algn="l">
               <a:spcBef>
                 <a:spcPts val="180"/>
               </a:spcBef>
@@ -9226,15 +9479,19 @@
               <a:defRPr sz="900"/>
             </a:lvl9pPr>
           </a:lstStyle>
-          <a:p/>
+          <a:p>
+            <a:endParaRPr/>
+          </a:p>
         </p:txBody>
       </p:sp>
       <p:sp>
         <p:nvSpPr>
           <p:cNvPr id="65" name="Google Shape;65;p10"/>
-          <p:cNvSpPr txBox="1"/>
+          <p:cNvSpPr txBox="1">
+            <a:spLocks noGrp="1"/>
+          </p:cNvSpPr>
           <p:nvPr>
-            <p:ph idx="10" type="dt"/>
+            <p:ph type="dt" idx="10"/>
           </p:nvPr>
         </p:nvSpPr>
         <p:spPr>
@@ -9251,7 +9508,7 @@
           </a:ln>
         </p:spPr>
         <p:txBody>
-          <a:bodyPr anchorCtr="0" anchor="ctr" bIns="45700" lIns="91425" spcFirstLastPara="1" rIns="91425" wrap="square" tIns="45700">
+          <a:bodyPr spcFirstLastPara="1" wrap="square" lIns="91425" tIns="45700" rIns="91425" bIns="45700" anchor="ctr" anchorCtr="0">
             <a:noAutofit/>
           </a:bodyPr>
           <a:lstStyle>
@@ -9355,15 +9612,19 @@
               <a:defRPr/>
             </a:lvl9pPr>
           </a:lstStyle>
-          <a:p/>
+          <a:p>
+            <a:endParaRPr/>
+          </a:p>
         </p:txBody>
       </p:sp>
       <p:sp>
         <p:nvSpPr>
           <p:cNvPr id="66" name="Google Shape;66;p10"/>
-          <p:cNvSpPr txBox="1"/>
+          <p:cNvSpPr txBox="1">
+            <a:spLocks noGrp="1"/>
+          </p:cNvSpPr>
           <p:nvPr>
-            <p:ph idx="11" type="ftr"/>
+            <p:ph type="ftr" idx="11"/>
           </p:nvPr>
         </p:nvSpPr>
         <p:spPr>
@@ -9380,7 +9641,7 @@
           </a:ln>
         </p:spPr>
         <p:txBody>
-          <a:bodyPr anchorCtr="0" anchor="ctr" bIns="45700" lIns="91425" spcFirstLastPara="1" rIns="91425" wrap="square" tIns="45700">
+          <a:bodyPr spcFirstLastPara="1" wrap="square" lIns="91425" tIns="45700" rIns="91425" bIns="45700" anchor="ctr" anchorCtr="0">
             <a:noAutofit/>
           </a:bodyPr>
           <a:lstStyle>
@@ -9484,15 +9745,19 @@
               <a:defRPr/>
             </a:lvl9pPr>
           </a:lstStyle>
-          <a:p/>
+          <a:p>
+            <a:endParaRPr/>
+          </a:p>
         </p:txBody>
       </p:sp>
       <p:sp>
         <p:nvSpPr>
           <p:cNvPr id="67" name="Google Shape;67;p10"/>
-          <p:cNvSpPr txBox="1"/>
+          <p:cNvSpPr txBox="1">
+            <a:spLocks noGrp="1"/>
+          </p:cNvSpPr>
           <p:nvPr>
-            <p:ph idx="12" type="sldNum"/>
+            <p:ph type="sldNum" idx="12"/>
           </p:nvPr>
         </p:nvSpPr>
         <p:spPr>
@@ -9509,67 +9774,67 @@
           </a:ln>
         </p:spPr>
         <p:txBody>
-          <a:bodyPr anchorCtr="0" anchor="ctr" bIns="45700" lIns="91425" spcFirstLastPara="1" rIns="91425" wrap="square" tIns="45700">
+          <a:bodyPr spcFirstLastPara="1" wrap="square" lIns="91425" tIns="45700" rIns="91425" bIns="45700" anchor="ctr" anchorCtr="0">
             <a:noAutofit/>
           </a:bodyPr>
           <a:lstStyle>
-            <a:lvl1pPr indent="0" lvl="0" marL="0" algn="r">
+            <a:lvl1pPr marL="0" lvl="0" indent="0" algn="r">
               <a:spcBef>
                 <a:spcPts val="0"/>
               </a:spcBef>
               <a:buNone/>
               <a:defRPr/>
             </a:lvl1pPr>
-            <a:lvl2pPr indent="0" lvl="1" marL="0" algn="r">
+            <a:lvl2pPr marL="0" lvl="1" indent="0" algn="r">
               <a:spcBef>
                 <a:spcPts val="0"/>
               </a:spcBef>
               <a:buNone/>
               <a:defRPr/>
             </a:lvl2pPr>
-            <a:lvl3pPr indent="0" lvl="2" marL="0" algn="r">
+            <a:lvl3pPr marL="0" lvl="2" indent="0" algn="r">
               <a:spcBef>
                 <a:spcPts val="0"/>
               </a:spcBef>
               <a:buNone/>
               <a:defRPr/>
             </a:lvl3pPr>
-            <a:lvl4pPr indent="0" lvl="3" marL="0" algn="r">
+            <a:lvl4pPr marL="0" lvl="3" indent="0" algn="r">
               <a:spcBef>
                 <a:spcPts val="0"/>
               </a:spcBef>
               <a:buNone/>
               <a:defRPr/>
             </a:lvl4pPr>
-            <a:lvl5pPr indent="0" lvl="4" marL="0" algn="r">
+            <a:lvl5pPr marL="0" lvl="4" indent="0" algn="r">
               <a:spcBef>
                 <a:spcPts val="0"/>
               </a:spcBef>
               <a:buNone/>
               <a:defRPr/>
             </a:lvl5pPr>
-            <a:lvl6pPr indent="0" lvl="5" marL="0" algn="r">
+            <a:lvl6pPr marL="0" lvl="5" indent="0" algn="r">
               <a:spcBef>
                 <a:spcPts val="0"/>
               </a:spcBef>
               <a:buNone/>
               <a:defRPr/>
             </a:lvl6pPr>
-            <a:lvl7pPr indent="0" lvl="6" marL="0" algn="r">
+            <a:lvl7pPr marL="0" lvl="6" indent="0" algn="r">
               <a:spcBef>
                 <a:spcPts val="0"/>
               </a:spcBef>
               <a:buNone/>
               <a:defRPr/>
             </a:lvl7pPr>
-            <a:lvl8pPr indent="0" lvl="7" marL="0" algn="r">
+            <a:lvl8pPr marL="0" lvl="7" indent="0" algn="r">
               <a:spcBef>
                 <a:spcPts val="0"/>
               </a:spcBef>
               <a:buNone/>
               <a:defRPr/>
             </a:lvl8pPr>
-            <a:lvl9pPr indent="0" lvl="8" marL="0" algn="r">
+            <a:lvl9pPr marL="0" lvl="8" indent="0" algn="r">
               <a:spcBef>
                 <a:spcPts val="0"/>
               </a:spcBef>
@@ -9578,7 +9843,7 @@
             </a:lvl9pPr>
           </a:lstStyle>
           <a:p>
-            <a:pPr indent="0" lvl="0" marL="0" rtl="0" algn="r">
+            <a:pPr marL="0" lvl="0" indent="0" algn="r" rtl="0">
               <a:spcBef>
                 <a:spcPts val="0"/>
               </a:spcBef>
@@ -9604,18 +9869,19 @@
 </file>
 
 <file path=ppt/slideMasters/slideMaster1.xml><?xml version="1.0" encoding="utf-8"?>
-<p:sldMaster xmlns:a="http://schemas.openxmlformats.org/drawingml/2006/main" xmlns:r="http://schemas.openxmlformats.org/officeDocument/2006/relationships" xmlns:mc="http://schemas.openxmlformats.org/markup-compatibility/2006" xmlns:mv="urn:schemas-microsoft-com:mac:vml" xmlns:p="http://schemas.openxmlformats.org/presentationml/2006/main" xmlns:c="http://schemas.openxmlformats.org/drawingml/2006/chart" xmlns:dgm="http://schemas.openxmlformats.org/drawingml/2006/diagram" xmlns:o="urn:schemas-microsoft-com:office:office" xmlns:v="urn:schemas-microsoft-com:vml" xmlns:pvml="urn:schemas-microsoft-com:office:powerpoint" xmlns:com="http://schemas.openxmlformats.org/drawingml/2006/compatibility" xmlns:p14="http://schemas.microsoft.com/office/powerpoint/2010/main" xmlns:p15="http://schemas.microsoft.com/office/powerpoint/2012/main" xmlns:ahyp="http://schemas.microsoft.com/office/drawing/2018/hyperlinkcolor">
+<p:sldMaster xmlns:a="http://schemas.openxmlformats.org/drawingml/2006/main" xmlns:r="http://schemas.openxmlformats.org/officeDocument/2006/relationships" xmlns:p="http://schemas.openxmlformats.org/presentationml/2006/main">
   <p:cSld>
     <p:bg>
       <p:bgPr>
         <a:solidFill>
           <a:schemeClr val="lt1"/>
         </a:solidFill>
+        <a:effectLst/>
       </p:bgPr>
     </p:bg>
     <p:spTree>
       <p:nvGrpSpPr>
-        <p:cNvPr id="5" name="Shape 5"/>
+        <p:cNvPr id="1" name="Shape 5"/>
         <p:cNvGrpSpPr/>
         <p:nvPr/>
       </p:nvGrpSpPr>
@@ -9630,7 +9896,9 @@
       <p:sp>
         <p:nvSpPr>
           <p:cNvPr id="6" name="Google Shape;6;p1"/>
-          <p:cNvSpPr txBox="1"/>
+          <p:cNvSpPr txBox="1">
+            <a:spLocks noGrp="1"/>
+          </p:cNvSpPr>
           <p:nvPr>
             <p:ph type="title"/>
           </p:nvPr>
@@ -9649,11 +9917,11 @@
           </a:ln>
         </p:spPr>
         <p:txBody>
-          <a:bodyPr anchorCtr="0" anchor="ctr" bIns="45700" lIns="91425" spcFirstLastPara="1" rIns="91425" wrap="square" tIns="45700">
+          <a:bodyPr spcFirstLastPara="1" wrap="square" lIns="91425" tIns="45700" rIns="91425" bIns="45700" anchor="ctr" anchorCtr="0">
             <a:noAutofit/>
           </a:bodyPr>
           <a:lstStyle>
-            <a:lvl1pPr lvl="0" marR="0" rtl="0" algn="ctr">
+            <a:lvl1pPr marR="0" lvl="0" algn="ctr" rtl="0">
               <a:spcBef>
                 <a:spcPts val="0"/>
               </a:spcBef>
@@ -9666,7 +9934,7 @@
               <a:buSzPts val="4400"/>
               <a:buFont typeface="Calibri"/>
               <a:buNone/>
-              <a:defRPr b="0" i="0" sz="4400" u="none" cap="none" strike="noStrike">
+              <a:defRPr sz="4400" b="0" i="0" u="none" strike="noStrike" cap="none">
                 <a:solidFill>
                   <a:schemeClr val="dk1"/>
                 </a:solidFill>
@@ -9765,15 +10033,19 @@
               <a:defRPr sz="1800"/>
             </a:lvl9pPr>
           </a:lstStyle>
-          <a:p/>
+          <a:p>
+            <a:endParaRPr/>
+          </a:p>
         </p:txBody>
       </p:sp>
       <p:sp>
         <p:nvSpPr>
           <p:cNvPr id="7" name="Google Shape;7;p1"/>
-          <p:cNvSpPr txBox="1"/>
+          <p:cNvSpPr txBox="1">
+            <a:spLocks noGrp="1"/>
+          </p:cNvSpPr>
           <p:nvPr>
-            <p:ph idx="1" type="body"/>
+            <p:ph type="body" idx="1"/>
           </p:nvPr>
         </p:nvSpPr>
         <p:spPr>
@@ -9790,11 +10062,11 @@
           </a:ln>
         </p:spPr>
         <p:txBody>
-          <a:bodyPr anchorCtr="0" anchor="t" bIns="45700" lIns="91425" spcFirstLastPara="1" rIns="91425" wrap="square" tIns="45700">
+          <a:bodyPr spcFirstLastPara="1" wrap="square" lIns="91425" tIns="45700" rIns="91425" bIns="45700" anchor="t" anchorCtr="0">
             <a:noAutofit/>
           </a:bodyPr>
           <a:lstStyle>
-            <a:lvl1pPr indent="-431800" lvl="0" marL="457200" marR="0" rtl="0" algn="l">
+            <a:lvl1pPr marL="457200" marR="0" lvl="0" indent="-431800" algn="l" rtl="0">
               <a:spcBef>
                 <a:spcPts val="640"/>
               </a:spcBef>
@@ -9807,7 +10079,7 @@
               <a:buSzPts val="3200"/>
               <a:buFont typeface="Arial"/>
               <a:buChar char="•"/>
-              <a:defRPr b="0" i="0" sz="3200" u="none" cap="none" strike="noStrike">
+              <a:defRPr sz="3200" b="0" i="0" u="none" strike="noStrike" cap="none">
                 <a:solidFill>
                   <a:schemeClr val="dk1"/>
                 </a:solidFill>
@@ -9817,7 +10089,7 @@
                 <a:sym typeface="Calibri"/>
               </a:defRPr>
             </a:lvl1pPr>
-            <a:lvl2pPr indent="-406400" lvl="1" marL="914400" marR="0" rtl="0" algn="l">
+            <a:lvl2pPr marL="914400" marR="0" lvl="1" indent="-406400" algn="l" rtl="0">
               <a:spcBef>
                 <a:spcPts val="560"/>
               </a:spcBef>
@@ -9830,7 +10102,7 @@
               <a:buSzPts val="2800"/>
               <a:buFont typeface="Arial"/>
               <a:buChar char="–"/>
-              <a:defRPr b="0" i="0" sz="2800" u="none" cap="none" strike="noStrike">
+              <a:defRPr sz="2800" b="0" i="0" u="none" strike="noStrike" cap="none">
                 <a:solidFill>
                   <a:schemeClr val="dk1"/>
                 </a:solidFill>
@@ -9840,7 +10112,7 @@
                 <a:sym typeface="Calibri"/>
               </a:defRPr>
             </a:lvl2pPr>
-            <a:lvl3pPr indent="-381000" lvl="2" marL="1371600" marR="0" rtl="0" algn="l">
+            <a:lvl3pPr marL="1371600" marR="0" lvl="2" indent="-381000" algn="l" rtl="0">
               <a:spcBef>
                 <a:spcPts val="480"/>
               </a:spcBef>
@@ -9853,7 +10125,7 @@
               <a:buSzPts val="2400"/>
               <a:buFont typeface="Arial"/>
               <a:buChar char="•"/>
-              <a:defRPr b="0" i="0" sz="2400" u="none" cap="none" strike="noStrike">
+              <a:defRPr sz="2400" b="0" i="0" u="none" strike="noStrike" cap="none">
                 <a:solidFill>
                   <a:schemeClr val="dk1"/>
                 </a:solidFill>
@@ -9863,7 +10135,7 @@
                 <a:sym typeface="Calibri"/>
               </a:defRPr>
             </a:lvl3pPr>
-            <a:lvl4pPr indent="-355600" lvl="3" marL="1828800" marR="0" rtl="0" algn="l">
+            <a:lvl4pPr marL="1828800" marR="0" lvl="3" indent="-355600" algn="l" rtl="0">
               <a:spcBef>
                 <a:spcPts val="400"/>
               </a:spcBef>
@@ -9876,7 +10148,7 @@
               <a:buSzPts val="2000"/>
               <a:buFont typeface="Arial"/>
               <a:buChar char="–"/>
-              <a:defRPr b="0" i="0" sz="2000" u="none" cap="none" strike="noStrike">
+              <a:defRPr sz="2000" b="0" i="0" u="none" strike="noStrike" cap="none">
                 <a:solidFill>
                   <a:schemeClr val="dk1"/>
                 </a:solidFill>
@@ -9886,7 +10158,7 @@
                 <a:sym typeface="Calibri"/>
               </a:defRPr>
             </a:lvl4pPr>
-            <a:lvl5pPr indent="-355600" lvl="4" marL="2286000" marR="0" rtl="0" algn="l">
+            <a:lvl5pPr marL="2286000" marR="0" lvl="4" indent="-355600" algn="l" rtl="0">
               <a:spcBef>
                 <a:spcPts val="400"/>
               </a:spcBef>
@@ -9899,7 +10171,7 @@
               <a:buSzPts val="2000"/>
               <a:buFont typeface="Arial"/>
               <a:buChar char="»"/>
-              <a:defRPr b="0" i="0" sz="2000" u="none" cap="none" strike="noStrike">
+              <a:defRPr sz="2000" b="0" i="0" u="none" strike="noStrike" cap="none">
                 <a:solidFill>
                   <a:schemeClr val="dk1"/>
                 </a:solidFill>
@@ -9909,7 +10181,7 @@
                 <a:sym typeface="Calibri"/>
               </a:defRPr>
             </a:lvl5pPr>
-            <a:lvl6pPr indent="-355600" lvl="5" marL="2743200" marR="0" rtl="0" algn="l">
+            <a:lvl6pPr marL="2743200" marR="0" lvl="5" indent="-355600" algn="l" rtl="0">
               <a:spcBef>
                 <a:spcPts val="400"/>
               </a:spcBef>
@@ -9922,7 +10194,7 @@
               <a:buSzPts val="2000"/>
               <a:buFont typeface="Arial"/>
               <a:buChar char="•"/>
-              <a:defRPr b="0" i="0" sz="2000" u="none" cap="none" strike="noStrike">
+              <a:defRPr sz="2000" b="0" i="0" u="none" strike="noStrike" cap="none">
                 <a:solidFill>
                   <a:schemeClr val="dk1"/>
                 </a:solidFill>
@@ -9932,7 +10204,7 @@
                 <a:sym typeface="Calibri"/>
               </a:defRPr>
             </a:lvl6pPr>
-            <a:lvl7pPr indent="-355600" lvl="6" marL="3200400" marR="0" rtl="0" algn="l">
+            <a:lvl7pPr marL="3200400" marR="0" lvl="6" indent="-355600" algn="l" rtl="0">
               <a:spcBef>
                 <a:spcPts val="400"/>
               </a:spcBef>
@@ -9945,7 +10217,7 @@
               <a:buSzPts val="2000"/>
               <a:buFont typeface="Arial"/>
               <a:buChar char="•"/>
-              <a:defRPr b="0" i="0" sz="2000" u="none" cap="none" strike="noStrike">
+              <a:defRPr sz="2000" b="0" i="0" u="none" strike="noStrike" cap="none">
                 <a:solidFill>
                   <a:schemeClr val="dk1"/>
                 </a:solidFill>
@@ -9955,7 +10227,7 @@
                 <a:sym typeface="Calibri"/>
               </a:defRPr>
             </a:lvl7pPr>
-            <a:lvl8pPr indent="-355600" lvl="7" marL="3657600" marR="0" rtl="0" algn="l">
+            <a:lvl8pPr marL="3657600" marR="0" lvl="7" indent="-355600" algn="l" rtl="0">
               <a:spcBef>
                 <a:spcPts val="400"/>
               </a:spcBef>
@@ -9968,7 +10240,7 @@
               <a:buSzPts val="2000"/>
               <a:buFont typeface="Arial"/>
               <a:buChar char="•"/>
-              <a:defRPr b="0" i="0" sz="2000" u="none" cap="none" strike="noStrike">
+              <a:defRPr sz="2000" b="0" i="0" u="none" strike="noStrike" cap="none">
                 <a:solidFill>
                   <a:schemeClr val="dk1"/>
                 </a:solidFill>
@@ -9978,7 +10250,7 @@
                 <a:sym typeface="Calibri"/>
               </a:defRPr>
             </a:lvl8pPr>
-            <a:lvl9pPr indent="-355600" lvl="8" marL="4114800" marR="0" rtl="0" algn="l">
+            <a:lvl9pPr marL="4114800" marR="0" lvl="8" indent="-355600" algn="l" rtl="0">
               <a:spcBef>
                 <a:spcPts val="400"/>
               </a:spcBef>
@@ -9991,7 +10263,7 @@
               <a:buSzPts val="2000"/>
               <a:buFont typeface="Arial"/>
               <a:buChar char="•"/>
-              <a:defRPr b="0" i="0" sz="2000" u="none" cap="none" strike="noStrike">
+              <a:defRPr sz="2000" b="0" i="0" u="none" strike="noStrike" cap="none">
                 <a:solidFill>
                   <a:schemeClr val="dk1"/>
                 </a:solidFill>
@@ -10002,15 +10274,19 @@
               </a:defRPr>
             </a:lvl9pPr>
           </a:lstStyle>
-          <a:p/>
+          <a:p>
+            <a:endParaRPr/>
+          </a:p>
         </p:txBody>
       </p:sp>
       <p:sp>
         <p:nvSpPr>
           <p:cNvPr id="8" name="Google Shape;8;p1"/>
-          <p:cNvSpPr txBox="1"/>
+          <p:cNvSpPr txBox="1">
+            <a:spLocks noGrp="1"/>
+          </p:cNvSpPr>
           <p:nvPr>
-            <p:ph idx="10" type="dt"/>
+            <p:ph type="dt" idx="10"/>
           </p:nvPr>
         </p:nvSpPr>
         <p:spPr>
@@ -10027,20 +10303,20 @@
           </a:ln>
         </p:spPr>
         <p:txBody>
-          <a:bodyPr anchorCtr="0" anchor="ctr" bIns="45700" lIns="91425" spcFirstLastPara="1" rIns="91425" wrap="square" tIns="45700">
+          <a:bodyPr spcFirstLastPara="1" wrap="square" lIns="91425" tIns="45700" rIns="91425" bIns="45700" anchor="ctr" anchorCtr="0">
             <a:noAutofit/>
           </a:bodyPr>
           <a:lstStyle>
-            <a:lvl1pPr lvl="0" marR="0" rtl="0" algn="l">
-              <a:spcBef>
-                <a:spcPts val="0"/>
-              </a:spcBef>
-              <a:spcAft>
-                <a:spcPts val="0"/>
-              </a:spcAft>
-              <a:buSzPts val="1400"/>
-              <a:buNone/>
-              <a:defRPr b="0" i="0" sz="1200" u="none" cap="none" strike="noStrike">
+            <a:lvl1pPr marR="0" lvl="0" algn="l" rtl="0">
+              <a:spcBef>
+                <a:spcPts val="0"/>
+              </a:spcBef>
+              <a:spcAft>
+                <a:spcPts val="0"/>
+              </a:spcAft>
+              <a:buSzPts val="1400"/>
+              <a:buNone/>
+              <a:defRPr sz="1200" b="0" i="0" u="none" strike="noStrike" cap="none">
                 <a:solidFill>
                   <a:srgbClr val="888888"/>
                 </a:solidFill>
@@ -10050,16 +10326,16 @@
                 <a:sym typeface="Calibri"/>
               </a:defRPr>
             </a:lvl1pPr>
-            <a:lvl2pPr lvl="1" marR="0" rtl="0" algn="l">
-              <a:spcBef>
-                <a:spcPts val="0"/>
-              </a:spcBef>
-              <a:spcAft>
-                <a:spcPts val="0"/>
-              </a:spcAft>
-              <a:buSzPts val="1400"/>
-              <a:buNone/>
-              <a:defRPr b="0" i="0" sz="1800" u="none" cap="none" strike="noStrike">
+            <a:lvl2pPr marR="0" lvl="1" algn="l" rtl="0">
+              <a:spcBef>
+                <a:spcPts val="0"/>
+              </a:spcBef>
+              <a:spcAft>
+                <a:spcPts val="0"/>
+              </a:spcAft>
+              <a:buSzPts val="1400"/>
+              <a:buNone/>
+              <a:defRPr sz="1800" b="0" i="0" u="none" strike="noStrike" cap="none">
                 <a:solidFill>
                   <a:schemeClr val="dk1"/>
                 </a:solidFill>
@@ -10069,16 +10345,16 @@
                 <a:sym typeface="Calibri"/>
               </a:defRPr>
             </a:lvl2pPr>
-            <a:lvl3pPr lvl="2" marR="0" rtl="0" algn="l">
-              <a:spcBef>
-                <a:spcPts val="0"/>
-              </a:spcBef>
-              <a:spcAft>
-                <a:spcPts val="0"/>
-              </a:spcAft>
-              <a:buSzPts val="1400"/>
-              <a:buNone/>
-              <a:defRPr b="0" i="0" sz="1800" u="none" cap="none" strike="noStrike">
+            <a:lvl3pPr marR="0" lvl="2" algn="l" rtl="0">
+              <a:spcBef>
+                <a:spcPts val="0"/>
+              </a:spcBef>
+              <a:spcAft>
+                <a:spcPts val="0"/>
+              </a:spcAft>
+              <a:buSzPts val="1400"/>
+              <a:buNone/>
+              <a:defRPr sz="1800" b="0" i="0" u="none" strike="noStrike" cap="none">
                 <a:solidFill>
                   <a:schemeClr val="dk1"/>
                 </a:solidFill>
@@ -10088,16 +10364,16 @@
                 <a:sym typeface="Calibri"/>
               </a:defRPr>
             </a:lvl3pPr>
-            <a:lvl4pPr lvl="3" marR="0" rtl="0" algn="l">
-              <a:spcBef>
-                <a:spcPts val="0"/>
-              </a:spcBef>
-              <a:spcAft>
-                <a:spcPts val="0"/>
-              </a:spcAft>
-              <a:buSzPts val="1400"/>
-              <a:buNone/>
-              <a:defRPr b="0" i="0" sz="1800" u="none" cap="none" strike="noStrike">
+            <a:lvl4pPr marR="0" lvl="3" algn="l" rtl="0">
+              <a:spcBef>
+                <a:spcPts val="0"/>
+              </a:spcBef>
+              <a:spcAft>
+                <a:spcPts val="0"/>
+              </a:spcAft>
+              <a:buSzPts val="1400"/>
+              <a:buNone/>
+              <a:defRPr sz="1800" b="0" i="0" u="none" strike="noStrike" cap="none">
                 <a:solidFill>
                   <a:schemeClr val="dk1"/>
                 </a:solidFill>
@@ -10107,16 +10383,16 @@
                 <a:sym typeface="Calibri"/>
               </a:defRPr>
             </a:lvl4pPr>
-            <a:lvl5pPr lvl="4" marR="0" rtl="0" algn="l">
-              <a:spcBef>
-                <a:spcPts val="0"/>
-              </a:spcBef>
-              <a:spcAft>
-                <a:spcPts val="0"/>
-              </a:spcAft>
-              <a:buSzPts val="1400"/>
-              <a:buNone/>
-              <a:defRPr b="0" i="0" sz="1800" u="none" cap="none" strike="noStrike">
+            <a:lvl5pPr marR="0" lvl="4" algn="l" rtl="0">
+              <a:spcBef>
+                <a:spcPts val="0"/>
+              </a:spcBef>
+              <a:spcAft>
+                <a:spcPts val="0"/>
+              </a:spcAft>
+              <a:buSzPts val="1400"/>
+              <a:buNone/>
+              <a:defRPr sz="1800" b="0" i="0" u="none" strike="noStrike" cap="none">
                 <a:solidFill>
                   <a:schemeClr val="dk1"/>
                 </a:solidFill>
@@ -10126,16 +10402,16 @@
                 <a:sym typeface="Calibri"/>
               </a:defRPr>
             </a:lvl5pPr>
-            <a:lvl6pPr lvl="5" marR="0" rtl="0" algn="l">
-              <a:spcBef>
-                <a:spcPts val="0"/>
-              </a:spcBef>
-              <a:spcAft>
-                <a:spcPts val="0"/>
-              </a:spcAft>
-              <a:buSzPts val="1400"/>
-              <a:buNone/>
-              <a:defRPr b="0" i="0" sz="1800" u="none" cap="none" strike="noStrike">
+            <a:lvl6pPr marR="0" lvl="5" algn="l" rtl="0">
+              <a:spcBef>
+                <a:spcPts val="0"/>
+              </a:spcBef>
+              <a:spcAft>
+                <a:spcPts val="0"/>
+              </a:spcAft>
+              <a:buSzPts val="1400"/>
+              <a:buNone/>
+              <a:defRPr sz="1800" b="0" i="0" u="none" strike="noStrike" cap="none">
                 <a:solidFill>
                   <a:schemeClr val="dk1"/>
                 </a:solidFill>
@@ -10145,16 +10421,16 @@
                 <a:sym typeface="Calibri"/>
               </a:defRPr>
             </a:lvl6pPr>
-            <a:lvl7pPr lvl="6" marR="0" rtl="0" algn="l">
-              <a:spcBef>
-                <a:spcPts val="0"/>
-              </a:spcBef>
-              <a:spcAft>
-                <a:spcPts val="0"/>
-              </a:spcAft>
-              <a:buSzPts val="1400"/>
-              <a:buNone/>
-              <a:defRPr b="0" i="0" sz="1800" u="none" cap="none" strike="noStrike">
+            <a:lvl7pPr marR="0" lvl="6" algn="l" rtl="0">
+              <a:spcBef>
+                <a:spcPts val="0"/>
+              </a:spcBef>
+              <a:spcAft>
+                <a:spcPts val="0"/>
+              </a:spcAft>
+              <a:buSzPts val="1400"/>
+              <a:buNone/>
+              <a:defRPr sz="1800" b="0" i="0" u="none" strike="noStrike" cap="none">
                 <a:solidFill>
                   <a:schemeClr val="dk1"/>
                 </a:solidFill>
@@ -10164,16 +10440,16 @@
                 <a:sym typeface="Calibri"/>
               </a:defRPr>
             </a:lvl7pPr>
-            <a:lvl8pPr lvl="7" marR="0" rtl="0" algn="l">
-              <a:spcBef>
-                <a:spcPts val="0"/>
-              </a:spcBef>
-              <a:spcAft>
-                <a:spcPts val="0"/>
-              </a:spcAft>
-              <a:buSzPts val="1400"/>
-              <a:buNone/>
-              <a:defRPr b="0" i="0" sz="1800" u="none" cap="none" strike="noStrike">
+            <a:lvl8pPr marR="0" lvl="7" algn="l" rtl="0">
+              <a:spcBef>
+                <a:spcPts val="0"/>
+              </a:spcBef>
+              <a:spcAft>
+                <a:spcPts val="0"/>
+              </a:spcAft>
+              <a:buSzPts val="1400"/>
+              <a:buNone/>
+              <a:defRPr sz="1800" b="0" i="0" u="none" strike="noStrike" cap="none">
                 <a:solidFill>
                   <a:schemeClr val="dk1"/>
                 </a:solidFill>
@@ -10183,16 +10459,16 @@
                 <a:sym typeface="Calibri"/>
               </a:defRPr>
             </a:lvl8pPr>
-            <a:lvl9pPr lvl="8" marR="0" rtl="0" algn="l">
-              <a:spcBef>
-                <a:spcPts val="0"/>
-              </a:spcBef>
-              <a:spcAft>
-                <a:spcPts val="0"/>
-              </a:spcAft>
-              <a:buSzPts val="1400"/>
-              <a:buNone/>
-              <a:defRPr b="0" i="0" sz="1800" u="none" cap="none" strike="noStrike">
+            <a:lvl9pPr marR="0" lvl="8" algn="l" rtl="0">
+              <a:spcBef>
+                <a:spcPts val="0"/>
+              </a:spcBef>
+              <a:spcAft>
+                <a:spcPts val="0"/>
+              </a:spcAft>
+              <a:buSzPts val="1400"/>
+              <a:buNone/>
+              <a:defRPr sz="1800" b="0" i="0" u="none" strike="noStrike" cap="none">
                 <a:solidFill>
                   <a:schemeClr val="dk1"/>
                 </a:solidFill>
@@ -10203,15 +10479,19 @@
               </a:defRPr>
             </a:lvl9pPr>
           </a:lstStyle>
-          <a:p/>
+          <a:p>
+            <a:endParaRPr/>
+          </a:p>
         </p:txBody>
       </p:sp>
       <p:sp>
         <p:nvSpPr>
           <p:cNvPr id="9" name="Google Shape;9;p1"/>
-          <p:cNvSpPr txBox="1"/>
+          <p:cNvSpPr txBox="1">
+            <a:spLocks noGrp="1"/>
+          </p:cNvSpPr>
           <p:nvPr>
-            <p:ph idx="11" type="ftr"/>
+            <p:ph type="ftr" idx="11"/>
           </p:nvPr>
         </p:nvSpPr>
         <p:spPr>
@@ -10228,20 +10508,20 @@
           </a:ln>
         </p:spPr>
         <p:txBody>
-          <a:bodyPr anchorCtr="0" anchor="ctr" bIns="45700" lIns="91425" spcFirstLastPara="1" rIns="91425" wrap="square" tIns="45700">
+          <a:bodyPr spcFirstLastPara="1" wrap="square" lIns="91425" tIns="45700" rIns="91425" bIns="45700" anchor="ctr" anchorCtr="0">
             <a:noAutofit/>
           </a:bodyPr>
           <a:lstStyle>
-            <a:lvl1pPr lvl="0" marR="0" rtl="0" algn="ctr">
-              <a:spcBef>
-                <a:spcPts val="0"/>
-              </a:spcBef>
-              <a:spcAft>
-                <a:spcPts val="0"/>
-              </a:spcAft>
-              <a:buSzPts val="1400"/>
-              <a:buNone/>
-              <a:defRPr b="0" i="0" sz="1200" u="none" cap="none" strike="noStrike">
+            <a:lvl1pPr marR="0" lvl="0" algn="ctr" rtl="0">
+              <a:spcBef>
+                <a:spcPts val="0"/>
+              </a:spcBef>
+              <a:spcAft>
+                <a:spcPts val="0"/>
+              </a:spcAft>
+              <a:buSzPts val="1400"/>
+              <a:buNone/>
+              <a:defRPr sz="1200" b="0" i="0" u="none" strike="noStrike" cap="none">
                 <a:solidFill>
                   <a:srgbClr val="888888"/>
                 </a:solidFill>
@@ -10251,16 +10531,16 @@
                 <a:sym typeface="Calibri"/>
               </a:defRPr>
             </a:lvl1pPr>
-            <a:lvl2pPr lvl="1" marR="0" rtl="0" algn="l">
-              <a:spcBef>
-                <a:spcPts val="0"/>
-              </a:spcBef>
-              <a:spcAft>
-                <a:spcPts val="0"/>
-              </a:spcAft>
-              <a:buSzPts val="1400"/>
-              <a:buNone/>
-              <a:defRPr b="0" i="0" sz="1800" u="none" cap="none" strike="noStrike">
+            <a:lvl2pPr marR="0" lvl="1" algn="l" rtl="0">
+              <a:spcBef>
+                <a:spcPts val="0"/>
+              </a:spcBef>
+              <a:spcAft>
+                <a:spcPts val="0"/>
+              </a:spcAft>
+              <a:buSzPts val="1400"/>
+              <a:buNone/>
+              <a:defRPr sz="1800" b="0" i="0" u="none" strike="noStrike" cap="none">
                 <a:solidFill>
                   <a:schemeClr val="dk1"/>
                 </a:solidFill>
@@ -10270,16 +10550,16 @@
                 <a:sym typeface="Calibri"/>
               </a:defRPr>
             </a:lvl2pPr>
-            <a:lvl3pPr lvl="2" marR="0" rtl="0" algn="l">
-              <a:spcBef>
-                <a:spcPts val="0"/>
-              </a:spcBef>
-              <a:spcAft>
-                <a:spcPts val="0"/>
-              </a:spcAft>
-              <a:buSzPts val="1400"/>
-              <a:buNone/>
-              <a:defRPr b="0" i="0" sz="1800" u="none" cap="none" strike="noStrike">
+            <a:lvl3pPr marR="0" lvl="2" algn="l" rtl="0">
+              <a:spcBef>
+                <a:spcPts val="0"/>
+              </a:spcBef>
+              <a:spcAft>
+                <a:spcPts val="0"/>
+              </a:spcAft>
+              <a:buSzPts val="1400"/>
+              <a:buNone/>
+              <a:defRPr sz="1800" b="0" i="0" u="none" strike="noStrike" cap="none">
                 <a:solidFill>
                   <a:schemeClr val="dk1"/>
                 </a:solidFill>
@@ -10289,16 +10569,16 @@
                 <a:sym typeface="Calibri"/>
               </a:defRPr>
             </a:lvl3pPr>
-            <a:lvl4pPr lvl="3" marR="0" rtl="0" algn="l">
-              <a:spcBef>
-                <a:spcPts val="0"/>
-              </a:spcBef>
-              <a:spcAft>
-                <a:spcPts val="0"/>
-              </a:spcAft>
-              <a:buSzPts val="1400"/>
-              <a:buNone/>
-              <a:defRPr b="0" i="0" sz="1800" u="none" cap="none" strike="noStrike">
+            <a:lvl4pPr marR="0" lvl="3" algn="l" rtl="0">
+              <a:spcBef>
+                <a:spcPts val="0"/>
+              </a:spcBef>
+              <a:spcAft>
+                <a:spcPts val="0"/>
+              </a:spcAft>
+              <a:buSzPts val="1400"/>
+              <a:buNone/>
+              <a:defRPr sz="1800" b="0" i="0" u="none" strike="noStrike" cap="none">
                 <a:solidFill>
                   <a:schemeClr val="dk1"/>
                 </a:solidFill>
@@ -10308,16 +10588,16 @@
                 <a:sym typeface="Calibri"/>
               </a:defRPr>
             </a:lvl4pPr>
-            <a:lvl5pPr lvl="4" marR="0" rtl="0" algn="l">
-              <a:spcBef>
-                <a:spcPts val="0"/>
-              </a:spcBef>
-              <a:spcAft>
-                <a:spcPts val="0"/>
-              </a:spcAft>
-              <a:buSzPts val="1400"/>
-              <a:buNone/>
-              <a:defRPr b="0" i="0" sz="1800" u="none" cap="none" strike="noStrike">
+            <a:lvl5pPr marR="0" lvl="4" algn="l" rtl="0">
+              <a:spcBef>
+                <a:spcPts val="0"/>
+              </a:spcBef>
+              <a:spcAft>
+                <a:spcPts val="0"/>
+              </a:spcAft>
+              <a:buSzPts val="1400"/>
+              <a:buNone/>
+              <a:defRPr sz="1800" b="0" i="0" u="none" strike="noStrike" cap="none">
                 <a:solidFill>
                   <a:schemeClr val="dk1"/>
                 </a:solidFill>
@@ -10327,16 +10607,16 @@
                 <a:sym typeface="Calibri"/>
               </a:defRPr>
             </a:lvl5pPr>
-            <a:lvl6pPr lvl="5" marR="0" rtl="0" algn="l">
-              <a:spcBef>
-                <a:spcPts val="0"/>
-              </a:spcBef>
-              <a:spcAft>
-                <a:spcPts val="0"/>
-              </a:spcAft>
-              <a:buSzPts val="1400"/>
-              <a:buNone/>
-              <a:defRPr b="0" i="0" sz="1800" u="none" cap="none" strike="noStrike">
+            <a:lvl6pPr marR="0" lvl="5" algn="l" rtl="0">
+              <a:spcBef>
+                <a:spcPts val="0"/>
+              </a:spcBef>
+              <a:spcAft>
+                <a:spcPts val="0"/>
+              </a:spcAft>
+              <a:buSzPts val="1400"/>
+              <a:buNone/>
+              <a:defRPr sz="1800" b="0" i="0" u="none" strike="noStrike" cap="none">
                 <a:solidFill>
                   <a:schemeClr val="dk1"/>
                 </a:solidFill>
@@ -10346,16 +10626,16 @@
                 <a:sym typeface="Calibri"/>
               </a:defRPr>
             </a:lvl6pPr>
-            <a:lvl7pPr lvl="6" marR="0" rtl="0" algn="l">
-              <a:spcBef>
-                <a:spcPts val="0"/>
-              </a:spcBef>
-              <a:spcAft>
-                <a:spcPts val="0"/>
-              </a:spcAft>
-              <a:buSzPts val="1400"/>
-              <a:buNone/>
-              <a:defRPr b="0" i="0" sz="1800" u="none" cap="none" strike="noStrike">
+            <a:lvl7pPr marR="0" lvl="6" algn="l" rtl="0">
+              <a:spcBef>
+                <a:spcPts val="0"/>
+              </a:spcBef>
+              <a:spcAft>
+                <a:spcPts val="0"/>
+              </a:spcAft>
+              <a:buSzPts val="1400"/>
+              <a:buNone/>
+              <a:defRPr sz="1800" b="0" i="0" u="none" strike="noStrike" cap="none">
                 <a:solidFill>
                   <a:schemeClr val="dk1"/>
                 </a:solidFill>
@@ -10365,16 +10645,16 @@
                 <a:sym typeface="Calibri"/>
               </a:defRPr>
             </a:lvl7pPr>
-            <a:lvl8pPr lvl="7" marR="0" rtl="0" algn="l">
-              <a:spcBef>
-                <a:spcPts val="0"/>
-              </a:spcBef>
-              <a:spcAft>
-                <a:spcPts val="0"/>
-              </a:spcAft>
-              <a:buSzPts val="1400"/>
-              <a:buNone/>
-              <a:defRPr b="0" i="0" sz="1800" u="none" cap="none" strike="noStrike">
+            <a:lvl8pPr marR="0" lvl="7" algn="l" rtl="0">
+              <a:spcBef>
+                <a:spcPts val="0"/>
+              </a:spcBef>
+              <a:spcAft>
+                <a:spcPts val="0"/>
+              </a:spcAft>
+              <a:buSzPts val="1400"/>
+              <a:buNone/>
+              <a:defRPr sz="1800" b="0" i="0" u="none" strike="noStrike" cap="none">
                 <a:solidFill>
                   <a:schemeClr val="dk1"/>
                 </a:solidFill>
@@ -10384,16 +10664,16 @@
                 <a:sym typeface="Calibri"/>
               </a:defRPr>
             </a:lvl8pPr>
-            <a:lvl9pPr lvl="8" marR="0" rtl="0" algn="l">
-              <a:spcBef>
-                <a:spcPts val="0"/>
-              </a:spcBef>
-              <a:spcAft>
-                <a:spcPts val="0"/>
-              </a:spcAft>
-              <a:buSzPts val="1400"/>
-              <a:buNone/>
-              <a:defRPr b="0" i="0" sz="1800" u="none" cap="none" strike="noStrike">
+            <a:lvl9pPr marR="0" lvl="8" algn="l" rtl="0">
+              <a:spcBef>
+                <a:spcPts val="0"/>
+              </a:spcBef>
+              <a:spcAft>
+                <a:spcPts val="0"/>
+              </a:spcAft>
+              <a:buSzPts val="1400"/>
+              <a:buNone/>
+              <a:defRPr sz="1800" b="0" i="0" u="none" strike="noStrike" cap="none">
                 <a:solidFill>
                   <a:schemeClr val="dk1"/>
                 </a:solidFill>
@@ -10404,15 +10684,19 @@
               </a:defRPr>
             </a:lvl9pPr>
           </a:lstStyle>
-          <a:p/>
+          <a:p>
+            <a:endParaRPr/>
+          </a:p>
         </p:txBody>
       </p:sp>
       <p:sp>
         <p:nvSpPr>
           <p:cNvPr id="10" name="Google Shape;10;p1"/>
-          <p:cNvSpPr txBox="1"/>
+          <p:cNvSpPr txBox="1">
+            <a:spLocks noGrp="1"/>
+          </p:cNvSpPr>
           <p:nvPr>
-            <p:ph idx="12" type="sldNum"/>
+            <p:ph type="sldNum" idx="12"/>
           </p:nvPr>
         </p:nvSpPr>
         <p:spPr>
@@ -10429,16 +10713,16 @@
           </a:ln>
         </p:spPr>
         <p:txBody>
-          <a:bodyPr anchorCtr="0" anchor="ctr" bIns="45700" lIns="91425" spcFirstLastPara="1" rIns="91425" wrap="square" tIns="45700">
+          <a:bodyPr spcFirstLastPara="1" wrap="square" lIns="91425" tIns="45700" rIns="91425" bIns="45700" anchor="ctr" anchorCtr="0">
             <a:noAutofit/>
           </a:bodyPr>
           <a:lstStyle>
-            <a:lvl1pPr indent="0" lvl="0" marL="0" marR="0" rtl="0" algn="r">
-              <a:spcBef>
-                <a:spcPts val="0"/>
-              </a:spcBef>
-              <a:buNone/>
-              <a:defRPr b="0" i="0" sz="1200" u="none" cap="none" strike="noStrike">
+            <a:lvl1pPr marL="0" marR="0" lvl="0" indent="0" algn="r" rtl="0">
+              <a:spcBef>
+                <a:spcPts val="0"/>
+              </a:spcBef>
+              <a:buNone/>
+              <a:defRPr sz="1200" b="0" i="0" u="none" strike="noStrike" cap="none">
                 <a:solidFill>
                   <a:srgbClr val="888888"/>
                 </a:solidFill>
@@ -10448,12 +10732,12 @@
                 <a:sym typeface="Calibri"/>
               </a:defRPr>
             </a:lvl1pPr>
-            <a:lvl2pPr indent="0" lvl="1" marL="0" marR="0" rtl="0" algn="r">
-              <a:spcBef>
-                <a:spcPts val="0"/>
-              </a:spcBef>
-              <a:buNone/>
-              <a:defRPr b="0" i="0" sz="1200" u="none" cap="none" strike="noStrike">
+            <a:lvl2pPr marL="0" marR="0" lvl="1" indent="0" algn="r" rtl="0">
+              <a:spcBef>
+                <a:spcPts val="0"/>
+              </a:spcBef>
+              <a:buNone/>
+              <a:defRPr sz="1200" b="0" i="0" u="none" strike="noStrike" cap="none">
                 <a:solidFill>
                   <a:srgbClr val="888888"/>
                 </a:solidFill>
@@ -10463,12 +10747,12 @@
                 <a:sym typeface="Calibri"/>
               </a:defRPr>
             </a:lvl2pPr>
-            <a:lvl3pPr indent="0" lvl="2" marL="0" marR="0" rtl="0" algn="r">
-              <a:spcBef>
-                <a:spcPts val="0"/>
-              </a:spcBef>
-              <a:buNone/>
-              <a:defRPr b="0" i="0" sz="1200" u="none" cap="none" strike="noStrike">
+            <a:lvl3pPr marL="0" marR="0" lvl="2" indent="0" algn="r" rtl="0">
+              <a:spcBef>
+                <a:spcPts val="0"/>
+              </a:spcBef>
+              <a:buNone/>
+              <a:defRPr sz="1200" b="0" i="0" u="none" strike="noStrike" cap="none">
                 <a:solidFill>
                   <a:srgbClr val="888888"/>
                 </a:solidFill>
@@ -10478,12 +10762,12 @@
                 <a:sym typeface="Calibri"/>
               </a:defRPr>
             </a:lvl3pPr>
-            <a:lvl4pPr indent="0" lvl="3" marL="0" marR="0" rtl="0" algn="r">
-              <a:spcBef>
-                <a:spcPts val="0"/>
-              </a:spcBef>
-              <a:buNone/>
-              <a:defRPr b="0" i="0" sz="1200" u="none" cap="none" strike="noStrike">
+            <a:lvl4pPr marL="0" marR="0" lvl="3" indent="0" algn="r" rtl="0">
+              <a:spcBef>
+                <a:spcPts val="0"/>
+              </a:spcBef>
+              <a:buNone/>
+              <a:defRPr sz="1200" b="0" i="0" u="none" strike="noStrike" cap="none">
                 <a:solidFill>
                   <a:srgbClr val="888888"/>
                 </a:solidFill>
@@ -10493,12 +10777,12 @@
                 <a:sym typeface="Calibri"/>
               </a:defRPr>
             </a:lvl4pPr>
-            <a:lvl5pPr indent="0" lvl="4" marL="0" marR="0" rtl="0" algn="r">
-              <a:spcBef>
-                <a:spcPts val="0"/>
-              </a:spcBef>
-              <a:buNone/>
-              <a:defRPr b="0" i="0" sz="1200" u="none" cap="none" strike="noStrike">
+            <a:lvl5pPr marL="0" marR="0" lvl="4" indent="0" algn="r" rtl="0">
+              <a:spcBef>
+                <a:spcPts val="0"/>
+              </a:spcBef>
+              <a:buNone/>
+              <a:defRPr sz="1200" b="0" i="0" u="none" strike="noStrike" cap="none">
                 <a:solidFill>
                   <a:srgbClr val="888888"/>
                 </a:solidFill>
@@ -10508,12 +10792,12 @@
                 <a:sym typeface="Calibri"/>
               </a:defRPr>
             </a:lvl5pPr>
-            <a:lvl6pPr indent="0" lvl="5" marL="0" marR="0" rtl="0" algn="r">
-              <a:spcBef>
-                <a:spcPts val="0"/>
-              </a:spcBef>
-              <a:buNone/>
-              <a:defRPr b="0" i="0" sz="1200" u="none" cap="none" strike="noStrike">
+            <a:lvl6pPr marL="0" marR="0" lvl="5" indent="0" algn="r" rtl="0">
+              <a:spcBef>
+                <a:spcPts val="0"/>
+              </a:spcBef>
+              <a:buNone/>
+              <a:defRPr sz="1200" b="0" i="0" u="none" strike="noStrike" cap="none">
                 <a:solidFill>
                   <a:srgbClr val="888888"/>
                 </a:solidFill>
@@ -10523,12 +10807,12 @@
                 <a:sym typeface="Calibri"/>
               </a:defRPr>
             </a:lvl6pPr>
-            <a:lvl7pPr indent="0" lvl="6" marL="0" marR="0" rtl="0" algn="r">
-              <a:spcBef>
-                <a:spcPts val="0"/>
-              </a:spcBef>
-              <a:buNone/>
-              <a:defRPr b="0" i="0" sz="1200" u="none" cap="none" strike="noStrike">
+            <a:lvl7pPr marL="0" marR="0" lvl="6" indent="0" algn="r" rtl="0">
+              <a:spcBef>
+                <a:spcPts val="0"/>
+              </a:spcBef>
+              <a:buNone/>
+              <a:defRPr sz="1200" b="0" i="0" u="none" strike="noStrike" cap="none">
                 <a:solidFill>
                   <a:srgbClr val="888888"/>
                 </a:solidFill>
@@ -10538,12 +10822,12 @@
                 <a:sym typeface="Calibri"/>
               </a:defRPr>
             </a:lvl7pPr>
-            <a:lvl8pPr indent="0" lvl="7" marL="0" marR="0" rtl="0" algn="r">
-              <a:spcBef>
-                <a:spcPts val="0"/>
-              </a:spcBef>
-              <a:buNone/>
-              <a:defRPr b="0" i="0" sz="1200" u="none" cap="none" strike="noStrike">
+            <a:lvl8pPr marL="0" marR="0" lvl="7" indent="0" algn="r" rtl="0">
+              <a:spcBef>
+                <a:spcPts val="0"/>
+              </a:spcBef>
+              <a:buNone/>
+              <a:defRPr sz="1200" b="0" i="0" u="none" strike="noStrike" cap="none">
                 <a:solidFill>
                   <a:srgbClr val="888888"/>
                 </a:solidFill>
@@ -10553,12 +10837,12 @@
                 <a:sym typeface="Calibri"/>
               </a:defRPr>
             </a:lvl8pPr>
-            <a:lvl9pPr indent="0" lvl="8" marL="0" marR="0" rtl="0" algn="r">
-              <a:spcBef>
-                <a:spcPts val="0"/>
-              </a:spcBef>
-              <a:buNone/>
-              <a:defRPr b="0" i="0" sz="1200" u="none" cap="none" strike="noStrike">
+            <a:lvl9pPr marL="0" marR="0" lvl="8" indent="0" algn="r" rtl="0">
+              <a:spcBef>
+                <a:spcPts val="0"/>
+              </a:spcBef>
+              <a:buNone/>
+              <a:defRPr sz="1200" b="0" i="0" u="none" strike="noStrike" cap="none">
                 <a:solidFill>
                   <a:srgbClr val="888888"/>
                 </a:solidFill>
@@ -10570,7 +10854,7 @@
             </a:lvl9pPr>
           </a:lstStyle>
           <a:p>
-            <a:pPr indent="0" lvl="0" marL="0" rtl="0" algn="r">
+            <a:pPr marL="0" lvl="0" indent="0" algn="r" rtl="0">
               <a:spcBef>
                 <a:spcPts val="0"/>
               </a:spcBef>
@@ -10589,7 +10873,7 @@
       </p:sp>
     </p:spTree>
   </p:cSld>
-  <p:clrMap accent1="accent1" accent2="accent2" accent3="accent3" accent4="accent4" accent5="accent5" accent6="accent6" bg1="lt1" bg2="dk2" tx1="dk1" tx2="lt2" folHlink="folHlink" hlink="hlink"/>
+  <p:clrMap bg1="lt1" tx1="dk1" bg2="dk2" tx2="lt2" accent1="accent1" accent2="accent2" accent3="accent3" accent4="accent4" accent5="accent5" accent6="accent6" hlink="hlink" folHlink="folHlink"/>
   <p:sldLayoutIdLst>
     <p:sldLayoutId id="2147483648" r:id="rId1"/>
     <p:sldLayoutId id="2147483649" r:id="rId2"/>
@@ -10603,10 +10887,10 @@
     <p:sldLayoutId id="2147483657" r:id="rId10"/>
     <p:sldLayoutId id="2147483658" r:id="rId11"/>
   </p:sldLayoutIdLst>
-  <p:hf dt="0" ftr="0" hdr="0" sldNum="0"/>
+  <p:hf sldNum="0" hdr="0" ftr="0" dt="0"/>
   <p:txStyles>
     <p:titleStyle>
-      <a:defPPr lvl="0" marR="0" rtl="0" algn="l">
+      <a:defPPr marR="0" lvl="0" algn="l" rtl="0">
         <a:lnSpc>
           <a:spcPct val="100000"/>
         </a:lnSpc>
@@ -10617,7 +10901,7 @@
           <a:spcPts val="0"/>
         </a:spcAft>
       </a:defPPr>
-      <a:lvl1pPr lvl="0" marR="0" rtl="0" algn="l">
+      <a:lvl1pPr marR="0" lvl="0" algn="l" rtl="0">
         <a:lnSpc>
           <a:spcPct val="100000"/>
         </a:lnSpc>
@@ -10631,7 +10915,7 @@
           <a:srgbClr val="000000"/>
         </a:buClr>
         <a:buFont typeface="Arial"/>
-        <a:defRPr b="0" i="0" sz="1400" u="none" cap="none" strike="noStrike">
+        <a:defRPr sz="1400" b="0" i="0" u="none" strike="noStrike" cap="none">
           <a:solidFill>
             <a:srgbClr val="000000"/>
           </a:solidFill>
@@ -10641,7 +10925,7 @@
           <a:sym typeface="Arial"/>
         </a:defRPr>
       </a:lvl1pPr>
-      <a:lvl2pPr lvl="1" marR="0" rtl="0" algn="l">
+      <a:lvl2pPr marR="0" lvl="1" algn="l" rtl="0">
         <a:lnSpc>
           <a:spcPct val="100000"/>
         </a:lnSpc>
@@ -10655,7 +10939,7 @@
           <a:srgbClr val="000000"/>
         </a:buClr>
         <a:buFont typeface="Arial"/>
-        <a:defRPr b="0" i="0" sz="1400" u="none" cap="none" strike="noStrike">
+        <a:defRPr sz="1400" b="0" i="0" u="none" strike="noStrike" cap="none">
           <a:solidFill>
             <a:srgbClr val="000000"/>
           </a:solidFill>
@@ -10665,7 +10949,7 @@
           <a:sym typeface="Arial"/>
         </a:defRPr>
       </a:lvl2pPr>
-      <a:lvl3pPr lvl="2" marR="0" rtl="0" algn="l">
+      <a:lvl3pPr marR="0" lvl="2" algn="l" rtl="0">
         <a:lnSpc>
           <a:spcPct val="100000"/>
         </a:lnSpc>
@@ -10679,7 +10963,7 @@
           <a:srgbClr val="000000"/>
         </a:buClr>
         <a:buFont typeface="Arial"/>
-        <a:defRPr b="0" i="0" sz="1400" u="none" cap="none" strike="noStrike">
+        <a:defRPr sz="1400" b="0" i="0" u="none" strike="noStrike" cap="none">
           <a:solidFill>
             <a:srgbClr val="000000"/>
           </a:solidFill>
@@ -10689,7 +10973,7 @@
           <a:sym typeface="Arial"/>
         </a:defRPr>
       </a:lvl3pPr>
-      <a:lvl4pPr lvl="3" marR="0" rtl="0" algn="l">
+      <a:lvl4pPr marR="0" lvl="3" algn="l" rtl="0">
         <a:lnSpc>
           <a:spcPct val="100000"/>
         </a:lnSpc>
@@ -10703,7 +10987,7 @@
           <a:srgbClr val="000000"/>
         </a:buClr>
         <a:buFont typeface="Arial"/>
-        <a:defRPr b="0" i="0" sz="1400" u="none" cap="none" strike="noStrike">
+        <a:defRPr sz="1400" b="0" i="0" u="none" strike="noStrike" cap="none">
           <a:solidFill>
             <a:srgbClr val="000000"/>
           </a:solidFill>
@@ -10713,7 +10997,7 @@
           <a:sym typeface="Arial"/>
         </a:defRPr>
       </a:lvl4pPr>
-      <a:lvl5pPr lvl="4" marR="0" rtl="0" algn="l">
+      <a:lvl5pPr marR="0" lvl="4" algn="l" rtl="0">
         <a:lnSpc>
           <a:spcPct val="100000"/>
         </a:lnSpc>
@@ -10727,7 +11011,7 @@
           <a:srgbClr val="000000"/>
         </a:buClr>
         <a:buFont typeface="Arial"/>
-        <a:defRPr b="0" i="0" sz="1400" u="none" cap="none" strike="noStrike">
+        <a:defRPr sz="1400" b="0" i="0" u="none" strike="noStrike" cap="none">
           <a:solidFill>
             <a:srgbClr val="000000"/>
           </a:solidFill>
@@ -10737,7 +11021,7 @@
           <a:sym typeface="Arial"/>
         </a:defRPr>
       </a:lvl5pPr>
-      <a:lvl6pPr lvl="5" marR="0" rtl="0" algn="l">
+      <a:lvl6pPr marR="0" lvl="5" algn="l" rtl="0">
         <a:lnSpc>
           <a:spcPct val="100000"/>
         </a:lnSpc>
@@ -10751,7 +11035,7 @@
           <a:srgbClr val="000000"/>
         </a:buClr>
         <a:buFont typeface="Arial"/>
-        <a:defRPr b="0" i="0" sz="1400" u="none" cap="none" strike="noStrike">
+        <a:defRPr sz="1400" b="0" i="0" u="none" strike="noStrike" cap="none">
           <a:solidFill>
             <a:srgbClr val="000000"/>
           </a:solidFill>
@@ -10761,7 +11045,7 @@
           <a:sym typeface="Arial"/>
         </a:defRPr>
       </a:lvl6pPr>
-      <a:lvl7pPr lvl="6" marR="0" rtl="0" algn="l">
+      <a:lvl7pPr marR="0" lvl="6" algn="l" rtl="0">
         <a:lnSpc>
           <a:spcPct val="100000"/>
         </a:lnSpc>
@@ -10775,7 +11059,7 @@
           <a:srgbClr val="000000"/>
         </a:buClr>
         <a:buFont typeface="Arial"/>
-        <a:defRPr b="0" i="0" sz="1400" u="none" cap="none" strike="noStrike">
+        <a:defRPr sz="1400" b="0" i="0" u="none" strike="noStrike" cap="none">
           <a:solidFill>
             <a:srgbClr val="000000"/>
           </a:solidFill>
@@ -10785,7 +11069,7 @@
           <a:sym typeface="Arial"/>
         </a:defRPr>
       </a:lvl7pPr>
-      <a:lvl8pPr lvl="7" marR="0" rtl="0" algn="l">
+      <a:lvl8pPr marR="0" lvl="7" algn="l" rtl="0">
         <a:lnSpc>
           <a:spcPct val="100000"/>
         </a:lnSpc>
@@ -10799,7 +11083,7 @@
           <a:srgbClr val="000000"/>
         </a:buClr>
         <a:buFont typeface="Arial"/>
-        <a:defRPr b="0" i="0" sz="1400" u="none" cap="none" strike="noStrike">
+        <a:defRPr sz="1400" b="0" i="0" u="none" strike="noStrike" cap="none">
           <a:solidFill>
             <a:srgbClr val="000000"/>
           </a:solidFill>
@@ -10809,7 +11093,7 @@
           <a:sym typeface="Arial"/>
         </a:defRPr>
       </a:lvl8pPr>
-      <a:lvl9pPr lvl="8" marR="0" rtl="0" algn="l">
+      <a:lvl9pPr marR="0" lvl="8" algn="l" rtl="0">
         <a:lnSpc>
           <a:spcPct val="100000"/>
         </a:lnSpc>
@@ -10823,7 +11107,7 @@
           <a:srgbClr val="000000"/>
         </a:buClr>
         <a:buFont typeface="Arial"/>
-        <a:defRPr b="0" i="0" sz="1400" u="none" cap="none" strike="noStrike">
+        <a:defRPr sz="1400" b="0" i="0" u="none" strike="noStrike" cap="none">
           <a:solidFill>
             <a:srgbClr val="000000"/>
           </a:solidFill>
@@ -10835,7 +11119,7 @@
       </a:lvl9pPr>
     </p:titleStyle>
     <p:bodyStyle>
-      <a:defPPr lvl="0" marR="0" rtl="0" algn="l">
+      <a:defPPr marR="0" lvl="0" algn="l" rtl="0">
         <a:lnSpc>
           <a:spcPct val="100000"/>
         </a:lnSpc>
@@ -10846,7 +11130,7 @@
           <a:spcPts val="0"/>
         </a:spcAft>
       </a:defPPr>
-      <a:lvl1pPr lvl="0" marR="0" rtl="0" algn="l">
+      <a:lvl1pPr marR="0" lvl="0" algn="l" rtl="0">
         <a:lnSpc>
           <a:spcPct val="100000"/>
         </a:lnSpc>
@@ -10860,7 +11144,7 @@
           <a:srgbClr val="000000"/>
         </a:buClr>
         <a:buFont typeface="Arial"/>
-        <a:defRPr b="0" i="0" sz="1400" u="none" cap="none" strike="noStrike">
+        <a:defRPr sz="1400" b="0" i="0" u="none" strike="noStrike" cap="none">
           <a:solidFill>
             <a:srgbClr val="000000"/>
           </a:solidFill>
@@ -10870,7 +11154,7 @@
           <a:sym typeface="Arial"/>
         </a:defRPr>
       </a:lvl1pPr>
-      <a:lvl2pPr lvl="1" marR="0" rtl="0" algn="l">
+      <a:lvl2pPr marR="0" lvl="1" algn="l" rtl="0">
         <a:lnSpc>
           <a:spcPct val="100000"/>
         </a:lnSpc>
@@ -10884,7 +11168,7 @@
           <a:srgbClr val="000000"/>
         </a:buClr>
         <a:buFont typeface="Arial"/>
-        <a:defRPr b="0" i="0" sz="1400" u="none" cap="none" strike="noStrike">
+        <a:defRPr sz="1400" b="0" i="0" u="none" strike="noStrike" cap="none">
           <a:solidFill>
             <a:srgbClr val="000000"/>
           </a:solidFill>
@@ -10894,7 +11178,7 @@
           <a:sym typeface="Arial"/>
         </a:defRPr>
       </a:lvl2pPr>
-      <a:lvl3pPr lvl="2" marR="0" rtl="0" algn="l">
+      <a:lvl3pPr marR="0" lvl="2" algn="l" rtl="0">
         <a:lnSpc>
           <a:spcPct val="100000"/>
         </a:lnSpc>
@@ -10908,7 +11192,7 @@
           <a:srgbClr val="000000"/>
         </a:buClr>
         <a:buFont typeface="Arial"/>
-        <a:defRPr b="0" i="0" sz="1400" u="none" cap="none" strike="noStrike">
+        <a:defRPr sz="1400" b="0" i="0" u="none" strike="noStrike" cap="none">
           <a:solidFill>
             <a:srgbClr val="000000"/>
           </a:solidFill>
@@ -10918,7 +11202,7 @@
           <a:sym typeface="Arial"/>
         </a:defRPr>
       </a:lvl3pPr>
-      <a:lvl4pPr lvl="3" marR="0" rtl="0" algn="l">
+      <a:lvl4pPr marR="0" lvl="3" algn="l" rtl="0">
         <a:lnSpc>
           <a:spcPct val="100000"/>
         </a:lnSpc>
@@ -10932,7 +11216,7 @@
           <a:srgbClr val="000000"/>
         </a:buClr>
         <a:buFont typeface="Arial"/>
-        <a:defRPr b="0" i="0" sz="1400" u="none" cap="none" strike="noStrike">
+        <a:defRPr sz="1400" b="0" i="0" u="none" strike="noStrike" cap="none">
           <a:solidFill>
             <a:srgbClr val="000000"/>
           </a:solidFill>
@@ -10942,7 +11226,7 @@
           <a:sym typeface="Arial"/>
         </a:defRPr>
       </a:lvl4pPr>
-      <a:lvl5pPr lvl="4" marR="0" rtl="0" algn="l">
+      <a:lvl5pPr marR="0" lvl="4" algn="l" rtl="0">
         <a:lnSpc>
           <a:spcPct val="100000"/>
         </a:lnSpc>
@@ -10956,7 +11240,7 @@
           <a:srgbClr val="000000"/>
         </a:buClr>
         <a:buFont typeface="Arial"/>
-        <a:defRPr b="0" i="0" sz="1400" u="none" cap="none" strike="noStrike">
+        <a:defRPr sz="1400" b="0" i="0" u="none" strike="noStrike" cap="none">
           <a:solidFill>
             <a:srgbClr val="000000"/>
           </a:solidFill>
@@ -10966,7 +11250,7 @@
           <a:sym typeface="Arial"/>
         </a:defRPr>
       </a:lvl5pPr>
-      <a:lvl6pPr lvl="5" marR="0" rtl="0" algn="l">
+      <a:lvl6pPr marR="0" lvl="5" algn="l" rtl="0">
         <a:lnSpc>
           <a:spcPct val="100000"/>
         </a:lnSpc>
@@ -10980,7 +11264,7 @@
           <a:srgbClr val="000000"/>
         </a:buClr>
         <a:buFont typeface="Arial"/>
-        <a:defRPr b="0" i="0" sz="1400" u="none" cap="none" strike="noStrike">
+        <a:defRPr sz="1400" b="0" i="0" u="none" strike="noStrike" cap="none">
           <a:solidFill>
             <a:srgbClr val="000000"/>
           </a:solidFill>
@@ -10990,7 +11274,7 @@
           <a:sym typeface="Arial"/>
         </a:defRPr>
       </a:lvl6pPr>
-      <a:lvl7pPr lvl="6" marR="0" rtl="0" algn="l">
+      <a:lvl7pPr marR="0" lvl="6" algn="l" rtl="0">
         <a:lnSpc>
           <a:spcPct val="100000"/>
         </a:lnSpc>
@@ -11004,7 +11288,7 @@
           <a:srgbClr val="000000"/>
         </a:buClr>
         <a:buFont typeface="Arial"/>
-        <a:defRPr b="0" i="0" sz="1400" u="none" cap="none" strike="noStrike">
+        <a:defRPr sz="1400" b="0" i="0" u="none" strike="noStrike" cap="none">
           <a:solidFill>
             <a:srgbClr val="000000"/>
           </a:solidFill>
@@ -11014,7 +11298,7 @@
           <a:sym typeface="Arial"/>
         </a:defRPr>
       </a:lvl7pPr>
-      <a:lvl8pPr lvl="7" marR="0" rtl="0" algn="l">
+      <a:lvl8pPr marR="0" lvl="7" algn="l" rtl="0">
         <a:lnSpc>
           <a:spcPct val="100000"/>
         </a:lnSpc>
@@ -11028,7 +11312,7 @@
           <a:srgbClr val="000000"/>
         </a:buClr>
         <a:buFont typeface="Arial"/>
-        <a:defRPr b="0" i="0" sz="1400" u="none" cap="none" strike="noStrike">
+        <a:defRPr sz="1400" b="0" i="0" u="none" strike="noStrike" cap="none">
           <a:solidFill>
             <a:srgbClr val="000000"/>
           </a:solidFill>
@@ -11038,7 +11322,7 @@
           <a:sym typeface="Arial"/>
         </a:defRPr>
       </a:lvl8pPr>
-      <a:lvl9pPr lvl="8" marR="0" rtl="0" algn="l">
+      <a:lvl9pPr marR="0" lvl="8" algn="l" rtl="0">
         <a:lnSpc>
           <a:spcPct val="100000"/>
         </a:lnSpc>
@@ -11052,7 +11336,7 @@
           <a:srgbClr val="000000"/>
         </a:buClr>
         <a:buFont typeface="Arial"/>
-        <a:defRPr b="0" i="0" sz="1400" u="none" cap="none" strike="noStrike">
+        <a:defRPr sz="1400" b="0" i="0" u="none" strike="noStrike" cap="none">
           <a:solidFill>
             <a:srgbClr val="000000"/>
           </a:solidFill>
@@ -11064,7 +11348,7 @@
       </a:lvl9pPr>
     </p:bodyStyle>
     <p:otherStyle>
-      <a:defPPr lvl="0" marR="0" rtl="0" algn="l">
+      <a:defPPr marR="0" lvl="0" algn="l" rtl="0">
         <a:lnSpc>
           <a:spcPct val="100000"/>
         </a:lnSpc>
@@ -11075,7 +11359,7 @@
           <a:spcPts val="0"/>
         </a:spcAft>
       </a:defPPr>
-      <a:lvl1pPr lvl="0" marR="0" rtl="0" algn="l">
+      <a:lvl1pPr marR="0" lvl="0" algn="l" rtl="0">
         <a:lnSpc>
           <a:spcPct val="100000"/>
         </a:lnSpc>
@@ -11089,7 +11373,7 @@
           <a:srgbClr val="000000"/>
         </a:buClr>
         <a:buFont typeface="Arial"/>
-        <a:defRPr b="0" i="0" sz="1400" u="none" cap="none" strike="noStrike">
+        <a:defRPr sz="1400" b="0" i="0" u="none" strike="noStrike" cap="none">
           <a:solidFill>
             <a:srgbClr val="000000"/>
           </a:solidFill>
@@ -11099,7 +11383,7 @@
           <a:sym typeface="Arial"/>
         </a:defRPr>
       </a:lvl1pPr>
-      <a:lvl2pPr lvl="1" marR="0" rtl="0" algn="l">
+      <a:lvl2pPr marR="0" lvl="1" algn="l" rtl="0">
         <a:lnSpc>
           <a:spcPct val="100000"/>
         </a:lnSpc>
@@ -11113,7 +11397,7 @@
           <a:srgbClr val="000000"/>
         </a:buClr>
         <a:buFont typeface="Arial"/>
-        <a:defRPr b="0" i="0" sz="1400" u="none" cap="none" strike="noStrike">
+        <a:defRPr sz="1400" b="0" i="0" u="none" strike="noStrike" cap="none">
           <a:solidFill>
             <a:srgbClr val="000000"/>
           </a:solidFill>
@@ -11123,7 +11407,7 @@
           <a:sym typeface="Arial"/>
         </a:defRPr>
       </a:lvl2pPr>
-      <a:lvl3pPr lvl="2" marR="0" rtl="0" algn="l">
+      <a:lvl3pPr marR="0" lvl="2" algn="l" rtl="0">
         <a:lnSpc>
           <a:spcPct val="100000"/>
         </a:lnSpc>
@@ -11137,7 +11421,7 @@
           <a:srgbClr val="000000"/>
         </a:buClr>
         <a:buFont typeface="Arial"/>
-        <a:defRPr b="0" i="0" sz="1400" u="none" cap="none" strike="noStrike">
+        <a:defRPr sz="1400" b="0" i="0" u="none" strike="noStrike" cap="none">
           <a:solidFill>
             <a:srgbClr val="000000"/>
           </a:solidFill>
@@ -11147,7 +11431,7 @@
           <a:sym typeface="Arial"/>
         </a:defRPr>
       </a:lvl3pPr>
-      <a:lvl4pPr lvl="3" marR="0" rtl="0" algn="l">
+      <a:lvl4pPr marR="0" lvl="3" algn="l" rtl="0">
         <a:lnSpc>
           <a:spcPct val="100000"/>
         </a:lnSpc>
@@ -11161,7 +11445,7 @@
           <a:srgbClr val="000000"/>
         </a:buClr>
         <a:buFont typeface="Arial"/>
-        <a:defRPr b="0" i="0" sz="1400" u="none" cap="none" strike="noStrike">
+        <a:defRPr sz="1400" b="0" i="0" u="none" strike="noStrike" cap="none">
           <a:solidFill>
             <a:srgbClr val="000000"/>
           </a:solidFill>
@@ -11171,7 +11455,7 @@
           <a:sym typeface="Arial"/>
         </a:defRPr>
       </a:lvl4pPr>
-      <a:lvl5pPr lvl="4" marR="0" rtl="0" algn="l">
+      <a:lvl5pPr marR="0" lvl="4" algn="l" rtl="0">
         <a:lnSpc>
           <a:spcPct val="100000"/>
         </a:lnSpc>
@@ -11185,7 +11469,7 @@
           <a:srgbClr val="000000"/>
         </a:buClr>
         <a:buFont typeface="Arial"/>
-        <a:defRPr b="0" i="0" sz="1400" u="none" cap="none" strike="noStrike">
+        <a:defRPr sz="1400" b="0" i="0" u="none" strike="noStrike" cap="none">
           <a:solidFill>
             <a:srgbClr val="000000"/>
           </a:solidFill>
@@ -11195,7 +11479,7 @@
           <a:sym typeface="Arial"/>
         </a:defRPr>
       </a:lvl5pPr>
-      <a:lvl6pPr lvl="5" marR="0" rtl="0" algn="l">
+      <a:lvl6pPr marR="0" lvl="5" algn="l" rtl="0">
         <a:lnSpc>
           <a:spcPct val="100000"/>
         </a:lnSpc>
@@ -11209,7 +11493,7 @@
           <a:srgbClr val="000000"/>
         </a:buClr>
         <a:buFont typeface="Arial"/>
-        <a:defRPr b="0" i="0" sz="1400" u="none" cap="none" strike="noStrike">
+        <a:defRPr sz="1400" b="0" i="0" u="none" strike="noStrike" cap="none">
           <a:solidFill>
             <a:srgbClr val="000000"/>
           </a:solidFill>
@@ -11219,7 +11503,7 @@
           <a:sym typeface="Arial"/>
         </a:defRPr>
       </a:lvl6pPr>
-      <a:lvl7pPr lvl="6" marR="0" rtl="0" algn="l">
+      <a:lvl7pPr marR="0" lvl="6" algn="l" rtl="0">
         <a:lnSpc>
           <a:spcPct val="100000"/>
         </a:lnSpc>
@@ -11233,7 +11517,7 @@
           <a:srgbClr val="000000"/>
         </a:buClr>
         <a:buFont typeface="Arial"/>
-        <a:defRPr b="0" i="0" sz="1400" u="none" cap="none" strike="noStrike">
+        <a:defRPr sz="1400" b="0" i="0" u="none" strike="noStrike" cap="none">
           <a:solidFill>
             <a:srgbClr val="000000"/>
           </a:solidFill>
@@ -11243,7 +11527,7 @@
           <a:sym typeface="Arial"/>
         </a:defRPr>
       </a:lvl7pPr>
-      <a:lvl8pPr lvl="7" marR="0" rtl="0" algn="l">
+      <a:lvl8pPr marR="0" lvl="7" algn="l" rtl="0">
         <a:lnSpc>
           <a:spcPct val="100000"/>
         </a:lnSpc>
@@ -11257,7 +11541,7 @@
           <a:srgbClr val="000000"/>
         </a:buClr>
         <a:buFont typeface="Arial"/>
-        <a:defRPr b="0" i="0" sz="1400" u="none" cap="none" strike="noStrike">
+        <a:defRPr sz="1400" b="0" i="0" u="none" strike="noStrike" cap="none">
           <a:solidFill>
             <a:srgbClr val="000000"/>
           </a:solidFill>
@@ -11267,7 +11551,7 @@
           <a:sym typeface="Arial"/>
         </a:defRPr>
       </a:lvl8pPr>
-      <a:lvl9pPr lvl="8" marR="0" rtl="0" algn="l">
+      <a:lvl9pPr marR="0" lvl="8" algn="l" rtl="0">
         <a:lnSpc>
           <a:spcPct val="100000"/>
         </a:lnSpc>
@@ -11281,7 +11565,7 @@
           <a:srgbClr val="000000"/>
         </a:buClr>
         <a:buFont typeface="Arial"/>
-        <a:defRPr b="0" i="0" sz="1400" u="none" cap="none" strike="noStrike">
+        <a:defRPr sz="1400" b="0" i="0" u="none" strike="noStrike" cap="none">
           <a:solidFill>
             <a:srgbClr val="000000"/>
           </a:solidFill>
@@ -11297,11 +11581,11 @@
 </file>
 
 <file path=ppt/slides/slide1.xml><?xml version="1.0" encoding="utf-8"?>
-<p:sld xmlns:a="http://schemas.openxmlformats.org/drawingml/2006/main" xmlns:r="http://schemas.openxmlformats.org/officeDocument/2006/relationships" xmlns:mc="http://schemas.openxmlformats.org/markup-compatibility/2006" xmlns:mv="urn:schemas-microsoft-com:mac:vml" xmlns:p="http://schemas.openxmlformats.org/presentationml/2006/main" xmlns:c="http://schemas.openxmlformats.org/drawingml/2006/chart" xmlns:dgm="http://schemas.openxmlformats.org/drawingml/2006/diagram" xmlns:o="urn:schemas-microsoft-com:office:office" xmlns:v="urn:schemas-microsoft-com:vml" xmlns:pvml="urn:schemas-microsoft-com:office:powerpoint" xmlns:com="http://schemas.openxmlformats.org/drawingml/2006/compatibility" xmlns:p14="http://schemas.microsoft.com/office/powerpoint/2010/main" xmlns:p15="http://schemas.microsoft.com/office/powerpoint/2012/main" xmlns:ahyp="http://schemas.microsoft.com/office/drawing/2018/hyperlinkcolor">
+<p:sld xmlns:a="http://schemas.openxmlformats.org/drawingml/2006/main" xmlns:r="http://schemas.openxmlformats.org/officeDocument/2006/relationships" xmlns:p="http://schemas.openxmlformats.org/presentationml/2006/main">
   <p:cSld>
     <p:spTree>
       <p:nvGrpSpPr>
-        <p:cNvPr id="83" name="Shape 83"/>
+        <p:cNvPr id="1" name="Shape 83"/>
         <p:cNvGrpSpPr/>
         <p:nvPr/>
       </p:nvGrpSpPr>
@@ -11333,12 +11617,12 @@
           </a:ln>
         </p:spPr>
         <p:txBody>
-          <a:bodyPr anchorCtr="0" anchor="t" bIns="45700" lIns="91425" spcFirstLastPara="1" rIns="91425" wrap="square" tIns="45700">
+          <a:bodyPr spcFirstLastPara="1" wrap="square" lIns="91425" tIns="45700" rIns="91425" bIns="45700" anchor="t" anchorCtr="0">
             <a:noAutofit/>
           </a:bodyPr>
           <a:lstStyle/>
           <a:p>
-            <a:pPr indent="0" lvl="0" marL="0" marR="0" rtl="0" algn="l">
+            <a:pPr marL="0" marR="0" lvl="0" indent="0" algn="l" rtl="0">
               <a:spcBef>
                 <a:spcPts val="0"/>
               </a:spcBef>
@@ -11348,7 +11632,7 @@
               <a:buNone/>
             </a:pPr>
             <a:r>
-              <a:rPr b="1" i="0" lang="en-US" sz="1800" u="none" cap="none" strike="noStrike">
+              <a:rPr lang="en-US" sz="1800" b="1" i="0" u="none" strike="noStrike" cap="none" dirty="0">
                 <a:solidFill>
                   <a:schemeClr val="dk1"/>
                 </a:solidFill>
@@ -11359,7 +11643,7 @@
               </a:rPr>
               <a:t> </a:t>
             </a:r>
-            <a:endParaRPr sz="1800">
+            <a:endParaRPr sz="1800" dirty="0">
               <a:solidFill>
                 <a:schemeClr val="dk1"/>
               </a:solidFill>
@@ -11370,7 +11654,7 @@
             </a:endParaRPr>
           </a:p>
           <a:p>
-            <a:pPr indent="0" lvl="0" marL="0" marR="0" rtl="0" algn="l">
+            <a:pPr marL="0" marR="0" lvl="0" indent="0" algn="l" rtl="0">
               <a:spcBef>
                 <a:spcPts val="0"/>
               </a:spcBef>
@@ -11380,7 +11664,7 @@
               <a:buNone/>
             </a:pPr>
             <a:r>
-              <a:rPr b="1" lang="en-US" sz="1800">
+              <a:rPr lang="en-US" sz="1800" b="1" dirty="0">
                 <a:solidFill>
                   <a:schemeClr val="dk1"/>
                 </a:solidFill>
@@ -11391,7 +11675,7 @@
               </a:rPr>
               <a:t>Group 8</a:t>
             </a:r>
-            <a:endParaRPr sz="1800">
+            <a:endParaRPr sz="1800" dirty="0">
               <a:solidFill>
                 <a:schemeClr val="dk1"/>
               </a:solidFill>
@@ -11402,7 +11686,7 @@
             </a:endParaRPr>
           </a:p>
           <a:p>
-            <a:pPr indent="0" lvl="0" marL="0" marR="0" rtl="0" algn="l">
+            <a:pPr marL="0" marR="0" lvl="0" indent="0" algn="l" rtl="0">
               <a:spcBef>
                 <a:spcPts val="0"/>
               </a:spcBef>
@@ -11412,7 +11696,7 @@
               <a:buNone/>
             </a:pPr>
             <a:r>
-              <a:rPr b="1" lang="en-US" sz="1800">
+              <a:rPr lang="en-US" sz="1800" b="1" dirty="0">
                 <a:solidFill>
                   <a:schemeClr val="dk1"/>
                 </a:solidFill>
@@ -11423,7 +11707,7 @@
               </a:rPr>
               <a:t> </a:t>
             </a:r>
-            <a:endParaRPr sz="1800">
+            <a:endParaRPr sz="1800" dirty="0">
               <a:solidFill>
                 <a:schemeClr val="dk1"/>
               </a:solidFill>
@@ -11434,7 +11718,7 @@
             </a:endParaRPr>
           </a:p>
           <a:p>
-            <a:pPr indent="0" lvl="0" marL="0" marR="0" rtl="0" algn="l">
+            <a:pPr marL="0" marR="0" lvl="0" indent="0" algn="l" rtl="0">
               <a:spcBef>
                 <a:spcPts val="0"/>
               </a:spcBef>
@@ -11444,7 +11728,7 @@
               <a:buNone/>
             </a:pPr>
             <a:r>
-              <a:rPr b="1" lang="en-US" sz="1800" u="sng">
+              <a:rPr lang="en-US" sz="1800" b="1" u="sng" dirty="0">
                 <a:solidFill>
                   <a:schemeClr val="dk1"/>
                 </a:solidFill>
@@ -11455,7 +11739,7 @@
               </a:rPr>
               <a:t>Member 1:</a:t>
             </a:r>
-            <a:endParaRPr sz="1800">
+            <a:endParaRPr sz="1800" dirty="0">
               <a:solidFill>
                 <a:schemeClr val="dk1"/>
               </a:solidFill>
@@ -11466,7 +11750,7 @@
             </a:endParaRPr>
           </a:p>
           <a:p>
-            <a:pPr indent="0" lvl="0" marL="0" marR="0" rtl="0" algn="l">
+            <a:pPr marL="0" marR="0" lvl="0" indent="0" algn="l" rtl="0">
               <a:spcBef>
                 <a:spcPts val="0"/>
               </a:spcBef>
@@ -11476,7 +11760,7 @@
               <a:buNone/>
             </a:pPr>
             <a:r>
-              <a:rPr b="1" lang="en-US" sz="1800">
+              <a:rPr lang="en-US" sz="1800" b="1" dirty="0">
                 <a:solidFill>
                   <a:schemeClr val="dk1"/>
                 </a:solidFill>
@@ -11488,6 +11772,18 @@
               <a:t>Name :</a:t>
             </a:r>
             <a:r>
+              <a:rPr lang="en-US" sz="1800" dirty="0">
+                <a:solidFill>
+                  <a:schemeClr val="dk1"/>
+                </a:solidFill>
+                <a:latin typeface="Calibri"/>
+                <a:ea typeface="Calibri"/>
+                <a:cs typeface="Calibri"/>
+                <a:sym typeface="Calibri"/>
+              </a:rPr>
+              <a:t> Shad </a:t>
+            </a:r>
+            <a:r>
               <a:rPr lang="en-US" sz="1800">
                 <a:solidFill>
                   <a:schemeClr val="dk1"/>
@@ -11497,12 +11793,36 @@
                 <a:cs typeface="Calibri"/>
                 <a:sym typeface="Calibri"/>
               </a:rPr>
-              <a:t> Shad Al kaisar </a:t>
+              <a:t>Al </a:t>
             </a:r>
-            <a:endParaRPr/>
+            <a:r>
+              <a:rPr lang="en-US" sz="1800">
+                <a:solidFill>
+                  <a:schemeClr val="dk1"/>
+                </a:solidFill>
+                <a:latin typeface="Calibri"/>
+                <a:ea typeface="Calibri"/>
+                <a:cs typeface="Calibri"/>
+                <a:sym typeface="Calibri"/>
+              </a:rPr>
+              <a:t>K</a:t>
+            </a:r>
+            <a:r>
+              <a:rPr lang="en-US" sz="1800" smtClean="0">
+                <a:solidFill>
+                  <a:schemeClr val="dk1"/>
+                </a:solidFill>
+                <a:latin typeface="Calibri"/>
+                <a:ea typeface="Calibri"/>
+                <a:cs typeface="Calibri"/>
+                <a:sym typeface="Calibri"/>
+              </a:rPr>
+              <a:t>aiser </a:t>
+            </a:r>
+            <a:endParaRPr dirty="0"/>
           </a:p>
           <a:p>
-            <a:pPr indent="0" lvl="0" marL="0" marR="0" rtl="0" algn="l">
+            <a:pPr marL="0" marR="0" lvl="0" indent="0" algn="l" rtl="0">
               <a:spcBef>
                 <a:spcPts val="0"/>
               </a:spcBef>
@@ -11512,7 +11832,7 @@
               <a:buNone/>
             </a:pPr>
             <a:r>
-              <a:rPr b="1" lang="en-US" sz="1800">
+              <a:rPr lang="en-US" sz="1800" b="1" dirty="0">
                 <a:solidFill>
                   <a:schemeClr val="dk1"/>
                 </a:solidFill>
@@ -11524,7 +11844,7 @@
               <a:t>Id: </a:t>
             </a:r>
             <a:r>
-              <a:rPr lang="en-US" sz="1800">
+              <a:rPr lang="en-US" sz="1800" dirty="0">
                 <a:solidFill>
                   <a:schemeClr val="dk1"/>
                 </a:solidFill>
@@ -11535,10 +11855,10 @@
               </a:rPr>
               <a:t> 1721392042</a:t>
             </a:r>
-            <a:endParaRPr/>
+            <a:endParaRPr dirty="0"/>
           </a:p>
           <a:p>
-            <a:pPr indent="0" lvl="0" marL="0" marR="0" rtl="0" algn="l">
+            <a:pPr marL="0" marR="0" lvl="0" indent="0" algn="l" rtl="0">
               <a:spcBef>
                 <a:spcPts val="0"/>
               </a:spcBef>
@@ -11548,7 +11868,7 @@
               <a:buNone/>
             </a:pPr>
             <a:r>
-              <a:rPr b="1" lang="en-US" sz="1800">
+              <a:rPr lang="en-US" sz="1800" b="1" dirty="0">
                 <a:solidFill>
                   <a:schemeClr val="dk1"/>
                 </a:solidFill>
@@ -11559,7 +11879,7 @@
               </a:rPr>
               <a:t> </a:t>
             </a:r>
-            <a:endParaRPr sz="1800">
+            <a:endParaRPr sz="1800" dirty="0">
               <a:solidFill>
                 <a:schemeClr val="dk1"/>
               </a:solidFill>
@@ -11570,7 +11890,7 @@
             </a:endParaRPr>
           </a:p>
           <a:p>
-            <a:pPr indent="0" lvl="0" marL="0" marR="0" rtl="0" algn="l">
+            <a:pPr marL="0" marR="0" lvl="0" indent="0" algn="l" rtl="0">
               <a:spcBef>
                 <a:spcPts val="0"/>
               </a:spcBef>
@@ -11580,7 +11900,7 @@
               <a:buNone/>
             </a:pPr>
             <a:r>
-              <a:rPr b="1" lang="en-US" sz="1800" u="sng">
+              <a:rPr lang="en-US" sz="1800" b="1" u="sng" dirty="0">
                 <a:solidFill>
                   <a:schemeClr val="dk1"/>
                 </a:solidFill>
@@ -11591,7 +11911,7 @@
               </a:rPr>
               <a:t>Member 2 :</a:t>
             </a:r>
-            <a:endParaRPr sz="1800">
+            <a:endParaRPr sz="1800" dirty="0">
               <a:solidFill>
                 <a:schemeClr val="dk1"/>
               </a:solidFill>
@@ -11602,7 +11922,7 @@
             </a:endParaRPr>
           </a:p>
           <a:p>
-            <a:pPr indent="0" lvl="0" marL="0" marR="0" rtl="0" algn="l">
+            <a:pPr marL="0" marR="0" lvl="0" indent="0" algn="l" rtl="0">
               <a:spcBef>
                 <a:spcPts val="0"/>
               </a:spcBef>
@@ -11612,7 +11932,7 @@
               <a:buNone/>
             </a:pPr>
             <a:r>
-              <a:rPr b="1" lang="en-US" sz="1800">
+              <a:rPr lang="en-US" sz="1800" b="1" dirty="0">
                 <a:solidFill>
                   <a:schemeClr val="dk1"/>
                 </a:solidFill>
@@ -11624,7 +11944,7 @@
               <a:t>Name :  </a:t>
             </a:r>
             <a:r>
-              <a:rPr lang="en-US" sz="1800">
+              <a:rPr lang="en-US" sz="1800" dirty="0">
                 <a:solidFill>
                   <a:schemeClr val="dk1"/>
                 </a:solidFill>
@@ -11633,9 +11953,69 @@
                 <a:cs typeface="Calibri"/>
                 <a:sym typeface="Calibri"/>
               </a:rPr>
-              <a:t> Ashraful Kalam Abid</a:t>
+              <a:t> </a:t>
             </a:r>
-            <a:endParaRPr sz="1800">
+            <a:r>
+              <a:rPr lang="en-US" sz="1800" dirty="0" err="1">
+                <a:solidFill>
+                  <a:schemeClr val="dk1"/>
+                </a:solidFill>
+                <a:latin typeface="Calibri"/>
+                <a:ea typeface="Calibri"/>
+                <a:cs typeface="Calibri"/>
+                <a:sym typeface="Calibri"/>
+              </a:rPr>
+              <a:t>Ashraful</a:t>
+            </a:r>
+            <a:r>
+              <a:rPr lang="en-US" sz="1800" dirty="0">
+                <a:solidFill>
+                  <a:schemeClr val="dk1"/>
+                </a:solidFill>
+                <a:latin typeface="Calibri"/>
+                <a:ea typeface="Calibri"/>
+                <a:cs typeface="Calibri"/>
+                <a:sym typeface="Calibri"/>
+              </a:rPr>
+              <a:t> </a:t>
+            </a:r>
+            <a:r>
+              <a:rPr lang="en-US" sz="1800" dirty="0" err="1">
+                <a:solidFill>
+                  <a:schemeClr val="dk1"/>
+                </a:solidFill>
+                <a:latin typeface="Calibri"/>
+                <a:ea typeface="Calibri"/>
+                <a:cs typeface="Calibri"/>
+                <a:sym typeface="Calibri"/>
+              </a:rPr>
+              <a:t>Kalam</a:t>
+            </a:r>
+            <a:r>
+              <a:rPr lang="en-US" sz="1800" dirty="0">
+                <a:solidFill>
+                  <a:schemeClr val="dk1"/>
+                </a:solidFill>
+                <a:latin typeface="Calibri"/>
+                <a:ea typeface="Calibri"/>
+                <a:cs typeface="Calibri"/>
+                <a:sym typeface="Calibri"/>
+              </a:rPr>
+              <a:t> </a:t>
+            </a:r>
+            <a:r>
+              <a:rPr lang="en-US" sz="1800" dirty="0" err="1">
+                <a:solidFill>
+                  <a:schemeClr val="dk1"/>
+                </a:solidFill>
+                <a:latin typeface="Calibri"/>
+                <a:ea typeface="Calibri"/>
+                <a:cs typeface="Calibri"/>
+                <a:sym typeface="Calibri"/>
+              </a:rPr>
+              <a:t>Abid</a:t>
+            </a:r>
+            <a:endParaRPr sz="1800" dirty="0">
               <a:solidFill>
                 <a:schemeClr val="dk1"/>
               </a:solidFill>
@@ -11646,7 +12026,7 @@
             </a:endParaRPr>
           </a:p>
           <a:p>
-            <a:pPr indent="0" lvl="0" marL="0" marR="0" rtl="0" algn="l">
+            <a:pPr marL="0" marR="0" lvl="0" indent="0" algn="l" rtl="0">
               <a:spcBef>
                 <a:spcPts val="0"/>
               </a:spcBef>
@@ -11656,7 +12036,7 @@
               <a:buNone/>
             </a:pPr>
             <a:r>
-              <a:rPr b="1" lang="en-US" sz="1800">
+              <a:rPr lang="en-US" sz="1800" b="1" dirty="0">
                 <a:solidFill>
                   <a:schemeClr val="dk1"/>
                 </a:solidFill>
@@ -11668,7 +12048,7 @@
               <a:t>Id :</a:t>
             </a:r>
             <a:r>
-              <a:rPr lang="en-US" sz="1800">
+              <a:rPr lang="en-US" sz="1800" dirty="0">
                 <a:solidFill>
                   <a:schemeClr val="dk1"/>
                 </a:solidFill>
@@ -11679,10 +12059,10 @@
               </a:rPr>
               <a:t> 1721464042</a:t>
             </a:r>
-            <a:endParaRPr/>
+            <a:endParaRPr dirty="0"/>
           </a:p>
           <a:p>
-            <a:pPr indent="0" lvl="0" marL="0" marR="0" rtl="0" algn="l">
+            <a:pPr marL="0" marR="0" lvl="0" indent="0" algn="l" rtl="0">
               <a:spcBef>
                 <a:spcPts val="0"/>
               </a:spcBef>
@@ -11691,10 +12071,7 @@
               </a:spcAft>
               <a:buNone/>
             </a:pPr>
-            <a:r>
-              <a:t/>
-            </a:r>
-            <a:endParaRPr sz="1800">
+            <a:endParaRPr sz="1800" dirty="0">
               <a:solidFill>
                 <a:schemeClr val="dk1"/>
               </a:solidFill>
@@ -11715,11 +12092,11 @@
 </file>
 
 <file path=ppt/slides/slide2.xml><?xml version="1.0" encoding="utf-8"?>
-<p:sld xmlns:a="http://schemas.openxmlformats.org/drawingml/2006/main" xmlns:r="http://schemas.openxmlformats.org/officeDocument/2006/relationships" xmlns:mc="http://schemas.openxmlformats.org/markup-compatibility/2006" xmlns:mv="urn:schemas-microsoft-com:mac:vml" xmlns:p="http://schemas.openxmlformats.org/presentationml/2006/main" xmlns:c="http://schemas.openxmlformats.org/drawingml/2006/chart" xmlns:dgm="http://schemas.openxmlformats.org/drawingml/2006/diagram" xmlns:o="urn:schemas-microsoft-com:office:office" xmlns:v="urn:schemas-microsoft-com:vml" xmlns:pvml="urn:schemas-microsoft-com:office:powerpoint" xmlns:com="http://schemas.openxmlformats.org/drawingml/2006/compatibility" xmlns:p14="http://schemas.microsoft.com/office/powerpoint/2010/main" xmlns:p15="http://schemas.microsoft.com/office/powerpoint/2012/main" xmlns:ahyp="http://schemas.microsoft.com/office/drawing/2018/hyperlinkcolor">
+<p:sld xmlns:a="http://schemas.openxmlformats.org/drawingml/2006/main" xmlns:r="http://schemas.openxmlformats.org/officeDocument/2006/relationships" xmlns:p="http://schemas.openxmlformats.org/presentationml/2006/main">
   <p:cSld>
     <p:spTree>
       <p:nvGrpSpPr>
-        <p:cNvPr id="88" name="Shape 88"/>
+        <p:cNvPr id="1" name="Shape 88"/>
         <p:cNvGrpSpPr/>
         <p:nvPr/>
       </p:nvGrpSpPr>
@@ -11734,9 +12111,11 @@
       <p:sp>
         <p:nvSpPr>
           <p:cNvPr id="89" name="Google Shape;89;p14"/>
-          <p:cNvSpPr txBox="1"/>
+          <p:cNvSpPr txBox="1">
+            <a:spLocks noGrp="1"/>
+          </p:cNvSpPr>
           <p:nvPr>
-            <p:ph idx="1" type="body"/>
+            <p:ph type="body" idx="1"/>
           </p:nvPr>
         </p:nvSpPr>
         <p:spPr>
@@ -11753,12 +12132,12 @@
           </a:ln>
         </p:spPr>
         <p:txBody>
-          <a:bodyPr anchorCtr="0" anchor="t" bIns="45700" lIns="91425" spcFirstLastPara="1" rIns="91425" wrap="square" tIns="45700">
+          <a:bodyPr spcFirstLastPara="1" wrap="square" lIns="91425" tIns="45700" rIns="91425" bIns="45700" anchor="t" anchorCtr="0">
             <a:noAutofit/>
           </a:bodyPr>
           <a:lstStyle/>
           <a:p>
-            <a:pPr indent="-342900" lvl="0" marL="342900" rtl="0" algn="l">
+            <a:pPr marL="342900" lvl="0" indent="-342900" algn="l" rtl="0">
               <a:spcBef>
                 <a:spcPts val="0"/>
               </a:spcBef>
@@ -11787,7 +12166,7 @@
             <a:endParaRPr/>
           </a:p>
           <a:p>
-            <a:pPr indent="-139700" lvl="0" marL="342900" rtl="0" algn="l">
+            <a:pPr marL="342900" lvl="0" indent="-139700" algn="l" rtl="0">
               <a:spcBef>
                 <a:spcPts val="640"/>
               </a:spcBef>
@@ -11800,9 +12179,6 @@
               <a:buSzPts val="3200"/>
               <a:buNone/>
             </a:pPr>
-            <a:r>
-              <a:t/>
-            </a:r>
             <a:endParaRPr/>
           </a:p>
         </p:txBody>
@@ -11817,7 +12193,7 @@
           <a:blip r:embed="rId4">
             <a:alphaModFix/>
           </a:blip>
-          <a:srcRect b="0" l="0" r="0" t="0"/>
+          <a:srcRect/>
           <a:stretch/>
         </p:blipFill>
         <p:spPr>
@@ -11843,11 +12219,11 @@
 </file>
 
 <file path=ppt/slides/slide3.xml><?xml version="1.0" encoding="utf-8"?>
-<p:sld xmlns:a="http://schemas.openxmlformats.org/drawingml/2006/main" xmlns:r="http://schemas.openxmlformats.org/officeDocument/2006/relationships" xmlns:mc="http://schemas.openxmlformats.org/markup-compatibility/2006" xmlns:mv="urn:schemas-microsoft-com:mac:vml" xmlns:p="http://schemas.openxmlformats.org/presentationml/2006/main" xmlns:c="http://schemas.openxmlformats.org/drawingml/2006/chart" xmlns:dgm="http://schemas.openxmlformats.org/drawingml/2006/diagram" xmlns:o="urn:schemas-microsoft-com:office:office" xmlns:v="urn:schemas-microsoft-com:vml" xmlns:pvml="urn:schemas-microsoft-com:office:powerpoint" xmlns:com="http://schemas.openxmlformats.org/drawingml/2006/compatibility" xmlns:p14="http://schemas.microsoft.com/office/powerpoint/2010/main" xmlns:p15="http://schemas.microsoft.com/office/powerpoint/2012/main" xmlns:ahyp="http://schemas.microsoft.com/office/drawing/2018/hyperlinkcolor">
+<p:sld xmlns:a="http://schemas.openxmlformats.org/drawingml/2006/main" xmlns:r="http://schemas.openxmlformats.org/officeDocument/2006/relationships" xmlns:p="http://schemas.openxmlformats.org/presentationml/2006/main">
   <p:cSld>
     <p:spTree>
       <p:nvGrpSpPr>
-        <p:cNvPr id="94" name="Shape 94"/>
+        <p:cNvPr id="1" name="Shape 94"/>
         <p:cNvGrpSpPr/>
         <p:nvPr/>
       </p:nvGrpSpPr>
@@ -11862,9 +12238,11 @@
       <p:sp>
         <p:nvSpPr>
           <p:cNvPr id="95" name="Google Shape;95;p15"/>
-          <p:cNvSpPr txBox="1"/>
+          <p:cNvSpPr txBox="1">
+            <a:spLocks noGrp="1"/>
+          </p:cNvSpPr>
           <p:nvPr>
-            <p:ph idx="1" type="body"/>
+            <p:ph type="body" idx="1"/>
           </p:nvPr>
         </p:nvSpPr>
         <p:spPr>
@@ -11881,12 +12259,12 @@
           </a:ln>
         </p:spPr>
         <p:txBody>
-          <a:bodyPr anchorCtr="0" anchor="t" bIns="45700" lIns="91425" spcFirstLastPara="1" rIns="91425" wrap="square" tIns="45700">
+          <a:bodyPr spcFirstLastPara="1" wrap="square" lIns="91425" tIns="45700" rIns="91425" bIns="45700" anchor="t" anchorCtr="0">
             <a:noAutofit/>
           </a:bodyPr>
           <a:lstStyle/>
           <a:p>
-            <a:pPr indent="-342900" lvl="0" marL="342900" rtl="0" algn="l">
+            <a:pPr marL="342900" lvl="0" indent="-342900" algn="l" rtl="0">
               <a:spcBef>
                 <a:spcPts val="0"/>
               </a:spcBef>
@@ -11906,7 +12284,7 @@
             <a:endParaRPr/>
           </a:p>
           <a:p>
-            <a:pPr indent="-342900" lvl="0" marL="342900" rtl="0" algn="l">
+            <a:pPr marL="342900" lvl="0" indent="-342900" algn="l" rtl="0">
               <a:spcBef>
                 <a:spcPts val="640"/>
               </a:spcBef>
@@ -11931,7 +12309,7 @@
             <a:endParaRPr/>
           </a:p>
           <a:p>
-            <a:pPr indent="-139700" lvl="0" marL="342900" rtl="0" algn="l">
+            <a:pPr marL="342900" lvl="0" indent="-139700" algn="l" rtl="0">
               <a:spcBef>
                 <a:spcPts val="640"/>
               </a:spcBef>
@@ -11944,9 +12322,6 @@
               <a:buSzPts val="3200"/>
               <a:buNone/>
             </a:pPr>
-            <a:r>
-              <a:t/>
-            </a:r>
             <a:endParaRPr/>
           </a:p>
         </p:txBody>
@@ -11961,7 +12336,7 @@
           <a:blip r:embed="rId4">
             <a:alphaModFix/>
           </a:blip>
-          <a:srcRect b="0" l="0" r="0" t="0"/>
+          <a:srcRect/>
           <a:stretch/>
         </p:blipFill>
         <p:spPr>
@@ -11987,11 +12362,11 @@
 </file>
 
 <file path=ppt/slides/slide4.xml><?xml version="1.0" encoding="utf-8"?>
-<p:sld xmlns:a="http://schemas.openxmlformats.org/drawingml/2006/main" xmlns:r="http://schemas.openxmlformats.org/officeDocument/2006/relationships" xmlns:mc="http://schemas.openxmlformats.org/markup-compatibility/2006" xmlns:mv="urn:schemas-microsoft-com:mac:vml" xmlns:p="http://schemas.openxmlformats.org/presentationml/2006/main" xmlns:c="http://schemas.openxmlformats.org/drawingml/2006/chart" xmlns:dgm="http://schemas.openxmlformats.org/drawingml/2006/diagram" xmlns:o="urn:schemas-microsoft-com:office:office" xmlns:v="urn:schemas-microsoft-com:vml" xmlns:pvml="urn:schemas-microsoft-com:office:powerpoint" xmlns:com="http://schemas.openxmlformats.org/drawingml/2006/compatibility" xmlns:p14="http://schemas.microsoft.com/office/powerpoint/2010/main" xmlns:p15="http://schemas.microsoft.com/office/powerpoint/2012/main" xmlns:ahyp="http://schemas.microsoft.com/office/drawing/2018/hyperlinkcolor">
+<p:sld xmlns:a="http://schemas.openxmlformats.org/drawingml/2006/main" xmlns:r="http://schemas.openxmlformats.org/officeDocument/2006/relationships" xmlns:p="http://schemas.openxmlformats.org/presentationml/2006/main">
   <p:cSld>
     <p:spTree>
       <p:nvGrpSpPr>
-        <p:cNvPr id="100" name="Shape 100"/>
+        <p:cNvPr id="1" name="Shape 100"/>
         <p:cNvGrpSpPr/>
         <p:nvPr/>
       </p:nvGrpSpPr>
@@ -12006,9 +12381,11 @@
       <p:sp>
         <p:nvSpPr>
           <p:cNvPr id="101" name="Google Shape;101;p16"/>
-          <p:cNvSpPr txBox="1"/>
+          <p:cNvSpPr txBox="1">
+            <a:spLocks noGrp="1"/>
+          </p:cNvSpPr>
           <p:nvPr>
-            <p:ph idx="1" type="body"/>
+            <p:ph type="body" idx="1"/>
           </p:nvPr>
         </p:nvSpPr>
         <p:spPr>
@@ -12025,12 +12402,12 @@
           </a:ln>
         </p:spPr>
         <p:txBody>
-          <a:bodyPr anchorCtr="0" anchor="t" bIns="45700" lIns="91425" spcFirstLastPara="1" rIns="91425" wrap="square" tIns="45700">
+          <a:bodyPr spcFirstLastPara="1" wrap="square" lIns="91425" tIns="45700" rIns="91425" bIns="45700" anchor="t" anchorCtr="0">
             <a:noAutofit/>
           </a:bodyPr>
           <a:lstStyle/>
           <a:p>
-            <a:pPr indent="-342900" lvl="0" marL="342900" rtl="0" algn="l">
+            <a:pPr marL="342900" lvl="0" indent="-342900" algn="l" rtl="0">
               <a:spcBef>
                 <a:spcPts val="0"/>
               </a:spcBef>
@@ -12050,7 +12427,7 @@
             <a:endParaRPr/>
           </a:p>
           <a:p>
-            <a:pPr indent="-342900" lvl="0" marL="342900" rtl="0" algn="l">
+            <a:pPr marL="342900" lvl="0" indent="-342900" algn="l" rtl="0">
               <a:spcBef>
                 <a:spcPts val="640"/>
               </a:spcBef>
@@ -12075,7 +12452,7 @@
             <a:endParaRPr/>
           </a:p>
           <a:p>
-            <a:pPr indent="-139700" lvl="0" marL="342900" rtl="0" algn="l">
+            <a:pPr marL="342900" lvl="0" indent="-139700" algn="l" rtl="0">
               <a:spcBef>
                 <a:spcPts val="640"/>
               </a:spcBef>
@@ -12088,9 +12465,6 @@
               <a:buSzPts val="3200"/>
               <a:buNone/>
             </a:pPr>
-            <a:r>
-              <a:t/>
-            </a:r>
             <a:endParaRPr/>
           </a:p>
         </p:txBody>
@@ -12104,11 +12478,11 @@
 </file>
 
 <file path=ppt/slides/slide5.xml><?xml version="1.0" encoding="utf-8"?>
-<p:sld xmlns:a="http://schemas.openxmlformats.org/drawingml/2006/main" xmlns:r="http://schemas.openxmlformats.org/officeDocument/2006/relationships" xmlns:mc="http://schemas.openxmlformats.org/markup-compatibility/2006" xmlns:mv="urn:schemas-microsoft-com:mac:vml" xmlns:p="http://schemas.openxmlformats.org/presentationml/2006/main" xmlns:c="http://schemas.openxmlformats.org/drawingml/2006/chart" xmlns:dgm="http://schemas.openxmlformats.org/drawingml/2006/diagram" xmlns:o="urn:schemas-microsoft-com:office:office" xmlns:v="urn:schemas-microsoft-com:vml" xmlns:pvml="urn:schemas-microsoft-com:office:powerpoint" xmlns:com="http://schemas.openxmlformats.org/drawingml/2006/compatibility" xmlns:p14="http://schemas.microsoft.com/office/powerpoint/2010/main" xmlns:p15="http://schemas.microsoft.com/office/powerpoint/2012/main" xmlns:ahyp="http://schemas.microsoft.com/office/drawing/2018/hyperlinkcolor">
+<p:sld xmlns:a="http://schemas.openxmlformats.org/drawingml/2006/main" xmlns:r="http://schemas.openxmlformats.org/officeDocument/2006/relationships" xmlns:p="http://schemas.openxmlformats.org/presentationml/2006/main">
   <p:cSld>
     <p:spTree>
       <p:nvGrpSpPr>
-        <p:cNvPr id="105" name="Shape 105"/>
+        <p:cNvPr id="1" name="Shape 105"/>
         <p:cNvGrpSpPr/>
         <p:nvPr/>
       </p:nvGrpSpPr>
@@ -12123,9 +12497,11 @@
       <p:sp>
         <p:nvSpPr>
           <p:cNvPr id="106" name="Google Shape;106;p17"/>
-          <p:cNvSpPr txBox="1"/>
+          <p:cNvSpPr txBox="1">
+            <a:spLocks noGrp="1"/>
+          </p:cNvSpPr>
           <p:nvPr>
-            <p:ph idx="1" type="body"/>
+            <p:ph type="body" idx="1"/>
           </p:nvPr>
         </p:nvSpPr>
         <p:spPr>
@@ -12142,12 +12518,12 @@
           </a:ln>
         </p:spPr>
         <p:txBody>
-          <a:bodyPr anchorCtr="0" anchor="t" bIns="45700" lIns="91425" spcFirstLastPara="1" rIns="91425" wrap="square" tIns="45700">
+          <a:bodyPr spcFirstLastPara="1" wrap="square" lIns="91425" tIns="45700" rIns="91425" bIns="45700" anchor="t" anchorCtr="0">
             <a:noAutofit/>
           </a:bodyPr>
           <a:lstStyle/>
           <a:p>
-            <a:pPr indent="-342900" lvl="0" marL="342900" rtl="0" algn="l">
+            <a:pPr marL="342900" lvl="0" indent="-342900" algn="l" rtl="0">
               <a:spcBef>
                 <a:spcPts val="0"/>
               </a:spcBef>
@@ -12167,7 +12543,7 @@
             <a:endParaRPr/>
           </a:p>
           <a:p>
-            <a:pPr indent="-139700" lvl="0" marL="342900" rtl="0" algn="l">
+            <a:pPr marL="342900" lvl="0" indent="-139700" algn="l" rtl="0">
               <a:spcBef>
                 <a:spcPts val="640"/>
               </a:spcBef>
@@ -12180,9 +12556,6 @@
               <a:buSzPts val="3200"/>
               <a:buNone/>
             </a:pPr>
-            <a:r>
-              <a:t/>
-            </a:r>
             <a:endParaRPr/>
           </a:p>
         </p:txBody>
@@ -12197,7 +12570,7 @@
           <a:blip r:embed="rId3">
             <a:alphaModFix/>
           </a:blip>
-          <a:srcRect b="0" l="0" r="0" t="0"/>
+          <a:srcRect/>
           <a:stretch/>
         </p:blipFill>
         <p:spPr>
@@ -12223,11 +12596,11 @@
 </file>
 
 <file path=ppt/slides/slide6.xml><?xml version="1.0" encoding="utf-8"?>
-<p:sld xmlns:a="http://schemas.openxmlformats.org/drawingml/2006/main" xmlns:r="http://schemas.openxmlformats.org/officeDocument/2006/relationships" xmlns:mc="http://schemas.openxmlformats.org/markup-compatibility/2006" xmlns:mv="urn:schemas-microsoft-com:mac:vml" xmlns:p="http://schemas.openxmlformats.org/presentationml/2006/main" xmlns:c="http://schemas.openxmlformats.org/drawingml/2006/chart" xmlns:dgm="http://schemas.openxmlformats.org/drawingml/2006/diagram" xmlns:o="urn:schemas-microsoft-com:office:office" xmlns:v="urn:schemas-microsoft-com:vml" xmlns:pvml="urn:schemas-microsoft-com:office:powerpoint" xmlns:com="http://schemas.openxmlformats.org/drawingml/2006/compatibility" xmlns:p14="http://schemas.microsoft.com/office/powerpoint/2010/main" xmlns:p15="http://schemas.microsoft.com/office/powerpoint/2012/main" xmlns:ahyp="http://schemas.microsoft.com/office/drawing/2018/hyperlinkcolor">
+<p:sld xmlns:a="http://schemas.openxmlformats.org/drawingml/2006/main" xmlns:r="http://schemas.openxmlformats.org/officeDocument/2006/relationships" xmlns:p="http://schemas.openxmlformats.org/presentationml/2006/main">
   <p:cSld>
     <p:spTree>
       <p:nvGrpSpPr>
-        <p:cNvPr id="111" name="Shape 111"/>
+        <p:cNvPr id="1" name="Shape 111"/>
         <p:cNvGrpSpPr/>
         <p:nvPr/>
       </p:nvGrpSpPr>
@@ -12242,16 +12615,18 @@
       <p:pic>
         <p:nvPicPr>
           <p:cNvPr id="112" name="Google Shape;112;p18"/>
-          <p:cNvPicPr preferRelativeResize="0"/>
+          <p:cNvPicPr preferRelativeResize="0">
+            <a:picLocks noGrp="1"/>
+          </p:cNvPicPr>
           <p:nvPr>
-            <p:ph idx="1" type="body"/>
+            <p:ph type="body" idx="1"/>
           </p:nvPr>
         </p:nvPicPr>
         <p:blipFill rotWithShape="1">
           <a:blip r:embed="rId3">
             <a:alphaModFix/>
           </a:blip>
-          <a:srcRect b="0" l="0" r="0" t="0"/>
+          <a:srcRect/>
           <a:stretch/>
         </p:blipFill>
         <p:spPr>
@@ -12277,11 +12652,11 @@
 </file>
 
 <file path=ppt/slides/slide7.xml><?xml version="1.0" encoding="utf-8"?>
-<p:sld xmlns:a="http://schemas.openxmlformats.org/drawingml/2006/main" xmlns:r="http://schemas.openxmlformats.org/officeDocument/2006/relationships" xmlns:mc="http://schemas.openxmlformats.org/markup-compatibility/2006" xmlns:mv="urn:schemas-microsoft-com:mac:vml" xmlns:p="http://schemas.openxmlformats.org/presentationml/2006/main" xmlns:c="http://schemas.openxmlformats.org/drawingml/2006/chart" xmlns:dgm="http://schemas.openxmlformats.org/drawingml/2006/diagram" xmlns:o="urn:schemas-microsoft-com:office:office" xmlns:v="urn:schemas-microsoft-com:vml" xmlns:pvml="urn:schemas-microsoft-com:office:powerpoint" xmlns:com="http://schemas.openxmlformats.org/drawingml/2006/compatibility" xmlns:p14="http://schemas.microsoft.com/office/powerpoint/2010/main" xmlns:p15="http://schemas.microsoft.com/office/powerpoint/2012/main" xmlns:ahyp="http://schemas.microsoft.com/office/drawing/2018/hyperlinkcolor">
+<p:sld xmlns:a="http://schemas.openxmlformats.org/drawingml/2006/main" xmlns:r="http://schemas.openxmlformats.org/officeDocument/2006/relationships" xmlns:p="http://schemas.openxmlformats.org/presentationml/2006/main">
   <p:cSld>
     <p:spTree>
       <p:nvGrpSpPr>
-        <p:cNvPr id="116" name="Shape 116"/>
+        <p:cNvPr id="1" name="Shape 116"/>
         <p:cNvGrpSpPr/>
         <p:nvPr/>
       </p:nvGrpSpPr>
@@ -12296,16 +12671,18 @@
       <p:pic>
         <p:nvPicPr>
           <p:cNvPr id="117" name="Google Shape;117;p19"/>
-          <p:cNvPicPr preferRelativeResize="0"/>
+          <p:cNvPicPr preferRelativeResize="0">
+            <a:picLocks noGrp="1"/>
+          </p:cNvPicPr>
           <p:nvPr>
-            <p:ph idx="1" type="body"/>
+            <p:ph type="body" idx="1"/>
           </p:nvPr>
         </p:nvPicPr>
         <p:blipFill rotWithShape="1">
           <a:blip r:embed="rId3">
             <a:alphaModFix/>
           </a:blip>
-          <a:srcRect b="0" l="0" r="0" t="0"/>
+          <a:srcRect/>
           <a:stretch/>
         </p:blipFill>
         <p:spPr>
@@ -12331,11 +12708,11 @@
 </file>
 
 <file path=ppt/slides/slide8.xml><?xml version="1.0" encoding="utf-8"?>
-<p:sld xmlns:a="http://schemas.openxmlformats.org/drawingml/2006/main" xmlns:r="http://schemas.openxmlformats.org/officeDocument/2006/relationships" xmlns:mc="http://schemas.openxmlformats.org/markup-compatibility/2006" xmlns:mv="urn:schemas-microsoft-com:mac:vml" xmlns:p="http://schemas.openxmlformats.org/presentationml/2006/main" xmlns:c="http://schemas.openxmlformats.org/drawingml/2006/chart" xmlns:dgm="http://schemas.openxmlformats.org/drawingml/2006/diagram" xmlns:o="urn:schemas-microsoft-com:office:office" xmlns:v="urn:schemas-microsoft-com:vml" xmlns:pvml="urn:schemas-microsoft-com:office:powerpoint" xmlns:com="http://schemas.openxmlformats.org/drawingml/2006/compatibility" xmlns:p14="http://schemas.microsoft.com/office/powerpoint/2010/main" xmlns:p15="http://schemas.microsoft.com/office/powerpoint/2012/main" xmlns:ahyp="http://schemas.microsoft.com/office/drawing/2018/hyperlinkcolor">
+<p:sld xmlns:a="http://schemas.openxmlformats.org/drawingml/2006/main" xmlns:r="http://schemas.openxmlformats.org/officeDocument/2006/relationships" xmlns:p="http://schemas.openxmlformats.org/presentationml/2006/main">
   <p:cSld>
     <p:spTree>
       <p:nvGrpSpPr>
-        <p:cNvPr id="121" name="Shape 121"/>
+        <p:cNvPr id="1" name="Shape 121"/>
         <p:cNvGrpSpPr/>
         <p:nvPr/>
       </p:nvGrpSpPr>
@@ -12350,16 +12727,18 @@
       <p:pic>
         <p:nvPicPr>
           <p:cNvPr id="122" name="Google Shape;122;p20"/>
-          <p:cNvPicPr preferRelativeResize="0"/>
+          <p:cNvPicPr preferRelativeResize="0">
+            <a:picLocks noGrp="1"/>
+          </p:cNvPicPr>
           <p:nvPr>
-            <p:ph idx="1" type="body"/>
+            <p:ph type="body" idx="1"/>
           </p:nvPr>
         </p:nvPicPr>
         <p:blipFill rotWithShape="1">
           <a:blip r:embed="rId3">
             <a:alphaModFix/>
           </a:blip>
-          <a:srcRect b="0" l="0" r="0" t="0"/>
+          <a:srcRect/>
           <a:stretch/>
         </p:blipFill>
         <p:spPr>
@@ -12385,7 +12764,288 @@
 </file>
 
 <file path=ppt/theme/theme1.xml><?xml version="1.0" encoding="utf-8"?>
-<a:theme xmlns:a="http://schemas.openxmlformats.org/drawingml/2006/main" xmlns:r="http://schemas.openxmlformats.org/officeDocument/2006/relationships">
+<a:theme xmlns:a="http://schemas.openxmlformats.org/drawingml/2006/main" name="Office Theme">
+  <a:themeElements>
+    <a:clrScheme name="Office">
+      <a:dk1>
+        <a:srgbClr val="000000"/>
+      </a:dk1>
+      <a:lt1>
+        <a:srgbClr val="FFFFFF"/>
+      </a:lt1>
+      <a:dk2>
+        <a:srgbClr val="1F497D"/>
+      </a:dk2>
+      <a:lt2>
+        <a:srgbClr val="EEECE1"/>
+      </a:lt2>
+      <a:accent1>
+        <a:srgbClr val="4F81BD"/>
+      </a:accent1>
+      <a:accent2>
+        <a:srgbClr val="C0504D"/>
+      </a:accent2>
+      <a:accent3>
+        <a:srgbClr val="9BBB59"/>
+      </a:accent3>
+      <a:accent4>
+        <a:srgbClr val="8064A2"/>
+      </a:accent4>
+      <a:accent5>
+        <a:srgbClr val="4BACC6"/>
+      </a:accent5>
+      <a:accent6>
+        <a:srgbClr val="F79646"/>
+      </a:accent6>
+      <a:hlink>
+        <a:srgbClr val="0000FF"/>
+      </a:hlink>
+      <a:folHlink>
+        <a:srgbClr val="800080"/>
+      </a:folHlink>
+    </a:clrScheme>
+    <a:fontScheme name="Office">
+      <a:majorFont>
+        <a:latin typeface="Arial"/>
+        <a:ea typeface=""/>
+        <a:cs typeface=""/>
+        <a:font script="Jpan" typeface="ＭＳ Ｐゴシック"/>
+        <a:font script="Hang" typeface="맑은 고딕"/>
+        <a:font script="Hans" typeface="宋体"/>
+        <a:font script="Hant" typeface="新細明體"/>
+        <a:font script="Arab" typeface="Times New Roman"/>
+        <a:font script="Hebr" typeface="Times New Roman"/>
+        <a:font script="Thai" typeface="Angsana New"/>
+        <a:font script="Ethi" typeface="Nyala"/>
+        <a:font script="Beng" typeface="Vrinda"/>
+        <a:font script="Gujr" typeface="Shruti"/>
+        <a:font script="Khmr" typeface="MoolBoran"/>
+        <a:font script="Knda" typeface="Tunga"/>
+        <a:font script="Guru" typeface="Raavi"/>
+        <a:font script="Cans" typeface="Euphemia"/>
+        <a:font script="Cher" typeface="Plantagenet Cherokee"/>
+        <a:font script="Yiii" typeface="Microsoft Yi Baiti"/>
+        <a:font script="Tibt" typeface="Microsoft Himalaya"/>
+        <a:font script="Thaa" typeface="MV Boli"/>
+        <a:font script="Deva" typeface="Mangal"/>
+        <a:font script="Telu" typeface="Gautami"/>
+        <a:font script="Taml" typeface="Latha"/>
+        <a:font script="Syrc" typeface="Estrangelo Edessa"/>
+        <a:font script="Orya" typeface="Kalinga"/>
+        <a:font script="Mlym" typeface="Kartika"/>
+        <a:font script="Laoo" typeface="DokChampa"/>
+        <a:font script="Sinh" typeface="Iskoola Pota"/>
+        <a:font script="Mong" typeface="Mongolian Baiti"/>
+        <a:font script="Viet" typeface="Times New Roman"/>
+        <a:font script="Uigh" typeface="Microsoft Uighur"/>
+        <a:font script="Geor" typeface="Sylfaen"/>
+      </a:majorFont>
+      <a:minorFont>
+        <a:latin typeface="Arial"/>
+        <a:ea typeface=""/>
+        <a:cs typeface=""/>
+        <a:font script="Jpan" typeface="ＭＳ Ｐゴシック"/>
+        <a:font script="Hang" typeface="맑은 고딕"/>
+        <a:font script="Hans" typeface="宋体"/>
+        <a:font script="Hant" typeface="新細明體"/>
+        <a:font script="Arab" typeface="Arial"/>
+        <a:font script="Hebr" typeface="Arial"/>
+        <a:font script="Thai" typeface="Cordia New"/>
+        <a:font script="Ethi" typeface="Nyala"/>
+        <a:font script="Beng" typeface="Vrinda"/>
+        <a:font script="Gujr" typeface="Shruti"/>
+        <a:font script="Khmr" typeface="DaunPenh"/>
+        <a:font script="Knda" typeface="Tunga"/>
+        <a:font script="Guru" typeface="Raavi"/>
+        <a:font script="Cans" typeface="Euphemia"/>
+        <a:font script="Cher" typeface="Plantagenet Cherokee"/>
+        <a:font script="Yiii" typeface="Microsoft Yi Baiti"/>
+        <a:font script="Tibt" typeface="Microsoft Himalaya"/>
+        <a:font script="Thaa" typeface="MV Boli"/>
+        <a:font script="Deva" typeface="Mangal"/>
+        <a:font script="Telu" typeface="Gautami"/>
+        <a:font script="Taml" typeface="Latha"/>
+        <a:font script="Syrc" typeface="Estrangelo Edessa"/>
+        <a:font script="Orya" typeface="Kalinga"/>
+        <a:font script="Mlym" typeface="Kartika"/>
+        <a:font script="Laoo" typeface="DokChampa"/>
+        <a:font script="Sinh" typeface="Iskoola Pota"/>
+        <a:font script="Mong" typeface="Mongolian Baiti"/>
+        <a:font script="Viet" typeface="Arial"/>
+        <a:font script="Uigh" typeface="Microsoft Uighur"/>
+        <a:font script="Geor" typeface="Sylfaen"/>
+      </a:minorFont>
+    </a:fontScheme>
+    <a:fmtScheme name="Office">
+      <a:fillStyleLst>
+        <a:solidFill>
+          <a:schemeClr val="phClr"/>
+        </a:solidFill>
+        <a:gradFill rotWithShape="1">
+          <a:gsLst>
+            <a:gs pos="0">
+              <a:schemeClr val="phClr">
+                <a:tint val="50000"/>
+                <a:satMod val="300000"/>
+              </a:schemeClr>
+            </a:gs>
+            <a:gs pos="35000">
+              <a:schemeClr val="phClr">
+                <a:tint val="37000"/>
+                <a:satMod val="300000"/>
+              </a:schemeClr>
+            </a:gs>
+            <a:gs pos="100000">
+              <a:schemeClr val="phClr">
+                <a:tint val="15000"/>
+                <a:satMod val="350000"/>
+              </a:schemeClr>
+            </a:gs>
+          </a:gsLst>
+          <a:lin ang="16200000" scaled="1"/>
+        </a:gradFill>
+        <a:gradFill rotWithShape="1">
+          <a:gsLst>
+            <a:gs pos="0">
+              <a:schemeClr val="phClr">
+                <a:tint val="100000"/>
+                <a:shade val="100000"/>
+                <a:satMod val="130000"/>
+              </a:schemeClr>
+            </a:gs>
+            <a:gs pos="100000">
+              <a:schemeClr val="phClr">
+                <a:tint val="50000"/>
+                <a:shade val="100000"/>
+                <a:satMod val="350000"/>
+              </a:schemeClr>
+            </a:gs>
+          </a:gsLst>
+          <a:lin ang="16200000" scaled="0"/>
+        </a:gradFill>
+      </a:fillStyleLst>
+      <a:lnStyleLst>
+        <a:ln w="9525" cap="flat" cmpd="sng" algn="ctr">
+          <a:solidFill>
+            <a:schemeClr val="phClr">
+              <a:shade val="95000"/>
+              <a:satMod val="105000"/>
+            </a:schemeClr>
+          </a:solidFill>
+          <a:prstDash val="solid"/>
+        </a:ln>
+        <a:ln w="25400" cap="flat" cmpd="sng" algn="ctr">
+          <a:solidFill>
+            <a:schemeClr val="phClr"/>
+          </a:solidFill>
+          <a:prstDash val="solid"/>
+        </a:ln>
+        <a:ln w="38100" cap="flat" cmpd="sng" algn="ctr">
+          <a:solidFill>
+            <a:schemeClr val="phClr"/>
+          </a:solidFill>
+          <a:prstDash val="solid"/>
+        </a:ln>
+      </a:lnStyleLst>
+      <a:effectStyleLst>
+        <a:effectStyle>
+          <a:effectLst>
+            <a:outerShdw blurRad="40000" dist="20000" dir="5400000" rotWithShape="0">
+              <a:srgbClr val="000000">
+                <a:alpha val="38000"/>
+              </a:srgbClr>
+            </a:outerShdw>
+          </a:effectLst>
+        </a:effectStyle>
+        <a:effectStyle>
+          <a:effectLst>
+            <a:outerShdw blurRad="40000" dist="23000" dir="5400000" rotWithShape="0">
+              <a:srgbClr val="000000">
+                <a:alpha val="35000"/>
+              </a:srgbClr>
+            </a:outerShdw>
+          </a:effectLst>
+        </a:effectStyle>
+        <a:effectStyle>
+          <a:effectLst>
+            <a:outerShdw blurRad="40000" dist="23000" dir="5400000" rotWithShape="0">
+              <a:srgbClr val="000000">
+                <a:alpha val="35000"/>
+              </a:srgbClr>
+            </a:outerShdw>
+          </a:effectLst>
+          <a:scene3d>
+            <a:camera prst="orthographicFront">
+              <a:rot lat="0" lon="0" rev="0"/>
+            </a:camera>
+            <a:lightRig rig="threePt" dir="t">
+              <a:rot lat="0" lon="0" rev="1200000"/>
+            </a:lightRig>
+          </a:scene3d>
+          <a:sp3d>
+            <a:bevelT w="63500" h="25400"/>
+          </a:sp3d>
+        </a:effectStyle>
+      </a:effectStyleLst>
+      <a:bgFillStyleLst>
+        <a:solidFill>
+          <a:schemeClr val="phClr"/>
+        </a:solidFill>
+        <a:gradFill rotWithShape="1">
+          <a:gsLst>
+            <a:gs pos="0">
+              <a:schemeClr val="phClr">
+                <a:tint val="40000"/>
+                <a:satMod val="350000"/>
+              </a:schemeClr>
+            </a:gs>
+            <a:gs pos="40000">
+              <a:schemeClr val="phClr">
+                <a:tint val="45000"/>
+                <a:shade val="99000"/>
+                <a:satMod val="350000"/>
+              </a:schemeClr>
+            </a:gs>
+            <a:gs pos="100000">
+              <a:schemeClr val="phClr">
+                <a:shade val="20000"/>
+                <a:satMod val="255000"/>
+              </a:schemeClr>
+            </a:gs>
+          </a:gsLst>
+          <a:path path="circle">
+            <a:fillToRect l="50000" t="-80000" r="50000" b="180000"/>
+          </a:path>
+        </a:gradFill>
+        <a:gradFill rotWithShape="1">
+          <a:gsLst>
+            <a:gs pos="0">
+              <a:schemeClr val="phClr">
+                <a:tint val="80000"/>
+                <a:satMod val="300000"/>
+              </a:schemeClr>
+            </a:gs>
+            <a:gs pos="100000">
+              <a:schemeClr val="phClr">
+                <a:shade val="30000"/>
+                <a:satMod val="200000"/>
+              </a:schemeClr>
+            </a:gs>
+          </a:gsLst>
+          <a:path path="circle">
+            <a:fillToRect l="50000" t="50000" r="50000" b="50000"/>
+          </a:path>
+        </a:gradFill>
+      </a:bgFillStyleLst>
+    </a:fmtScheme>
+  </a:themeElements>
+  <a:objectDefaults/>
+  <a:extraClrSchemeLst/>
+</a:theme>
+</file>
+
+<file path=ppt/theme/theme2.xml><?xml version="1.0" encoding="utf-8"?>
+<a:theme xmlns:a="http://schemas.openxmlformats.org/drawingml/2006/main">
   <a:themeElements>
     <a:clrScheme name="Default">
       <a:dk1>
@@ -12660,284 +13320,7 @@
       </a:bgFillStyleLst>
     </a:fmtScheme>
   </a:themeElements>
-</a:theme>
-</file>
-
-<file path=ppt/theme/theme2.xml><?xml version="1.0" encoding="utf-8"?>
-<a:theme xmlns:a="http://schemas.openxmlformats.org/drawingml/2006/main" xmlns:r="http://schemas.openxmlformats.org/officeDocument/2006/relationships" name="Office Theme">
-  <a:themeElements>
-    <a:clrScheme name="Office">
-      <a:dk1>
-        <a:srgbClr val="000000"/>
-      </a:dk1>
-      <a:lt1>
-        <a:srgbClr val="FFFFFF"/>
-      </a:lt1>
-      <a:dk2>
-        <a:srgbClr val="1F497D"/>
-      </a:dk2>
-      <a:lt2>
-        <a:srgbClr val="EEECE1"/>
-      </a:lt2>
-      <a:accent1>
-        <a:srgbClr val="4F81BD"/>
-      </a:accent1>
-      <a:accent2>
-        <a:srgbClr val="C0504D"/>
-      </a:accent2>
-      <a:accent3>
-        <a:srgbClr val="9BBB59"/>
-      </a:accent3>
-      <a:accent4>
-        <a:srgbClr val="8064A2"/>
-      </a:accent4>
-      <a:accent5>
-        <a:srgbClr val="4BACC6"/>
-      </a:accent5>
-      <a:accent6>
-        <a:srgbClr val="F79646"/>
-      </a:accent6>
-      <a:hlink>
-        <a:srgbClr val="0000FF"/>
-      </a:hlink>
-      <a:folHlink>
-        <a:srgbClr val="800080"/>
-      </a:folHlink>
-    </a:clrScheme>
-    <a:fontScheme name="Office">
-      <a:majorFont>
-        <a:latin typeface="Arial"/>
-        <a:ea typeface=""/>
-        <a:cs typeface=""/>
-        <a:font script="Jpan" typeface="ＭＳ Ｐゴシック"/>
-        <a:font script="Hang" typeface="맑은 고딕"/>
-        <a:font script="Hans" typeface="宋体"/>
-        <a:font script="Hant" typeface="新細明體"/>
-        <a:font script="Arab" typeface="Times New Roman"/>
-        <a:font script="Hebr" typeface="Times New Roman"/>
-        <a:font script="Thai" typeface="Angsana New"/>
-        <a:font script="Ethi" typeface="Nyala"/>
-        <a:font script="Beng" typeface="Vrinda"/>
-        <a:font script="Gujr" typeface="Shruti"/>
-        <a:font script="Khmr" typeface="MoolBoran"/>
-        <a:font script="Knda" typeface="Tunga"/>
-        <a:font script="Guru" typeface="Raavi"/>
-        <a:font script="Cans" typeface="Euphemia"/>
-        <a:font script="Cher" typeface="Plantagenet Cherokee"/>
-        <a:font script="Yiii" typeface="Microsoft Yi Baiti"/>
-        <a:font script="Tibt" typeface="Microsoft Himalaya"/>
-        <a:font script="Thaa" typeface="MV Boli"/>
-        <a:font script="Deva" typeface="Mangal"/>
-        <a:font script="Telu" typeface="Gautami"/>
-        <a:font script="Taml" typeface="Latha"/>
-        <a:font script="Syrc" typeface="Estrangelo Edessa"/>
-        <a:font script="Orya" typeface="Kalinga"/>
-        <a:font script="Mlym" typeface="Kartika"/>
-        <a:font script="Laoo" typeface="DokChampa"/>
-        <a:font script="Sinh" typeface="Iskoola Pota"/>
-        <a:font script="Mong" typeface="Mongolian Baiti"/>
-        <a:font script="Viet" typeface="Times New Roman"/>
-        <a:font script="Uigh" typeface="Microsoft Uighur"/>
-        <a:font script="Geor" typeface="Sylfaen"/>
-      </a:majorFont>
-      <a:minorFont>
-        <a:latin typeface="Arial"/>
-        <a:ea typeface=""/>
-        <a:cs typeface=""/>
-        <a:font script="Jpan" typeface="ＭＳ Ｐゴシック"/>
-        <a:font script="Hang" typeface="맑은 고딕"/>
-        <a:font script="Hans" typeface="宋体"/>
-        <a:font script="Hant" typeface="新細明體"/>
-        <a:font script="Arab" typeface="Arial"/>
-        <a:font script="Hebr" typeface="Arial"/>
-        <a:font script="Thai" typeface="Cordia New"/>
-        <a:font script="Ethi" typeface="Nyala"/>
-        <a:font script="Beng" typeface="Vrinda"/>
-        <a:font script="Gujr" typeface="Shruti"/>
-        <a:font script="Khmr" typeface="DaunPenh"/>
-        <a:font script="Knda" typeface="Tunga"/>
-        <a:font script="Guru" typeface="Raavi"/>
-        <a:font script="Cans" typeface="Euphemia"/>
-        <a:font script="Cher" typeface="Plantagenet Cherokee"/>
-        <a:font script="Yiii" typeface="Microsoft Yi Baiti"/>
-        <a:font script="Tibt" typeface="Microsoft Himalaya"/>
-        <a:font script="Thaa" typeface="MV Boli"/>
-        <a:font script="Deva" typeface="Mangal"/>
-        <a:font script="Telu" typeface="Gautami"/>
-        <a:font script="Taml" typeface="Latha"/>
-        <a:font script="Syrc" typeface="Estrangelo Edessa"/>
-        <a:font script="Orya" typeface="Kalinga"/>
-        <a:font script="Mlym" typeface="Kartika"/>
-        <a:font script="Laoo" typeface="DokChampa"/>
-        <a:font script="Sinh" typeface="Iskoola Pota"/>
-        <a:font script="Mong" typeface="Mongolian Baiti"/>
-        <a:font script="Viet" typeface="Arial"/>
-        <a:font script="Uigh" typeface="Microsoft Uighur"/>
-        <a:font script="Geor" typeface="Sylfaen"/>
-      </a:minorFont>
-    </a:fontScheme>
-    <a:fmtScheme name="Office">
-      <a:fillStyleLst>
-        <a:solidFill>
-          <a:schemeClr val="phClr"/>
-        </a:solidFill>
-        <a:gradFill rotWithShape="1">
-          <a:gsLst>
-            <a:gs pos="0">
-              <a:schemeClr val="phClr">
-                <a:tint val="50000"/>
-                <a:satMod val="300000"/>
-              </a:schemeClr>
-            </a:gs>
-            <a:gs pos="35000">
-              <a:schemeClr val="phClr">
-                <a:tint val="37000"/>
-                <a:satMod val="300000"/>
-              </a:schemeClr>
-            </a:gs>
-            <a:gs pos="100000">
-              <a:schemeClr val="phClr">
-                <a:tint val="15000"/>
-                <a:satMod val="350000"/>
-              </a:schemeClr>
-            </a:gs>
-          </a:gsLst>
-          <a:lin ang="16200000" scaled="1"/>
-        </a:gradFill>
-        <a:gradFill rotWithShape="1">
-          <a:gsLst>
-            <a:gs pos="0">
-              <a:schemeClr val="phClr">
-                <a:tint val="100000"/>
-                <a:shade val="100000"/>
-                <a:satMod val="130000"/>
-              </a:schemeClr>
-            </a:gs>
-            <a:gs pos="100000">
-              <a:schemeClr val="phClr">
-                <a:tint val="50000"/>
-                <a:shade val="100000"/>
-                <a:satMod val="350000"/>
-              </a:schemeClr>
-            </a:gs>
-          </a:gsLst>
-          <a:lin ang="16200000" scaled="0"/>
-        </a:gradFill>
-      </a:fillStyleLst>
-      <a:lnStyleLst>
-        <a:ln w="9525" cap="flat" cmpd="sng" algn="ctr">
-          <a:solidFill>
-            <a:schemeClr val="phClr">
-              <a:shade val="95000"/>
-              <a:satMod val="105000"/>
-            </a:schemeClr>
-          </a:solidFill>
-          <a:prstDash val="solid"/>
-        </a:ln>
-        <a:ln w="25400" cap="flat" cmpd="sng" algn="ctr">
-          <a:solidFill>
-            <a:schemeClr val="phClr"/>
-          </a:solidFill>
-          <a:prstDash val="solid"/>
-        </a:ln>
-        <a:ln w="38100" cap="flat" cmpd="sng" algn="ctr">
-          <a:solidFill>
-            <a:schemeClr val="phClr"/>
-          </a:solidFill>
-          <a:prstDash val="solid"/>
-        </a:ln>
-      </a:lnStyleLst>
-      <a:effectStyleLst>
-        <a:effectStyle>
-          <a:effectLst>
-            <a:outerShdw blurRad="40000" dist="20000" dir="5400000" rotWithShape="0">
-              <a:srgbClr val="000000">
-                <a:alpha val="38000"/>
-              </a:srgbClr>
-            </a:outerShdw>
-          </a:effectLst>
-        </a:effectStyle>
-        <a:effectStyle>
-          <a:effectLst>
-            <a:outerShdw blurRad="40000" dist="23000" dir="5400000" rotWithShape="0">
-              <a:srgbClr val="000000">
-                <a:alpha val="35000"/>
-              </a:srgbClr>
-            </a:outerShdw>
-          </a:effectLst>
-        </a:effectStyle>
-        <a:effectStyle>
-          <a:effectLst>
-            <a:outerShdw blurRad="40000" dist="23000" dir="5400000" rotWithShape="0">
-              <a:srgbClr val="000000">
-                <a:alpha val="35000"/>
-              </a:srgbClr>
-            </a:outerShdw>
-          </a:effectLst>
-          <a:scene3d>
-            <a:camera prst="orthographicFront">
-              <a:rot lat="0" lon="0" rev="0"/>
-            </a:camera>
-            <a:lightRig rig="threePt" dir="t">
-              <a:rot lat="0" lon="0" rev="1200000"/>
-            </a:lightRig>
-          </a:scene3d>
-          <a:sp3d>
-            <a:bevelT w="63500" h="25400"/>
-          </a:sp3d>
-        </a:effectStyle>
-      </a:effectStyleLst>
-      <a:bgFillStyleLst>
-        <a:solidFill>
-          <a:schemeClr val="phClr"/>
-        </a:solidFill>
-        <a:gradFill rotWithShape="1">
-          <a:gsLst>
-            <a:gs pos="0">
-              <a:schemeClr val="phClr">
-                <a:tint val="40000"/>
-                <a:satMod val="350000"/>
-              </a:schemeClr>
-            </a:gs>
-            <a:gs pos="40000">
-              <a:schemeClr val="phClr">
-                <a:tint val="45000"/>
-                <a:shade val="99000"/>
-                <a:satMod val="350000"/>
-              </a:schemeClr>
-            </a:gs>
-            <a:gs pos="100000">
-              <a:schemeClr val="phClr">
-                <a:shade val="20000"/>
-                <a:satMod val="255000"/>
-              </a:schemeClr>
-            </a:gs>
-          </a:gsLst>
-          <a:path path="circle">
-            <a:fillToRect l="50000" t="-80000" r="50000" b="180000"/>
-          </a:path>
-        </a:gradFill>
-        <a:gradFill rotWithShape="1">
-          <a:gsLst>
-            <a:gs pos="0">
-              <a:schemeClr val="phClr">
-                <a:tint val="80000"/>
-                <a:satMod val="300000"/>
-              </a:schemeClr>
-            </a:gs>
-            <a:gs pos="100000">
-              <a:schemeClr val="phClr">
-                <a:shade val="30000"/>
-                <a:satMod val="200000"/>
-              </a:schemeClr>
-            </a:gs>
-          </a:gsLst>
-          <a:path path="circle">
-            <a:fillToRect l="50000" t="50000" r="50000" b="50000"/>
-          </a:path>
-        </a:gradFill>
-      </a:bgFillStyleLst>
-    </a:fmtScheme>
-  </a:themeElements>
+  <a:objectDefaults/>
+  <a:extraClrSchemeLst/>
 </a:theme>
 </file>